--- a/Detector.pptx
+++ b/Detector.pptx
@@ -5,15 +5,16 @@
     <p:sldMasterId id="2147483648" r:id="rId1"/>
   </p:sldMasterIdLst>
   <p:notesMasterIdLst>
-    <p:notesMasterId r:id="rId8"/>
+    <p:notesMasterId r:id="rId9"/>
   </p:notesMasterIdLst>
   <p:sldIdLst>
     <p:sldId id="291" r:id="rId2"/>
     <p:sldId id="281" r:id="rId3"/>
     <p:sldId id="290" r:id="rId4"/>
-    <p:sldId id="293" r:id="rId5"/>
-    <p:sldId id="294" r:id="rId6"/>
-    <p:sldId id="296" r:id="rId7"/>
+    <p:sldId id="297" r:id="rId5"/>
+    <p:sldId id="293" r:id="rId6"/>
+    <p:sldId id="294" r:id="rId7"/>
+    <p:sldId id="296" r:id="rId8"/>
   </p:sldIdLst>
   <p:sldSz cx="12192000" cy="6858000"/>
   <p:notesSz cx="6858000" cy="9144000"/>
@@ -261,7 +262,7 @@
             <a:fld id="{C4D5ADD5-2BBC-4A94-8F86-D9013941F742}" type="datetimeFigureOut">
               <a:rPr lang="en-US"/>
               <a:pPr/>
-              <a:t>9/1/2025</a:t>
+              <a:t>9/2/2025</a:t>
             </a:fld>
             <a:endParaRPr lang="en-US"/>
           </a:p>
@@ -914,78 +915,19 @@
           <a:bodyPr/>
           <a:lstStyle/>
           <a:p>
-            <a:pPr marL="0" marR="0" lvl="0" indent="0" algn="r" defTabSz="457200" rtl="0" eaLnBrk="1" fontAlgn="base" latinLnBrk="0" hangingPunct="1">
-              <a:lnSpc>
-                <a:spcPct val="100000"/>
-              </a:lnSpc>
-              <a:spcBef>
-                <a:spcPct val="0"/>
-              </a:spcBef>
-              <a:spcAft>
-                <a:spcPct val="0"/>
-              </a:spcAft>
-              <a:buClrTx/>
-              <a:buSzTx/>
-              <a:buFontTx/>
-              <a:buNone/>
-              <a:tabLst/>
-              <a:defRPr/>
-            </a:pPr>
             <a:fld id="{0CA7B74D-3791-4AC6-8451-F10DBCCCDD9A}" type="slidenum">
-              <a:rPr kumimoji="0" lang="en-US" sz="1200" b="0" i="0" u="none" strike="noStrike" kern="1200" cap="none" spc="0" normalizeH="0" baseline="0" noProof="0">
-                <a:ln>
-                  <a:noFill/>
-                </a:ln>
-                <a:solidFill>
-                  <a:prstClr val="black"/>
-                </a:solidFill>
-                <a:effectLst/>
-                <a:uLnTx/>
-                <a:uFillTx/>
-                <a:latin typeface="Calibri" pitchFamily="34" charset="0"/>
-                <a:ea typeface="ＭＳ Ｐゴシック" pitchFamily="1" charset="-128"/>
-                <a:cs typeface="+mn-cs"/>
-              </a:rPr>
-              <a:pPr marL="0" marR="0" lvl="0" indent="0" algn="r" defTabSz="457200" rtl="0" eaLnBrk="1" fontAlgn="base" latinLnBrk="0" hangingPunct="1">
-                <a:lnSpc>
-                  <a:spcPct val="100000"/>
-                </a:lnSpc>
-                <a:spcBef>
-                  <a:spcPct val="0"/>
-                </a:spcBef>
-                <a:spcAft>
-                  <a:spcPct val="0"/>
-                </a:spcAft>
-                <a:buClrTx/>
-                <a:buSzTx/>
-                <a:buFontTx/>
-                <a:buNone/>
-                <a:tabLst/>
-                <a:defRPr/>
-              </a:pPr>
+              <a:rPr lang="en-US"/>
+              <a:pPr/>
               <a:t>4</a:t>
             </a:fld>
-            <a:endParaRPr kumimoji="0" lang="en-US" sz="1200" b="0" i="0" u="none" strike="noStrike" kern="1200" cap="none" spc="0" normalizeH="0" baseline="0" noProof="0">
-              <a:ln>
-                <a:noFill/>
-              </a:ln>
-              <a:solidFill>
-                <a:prstClr val="black"/>
-              </a:solidFill>
-              <a:effectLst/>
-              <a:uLnTx/>
-              <a:uFillTx/>
-              <a:latin typeface="Calibri" pitchFamily="34" charset="0"/>
-              <a:ea typeface="ＭＳ Ｐゴシック" pitchFamily="1" charset="-128"/>
-              <a:cs typeface="+mn-cs"/>
-            </a:endParaRPr>
+            <a:endParaRPr lang="en-US"/>
           </a:p>
         </p:txBody>
       </p:sp>
     </p:spTree>
     <p:extLst>
       <p:ext uri="{BB962C8B-B14F-4D97-AF65-F5344CB8AC3E}">
-        <p14:creationId xmlns:p14="http://schemas.microsoft.com/office/powerpoint/2010/main" val="3773505461"/>
+        <p14:creationId xmlns:p14="http://schemas.microsoft.com/office/powerpoint/2010/main" val="2335206292"/>
       </p:ext>
     </p:extLst>
   </p:cSld>
@@ -1163,7 +1105,7 @@
     </p:spTree>
     <p:extLst>
       <p:ext uri="{BB962C8B-B14F-4D97-AF65-F5344CB8AC3E}">
-        <p14:creationId xmlns:p14="http://schemas.microsoft.com/office/powerpoint/2010/main" val="2641722845"/>
+        <p14:creationId xmlns:p14="http://schemas.microsoft.com/office/powerpoint/2010/main" val="3773505461"/>
       </p:ext>
     </p:extLst>
   </p:cSld>
@@ -1320,6 +1262,184 @@
                 <a:defRPr/>
               </a:pPr>
               <a:t>6</a:t>
+            </a:fld>
+            <a:endParaRPr kumimoji="0" lang="en-US" sz="1200" b="0" i="0" u="none" strike="noStrike" kern="1200" cap="none" spc="0" normalizeH="0" baseline="0" noProof="0">
+              <a:ln>
+                <a:noFill/>
+              </a:ln>
+              <a:solidFill>
+                <a:prstClr val="black"/>
+              </a:solidFill>
+              <a:effectLst/>
+              <a:uLnTx/>
+              <a:uFillTx/>
+              <a:latin typeface="Calibri" pitchFamily="34" charset="0"/>
+              <a:ea typeface="ＭＳ Ｐゴシック" pitchFamily="1" charset="-128"/>
+              <a:cs typeface="+mn-cs"/>
+            </a:endParaRPr>
+          </a:p>
+        </p:txBody>
+      </p:sp>
+    </p:spTree>
+    <p:extLst>
+      <p:ext uri="{BB962C8B-B14F-4D97-AF65-F5344CB8AC3E}">
+        <p14:creationId xmlns:p14="http://schemas.microsoft.com/office/powerpoint/2010/main" val="2641722845"/>
+      </p:ext>
+    </p:extLst>
+  </p:cSld>
+  <p:clrMapOvr>
+    <a:masterClrMapping/>
+  </p:clrMapOvr>
+</p:notes>
+</file>
+
+<file path=ppt/notesSlides/notesSlide6.xml><?xml version="1.0" encoding="utf-8"?>
+<p:notes xmlns:a="http://schemas.openxmlformats.org/drawingml/2006/main" xmlns:r="http://schemas.openxmlformats.org/officeDocument/2006/relationships" xmlns:p="http://schemas.openxmlformats.org/presentationml/2006/main">
+  <p:cSld>
+    <p:spTree>
+      <p:nvGrpSpPr>
+        <p:cNvPr id="1" name=""/>
+        <p:cNvGrpSpPr/>
+        <p:nvPr/>
+      </p:nvGrpSpPr>
+      <p:grpSpPr>
+        <a:xfrm>
+          <a:off x="0" y="0"/>
+          <a:ext cx="0" cy="0"/>
+          <a:chOff x="0" y="0"/>
+          <a:chExt cx="0" cy="0"/>
+        </a:xfrm>
+      </p:grpSpPr>
+      <p:sp>
+        <p:nvSpPr>
+          <p:cNvPr id="18433" name="Slide Image Placeholder 1"/>
+          <p:cNvSpPr>
+            <a:spLocks noGrp="1" noRot="1" noChangeAspect="1"/>
+          </p:cNvSpPr>
+          <p:nvPr>
+            <p:ph type="sldImg"/>
+          </p:nvPr>
+        </p:nvSpPr>
+        <p:spPr bwMode="auto">
+          <a:xfrm>
+            <a:off x="381000" y="685800"/>
+            <a:ext cx="6096000" cy="3429000"/>
+          </a:xfrm>
+          <a:noFill/>
+          <a:ln>
+            <a:solidFill>
+              <a:srgbClr val="000000"/>
+            </a:solidFill>
+            <a:miter lim="800000"/>
+            <a:headEnd/>
+            <a:tailEnd/>
+          </a:ln>
+        </p:spPr>
+      </p:sp>
+      <p:sp>
+        <p:nvSpPr>
+          <p:cNvPr id="18434" name="Notes Placeholder 2"/>
+          <p:cNvSpPr>
+            <a:spLocks noGrp="1"/>
+          </p:cNvSpPr>
+          <p:nvPr>
+            <p:ph type="body" idx="1"/>
+          </p:nvPr>
+        </p:nvSpPr>
+        <p:spPr bwMode="auto">
+          <a:noFill/>
+        </p:spPr>
+        <p:txBody>
+          <a:bodyPr wrap="square" numCol="1" anchor="t" anchorCtr="0" compatLnSpc="1">
+            <a:prstTxWarp prst="textNoShape">
+              <a:avLst/>
+            </a:prstTxWarp>
+          </a:bodyPr>
+          <a:lstStyle/>
+          <a:p>
+            <a:pPr eaLnBrk="1" hangingPunct="1">
+              <a:spcBef>
+                <a:spcPct val="0"/>
+              </a:spcBef>
+            </a:pPr>
+            <a:endParaRPr lang="en-US">
+              <a:ea typeface="ＭＳ Ｐゴシック" pitchFamily="1" charset="-128"/>
+            </a:endParaRPr>
+          </a:p>
+        </p:txBody>
+      </p:sp>
+      <p:sp>
+        <p:nvSpPr>
+          <p:cNvPr id="18435" name="Slide Number Placeholder 3"/>
+          <p:cNvSpPr>
+            <a:spLocks noGrp="1"/>
+          </p:cNvSpPr>
+          <p:nvPr>
+            <p:ph type="sldNum" sz="quarter" idx="5"/>
+          </p:nvPr>
+        </p:nvSpPr>
+        <p:spPr bwMode="auto">
+          <a:noFill/>
+          <a:ln>
+            <a:miter lim="800000"/>
+            <a:headEnd/>
+            <a:tailEnd/>
+          </a:ln>
+        </p:spPr>
+        <p:txBody>
+          <a:bodyPr/>
+          <a:lstStyle/>
+          <a:p>
+            <a:pPr marL="0" marR="0" lvl="0" indent="0" algn="r" defTabSz="457200" rtl="0" eaLnBrk="1" fontAlgn="base" latinLnBrk="0" hangingPunct="1">
+              <a:lnSpc>
+                <a:spcPct val="100000"/>
+              </a:lnSpc>
+              <a:spcBef>
+                <a:spcPct val="0"/>
+              </a:spcBef>
+              <a:spcAft>
+                <a:spcPct val="0"/>
+              </a:spcAft>
+              <a:buClrTx/>
+              <a:buSzTx/>
+              <a:buFontTx/>
+              <a:buNone/>
+              <a:tabLst/>
+              <a:defRPr/>
+            </a:pPr>
+            <a:fld id="{0CA7B74D-3791-4AC6-8451-F10DBCCCDD9A}" type="slidenum">
+              <a:rPr kumimoji="0" lang="en-US" sz="1200" b="0" i="0" u="none" strike="noStrike" kern="1200" cap="none" spc="0" normalizeH="0" baseline="0" noProof="0">
+                <a:ln>
+                  <a:noFill/>
+                </a:ln>
+                <a:solidFill>
+                  <a:prstClr val="black"/>
+                </a:solidFill>
+                <a:effectLst/>
+                <a:uLnTx/>
+                <a:uFillTx/>
+                <a:latin typeface="Calibri" pitchFamily="34" charset="0"/>
+                <a:ea typeface="ＭＳ Ｐゴシック" pitchFamily="1" charset="-128"/>
+                <a:cs typeface="+mn-cs"/>
+              </a:rPr>
+              <a:pPr marL="0" marR="0" lvl="0" indent="0" algn="r" defTabSz="457200" rtl="0" eaLnBrk="1" fontAlgn="base" latinLnBrk="0" hangingPunct="1">
+                <a:lnSpc>
+                  <a:spcPct val="100000"/>
+                </a:lnSpc>
+                <a:spcBef>
+                  <a:spcPct val="0"/>
+                </a:spcBef>
+                <a:spcAft>
+                  <a:spcPct val="0"/>
+                </a:spcAft>
+                <a:buClrTx/>
+                <a:buSzTx/>
+                <a:buFontTx/>
+                <a:buNone/>
+                <a:tabLst/>
+                <a:defRPr/>
+              </a:pPr>
+              <a:t>7</a:t>
             </a:fld>
             <a:endParaRPr kumimoji="0" lang="en-US" sz="1200" b="0" i="0" u="none" strike="noStrike" kern="1200" cap="none" spc="0" normalizeH="0" baseline="0" noProof="0">
               <a:ln>
@@ -1534,7 +1654,7 @@
           <a:p>
             <a:fld id="{E60792E3-D524-454C-8AFD-A91972900BCB}" type="datetime1">
               <a:rPr lang="en-US" smtClean="0"/>
-              <a:t>9/1/2025</a:t>
+              <a:t>9/2/2025</a:t>
             </a:fld>
             <a:endParaRPr lang="en-US"/>
           </a:p>
@@ -1716,7 +1836,7 @@
           <a:p>
             <a:fld id="{053C3A68-6922-42D3-8905-ECC2D82A3469}" type="datetime1">
               <a:rPr lang="en-US" smtClean="0"/>
-              <a:t>9/1/2025</a:t>
+              <a:t>9/2/2025</a:t>
             </a:fld>
             <a:endParaRPr lang="en-US"/>
           </a:p>
@@ -1908,7 +2028,7 @@
           <a:p>
             <a:fld id="{CB69E9F4-7604-4950-A8B2-8ACDEDB1506E}" type="datetime1">
               <a:rPr lang="en-US" smtClean="0"/>
-              <a:t>9/1/2025</a:t>
+              <a:t>9/2/2025</a:t>
             </a:fld>
             <a:endParaRPr lang="en-US"/>
           </a:p>
@@ -2090,7 +2210,7 @@
           <a:p>
             <a:fld id="{708B7524-32A2-4C20-A58C-BC3BAA1042FC}" type="datetime1">
               <a:rPr lang="en-US" smtClean="0"/>
-              <a:t>9/1/2025</a:t>
+              <a:t>9/2/2025</a:t>
             </a:fld>
             <a:endParaRPr lang="en-US"/>
           </a:p>
@@ -2349,7 +2469,7 @@
           <a:p>
             <a:fld id="{1E994447-D6B2-43BB-A877-57F1A267B999}" type="datetime1">
               <a:rPr lang="en-US" smtClean="0"/>
-              <a:t>9/1/2025</a:t>
+              <a:t>9/2/2025</a:t>
             </a:fld>
             <a:endParaRPr lang="en-US"/>
           </a:p>
@@ -2648,7 +2768,7 @@
           <a:p>
             <a:fld id="{68920E16-BD35-483C-AA6B-346FC7E46DEA}" type="datetime1">
               <a:rPr lang="en-US" smtClean="0"/>
-              <a:t>9/1/2025</a:t>
+              <a:t>9/2/2025</a:t>
             </a:fld>
             <a:endParaRPr lang="en-US"/>
           </a:p>
@@ -3081,7 +3201,7 @@
           <a:p>
             <a:fld id="{2FEAC6F8-5103-4FC0-A69E-5C6AE6469DA8}" type="datetime1">
               <a:rPr lang="en-US" smtClean="0"/>
-              <a:t>9/1/2025</a:t>
+              <a:t>9/2/2025</a:t>
             </a:fld>
             <a:endParaRPr lang="en-US"/>
           </a:p>
@@ -3212,7 +3332,7 @@
           <a:p>
             <a:fld id="{C60C6921-0627-4C8F-83D5-0CF936D2FFDD}" type="datetime1">
               <a:rPr lang="en-US" smtClean="0"/>
-              <a:t>9/1/2025</a:t>
+              <a:t>9/2/2025</a:t>
             </a:fld>
             <a:endParaRPr lang="en-US"/>
           </a:p>
@@ -3321,7 +3441,7 @@
           <a:p>
             <a:fld id="{2FF08AD7-8103-40F8-983C-E2BA6BB9CBE0}" type="datetime1">
               <a:rPr lang="en-US" smtClean="0"/>
-              <a:t>9/1/2025</a:t>
+              <a:t>9/2/2025</a:t>
             </a:fld>
             <a:endParaRPr lang="en-US"/>
           </a:p>
@@ -3610,7 +3730,7 @@
           <a:p>
             <a:fld id="{DF8C06B4-9380-4A4D-AF49-A3596E17DAF5}" type="datetime1">
               <a:rPr lang="en-US" smtClean="0"/>
-              <a:t>9/1/2025</a:t>
+              <a:t>9/2/2025</a:t>
             </a:fld>
             <a:endParaRPr lang="en-US"/>
           </a:p>
@@ -3879,7 +3999,7 @@
           <a:p>
             <a:fld id="{EF7FDEF1-C582-4E22-9E77-D68326471F28}" type="datetime1">
               <a:rPr lang="en-US" smtClean="0"/>
-              <a:t>9/1/2025</a:t>
+              <a:t>9/2/2025</a:t>
             </a:fld>
             <a:endParaRPr lang="en-US"/>
           </a:p>
@@ -4122,7 +4242,7 @@
           <a:p>
             <a:fld id="{780A9602-A9A9-453F-AEF1-37B5837E02CD}" type="datetime1">
               <a:rPr lang="en-US" smtClean="0"/>
-              <a:t>9/1/2025</a:t>
+              <a:t>9/2/2025</a:t>
             </a:fld>
             <a:endParaRPr lang="en-US"/>
           </a:p>
@@ -5990,7 +6110,7 @@
                 <a:latin typeface="Times New Roman" panose="02020603050405020304" pitchFamily="18" charset="0"/>
                 <a:cs typeface="Times New Roman" panose="02020603050405020304" pitchFamily="18" charset="0"/>
               </a:rPr>
-              <a:t>&lt;Detector Name&gt;</a:t>
+              <a:t>MP Detector</a:t>
             </a:r>
             <a:endParaRPr lang="en-US" sz="1600" u="sng" dirty="0">
               <a:solidFill>
@@ -8160,8 +8280,8 @@
         </p:nvSpPr>
         <p:spPr bwMode="auto">
           <a:xfrm>
-            <a:off x="527304" y="1690062"/>
-            <a:ext cx="5781040" cy="3477875"/>
+            <a:off x="525788" y="3786454"/>
+            <a:ext cx="5781040" cy="2585323"/>
           </a:xfrm>
           <a:prstGeom prst="rect">
             <a:avLst/>
@@ -8181,122 +8301,95 @@
           <a:lstStyle/>
           <a:p>
             <a:pPr marL="342900" indent="-342900" algn="just">
-              <a:buFont typeface="Arial" panose="020B0604020202020204" pitchFamily="34" charset="0"/>
-              <a:buChar char="•"/>
+              <a:buFont typeface="Wingdings" panose="05000000000000000000" pitchFamily="2" charset="2"/>
+              <a:buChar char="q"/>
             </a:pPr>
             <a:r>
-              <a:rPr lang="en-US" sz="2000" dirty="0">
-                <a:latin typeface="Arial" pitchFamily="34" charset="0"/>
-                <a:cs typeface="Arial" pitchFamily="34" charset="0"/>
+              <a:rPr lang="en-US" dirty="0">
+                <a:latin typeface="Times New Roman" panose="02020603050405020304" pitchFamily="18" charset="0"/>
+                <a:cs typeface="Times New Roman" panose="02020603050405020304" pitchFamily="18" charset="0"/>
               </a:rPr>
-              <a:t>Firmware: C++ (ESP-IDF / Arduino)</a:t>
+              <a:t>Firmware: C++ (ESP-IDF) </a:t>
             </a:r>
           </a:p>
           <a:p>
             <a:pPr marL="342900" indent="-342900" algn="just">
-              <a:buFont typeface="Arial" panose="020B0604020202020204" pitchFamily="34" charset="0"/>
-              <a:buChar char="•"/>
+              <a:buFont typeface="Wingdings" panose="05000000000000000000" pitchFamily="2" charset="2"/>
+              <a:buChar char="q"/>
             </a:pPr>
             <a:r>
-              <a:rPr lang="en-US" sz="2000" dirty="0">
-                <a:latin typeface="Arial" pitchFamily="34" charset="0"/>
-                <a:cs typeface="Arial" pitchFamily="34" charset="0"/>
+              <a:rPr lang="en-US" dirty="0">
+                <a:latin typeface="Times New Roman" panose="02020603050405020304" pitchFamily="18" charset="0"/>
+                <a:cs typeface="Times New Roman" panose="02020603050405020304" pitchFamily="18" charset="0"/>
               </a:rPr>
-              <a:t>Sensors: AS7265x (18-band) + ESP32-S3 camera (5MP, optional 10× objective).</a:t>
-            </a:r>
+              <a:t>ML models: </a:t>
+            </a:r>
+          </a:p>
+          <a:p>
+            <a:pPr marL="800100" lvl="1" indent="-342900" algn="just">
+              <a:buFont typeface="Courier New" panose="02070309020205020404" pitchFamily="49" charset="0"/>
+              <a:buChar char="o"/>
+            </a:pPr>
+            <a:r>
+              <a:rPr lang="en-US" dirty="0">
+                <a:latin typeface="Times New Roman" panose="02020603050405020304" pitchFamily="18" charset="0"/>
+                <a:cs typeface="Times New Roman" panose="02020603050405020304" pitchFamily="18" charset="0"/>
+              </a:rPr>
+              <a:t>1D-CNN — input 18 channels → Conv(32, kernel=3) → Conv(64) → Dense(64) → </a:t>
+            </a:r>
+            <a:r>
+              <a:rPr lang="en-US" dirty="0" err="1">
+                <a:latin typeface="Times New Roman" panose="02020603050405020304" pitchFamily="18" charset="0"/>
+                <a:cs typeface="Times New Roman" panose="02020603050405020304" pitchFamily="18" charset="0"/>
+              </a:rPr>
+              <a:t>Softmax</a:t>
+            </a:r>
+            <a:r>
+              <a:rPr lang="en-US" dirty="0">
+                <a:latin typeface="Times New Roman" panose="02020603050405020304" pitchFamily="18" charset="0"/>
+                <a:cs typeface="Times New Roman" panose="02020603050405020304" pitchFamily="18" charset="0"/>
+              </a:rPr>
+              <a:t> (polymer classes). ~10k params.</a:t>
+            </a:r>
+          </a:p>
+          <a:p>
+            <a:pPr marL="800100" lvl="1" indent="-342900" algn="just">
+              <a:buFont typeface="Courier New" panose="02070309020205020404" pitchFamily="49" charset="0"/>
+              <a:buChar char="o"/>
+            </a:pPr>
+            <a:r>
+              <a:rPr lang="en-US" dirty="0"/>
+              <a:t>Tiny CNN on cropped particle images (quantized to int8).</a:t>
+            </a:r>
+            <a:endParaRPr lang="en-US" dirty="0">
+              <a:latin typeface="Times New Roman" panose="02020603050405020304" pitchFamily="18" charset="0"/>
+              <a:cs typeface="Times New Roman" panose="02020603050405020304" pitchFamily="18" charset="0"/>
+            </a:endParaRPr>
           </a:p>
           <a:p>
             <a:pPr marL="342900" indent="-342900" algn="just">
-              <a:buFont typeface="Arial" panose="020B0604020202020204" pitchFamily="34" charset="0"/>
-              <a:buChar char="•"/>
+              <a:buFont typeface="Wingdings" panose="05000000000000000000" pitchFamily="2" charset="2"/>
+              <a:buChar char="q"/>
             </a:pPr>
             <a:r>
-              <a:rPr lang="en-US" sz="2000" dirty="0">
-                <a:latin typeface="Arial" pitchFamily="34" charset="0"/>
-                <a:cs typeface="Arial" pitchFamily="34" charset="0"/>
+              <a:rPr lang="en-US" dirty="0">
+                <a:latin typeface="Times New Roman" panose="02020603050405020304" pitchFamily="18" charset="0"/>
+                <a:cs typeface="Times New Roman" panose="02020603050405020304" pitchFamily="18" charset="0"/>
               </a:rPr>
-              <a:t>Illumination: 365–405 nm UV / blue LED + emission filter (orange </a:t>
-            </a:r>
-            <a:r>
-              <a:rPr lang="en-US" sz="2000" dirty="0" err="1">
-                <a:latin typeface="Arial" pitchFamily="34" charset="0"/>
-                <a:cs typeface="Arial" pitchFamily="34" charset="0"/>
+              <a:t>Backend: Python backend (training), Flutter mobile app</a:t>
+            </a:r>
+          </a:p>
+          <a:p>
+            <a:pPr marL="342900" indent="-342900" algn="just">
+              <a:buFont typeface="Wingdings" panose="05000000000000000000" pitchFamily="2" charset="2"/>
+              <a:buChar char="q"/>
+            </a:pPr>
+            <a:r>
+              <a:rPr lang="en-US" dirty="0">
+                <a:latin typeface="Times New Roman" panose="02020603050405020304" pitchFamily="18" charset="0"/>
+                <a:cs typeface="Times New Roman" panose="02020603050405020304" pitchFamily="18" charset="0"/>
               </a:rPr>
-              <a:t>longpass</a:t>
-            </a:r>
-            <a:r>
-              <a:rPr lang="en-US" sz="2000" dirty="0">
-                <a:latin typeface="Arial" pitchFamily="34" charset="0"/>
-                <a:cs typeface="Arial" pitchFamily="34" charset="0"/>
-              </a:rPr>
-              <a:t>).</a:t>
-            </a:r>
-          </a:p>
-          <a:p>
-            <a:pPr marL="342900" indent="-342900" algn="just">
-              <a:buFont typeface="Arial" panose="020B0604020202020204" pitchFamily="34" charset="0"/>
-              <a:buChar char="•"/>
-            </a:pPr>
-            <a:r>
-              <a:rPr lang="en-US" sz="2000" dirty="0">
-                <a:latin typeface="Arial" pitchFamily="34" charset="0"/>
-                <a:cs typeface="Arial" pitchFamily="34" charset="0"/>
-              </a:rPr>
-              <a:t>ML: 1D-CNN on spectral vector + small image classifier → fusion model; converted to </a:t>
-            </a:r>
-            <a:r>
-              <a:rPr lang="en-US" sz="2000" dirty="0" err="1">
-                <a:latin typeface="Arial" pitchFamily="34" charset="0"/>
-                <a:cs typeface="Arial" pitchFamily="34" charset="0"/>
-              </a:rPr>
-              <a:t>TFLite</a:t>
-            </a:r>
-            <a:r>
-              <a:rPr lang="en-US" sz="2000" dirty="0">
-                <a:latin typeface="Arial" pitchFamily="34" charset="0"/>
-                <a:cs typeface="Arial" pitchFamily="34" charset="0"/>
-              </a:rPr>
-              <a:t>.</a:t>
-            </a:r>
-          </a:p>
-          <a:p>
-            <a:pPr marL="342900" indent="-342900" algn="just">
-              <a:buFont typeface="Arial" panose="020B0604020202020204" pitchFamily="34" charset="0"/>
-              <a:buChar char="•"/>
-            </a:pPr>
-            <a:r>
-              <a:rPr lang="en-US" sz="2000" dirty="0">
-                <a:latin typeface="Arial" pitchFamily="34" charset="0"/>
-                <a:cs typeface="Arial" pitchFamily="34" charset="0"/>
-              </a:rPr>
-              <a:t>Backend / App: Python backend (training), Flutter mobile app</a:t>
-            </a:r>
-          </a:p>
-          <a:p>
-            <a:pPr marL="342900" indent="-342900" algn="just">
-              <a:buFont typeface="Arial" panose="020B0604020202020204" pitchFamily="34" charset="0"/>
-              <a:buChar char="•"/>
-            </a:pPr>
-            <a:r>
-              <a:rPr lang="en-US" sz="2000" dirty="0">
-                <a:latin typeface="Arial" pitchFamily="34" charset="0"/>
-                <a:cs typeface="Arial" pitchFamily="34" charset="0"/>
-              </a:rPr>
-              <a:t>DB: Firebase (proto) → </a:t>
-            </a:r>
-            <a:r>
-              <a:rPr lang="en-US" sz="2000" dirty="0" err="1">
-                <a:latin typeface="Arial" pitchFamily="34" charset="0"/>
-                <a:cs typeface="Arial" pitchFamily="34" charset="0"/>
-              </a:rPr>
-              <a:t>InfluxDB</a:t>
-            </a:r>
-            <a:r>
-              <a:rPr lang="en-US" sz="2000" dirty="0">
-                <a:latin typeface="Arial" pitchFamily="34" charset="0"/>
-                <a:cs typeface="Arial" pitchFamily="34" charset="0"/>
-              </a:rPr>
-              <a:t> (final TS storage).</a:t>
+              <a:t>DB: Firebase</a:t>
             </a:r>
           </a:p>
         </p:txBody>
@@ -8494,6 +8587,229 @@
           </a:prstGeom>
         </p:spPr>
       </p:pic>
+      <p:sp>
+        <p:nvSpPr>
+          <p:cNvPr id="2" name="TextBox 1">
+            <a:extLst>
+              <a:ext uri="{FF2B5EF4-FFF2-40B4-BE49-F238E27FC236}">
+                <a16:creationId xmlns:a16="http://schemas.microsoft.com/office/drawing/2014/main" id="{2E52B151-038D-72D5-B504-1383A2D1DBA2}"/>
+              </a:ext>
+            </a:extLst>
+          </p:cNvPr>
+          <p:cNvSpPr txBox="1"/>
+          <p:nvPr/>
+        </p:nvSpPr>
+        <p:spPr>
+          <a:xfrm>
+            <a:off x="527304" y="1115587"/>
+            <a:ext cx="4240925" cy="461665"/>
+          </a:xfrm>
+          <a:prstGeom prst="rect">
+            <a:avLst/>
+          </a:prstGeom>
+          <a:noFill/>
+        </p:spPr>
+        <p:txBody>
+          <a:bodyPr wrap="square" rtlCol="0">
+            <a:spAutoFit/>
+          </a:bodyPr>
+          <a:lstStyle/>
+          <a:p>
+            <a:r>
+              <a:rPr lang="en-US" sz="2400" b="1" dirty="0"/>
+              <a:t>HARDWARE &amp; OPTICS</a:t>
+            </a:r>
+            <a:endParaRPr lang="en-IN" sz="2400" b="1" dirty="0"/>
+          </a:p>
+        </p:txBody>
+      </p:sp>
+      <p:sp>
+        <p:nvSpPr>
+          <p:cNvPr id="4" name="TextBox 3">
+            <a:extLst>
+              <a:ext uri="{FF2B5EF4-FFF2-40B4-BE49-F238E27FC236}">
+                <a16:creationId xmlns:a16="http://schemas.microsoft.com/office/drawing/2014/main" id="{918F6741-3352-A9F7-8EA3-9BD123C14E6A}"/>
+              </a:ext>
+            </a:extLst>
+          </p:cNvPr>
+          <p:cNvSpPr txBox="1"/>
+          <p:nvPr/>
+        </p:nvSpPr>
+        <p:spPr>
+          <a:xfrm>
+            <a:off x="526352" y="1451124"/>
+            <a:ext cx="6284345" cy="2031325"/>
+          </a:xfrm>
+          <a:prstGeom prst="rect">
+            <a:avLst/>
+          </a:prstGeom>
+          <a:noFill/>
+        </p:spPr>
+        <p:txBody>
+          <a:bodyPr wrap="square" rtlCol="0">
+            <a:spAutoFit/>
+          </a:bodyPr>
+          <a:lstStyle/>
+          <a:p>
+            <a:pPr marL="285750" indent="-285750">
+              <a:buFont typeface="Arial" panose="020B0604020202020204" pitchFamily="34" charset="0"/>
+              <a:buChar char="•"/>
+            </a:pPr>
+            <a:r>
+              <a:rPr lang="en-IN" i="1" dirty="0"/>
+              <a:t>Optical layout:</a:t>
+            </a:r>
+            <a:r>
+              <a:rPr lang="en-IN" dirty="0"/>
+              <a:t> Dark chamber, 3–5 mm flow cuvette or membrane holder, UV/blue LED (365–405 nm).</a:t>
+            </a:r>
+          </a:p>
+          <a:p>
+            <a:pPr marL="285750" indent="-285750">
+              <a:buFont typeface="Arial" panose="020B0604020202020204" pitchFamily="34" charset="0"/>
+              <a:buChar char="•"/>
+            </a:pPr>
+            <a:r>
+              <a:rPr lang="en-IN" i="1" dirty="0"/>
+              <a:t>Sensors:</a:t>
+            </a:r>
+            <a:r>
+              <a:rPr lang="en-IN" dirty="0"/>
+              <a:t> AS7265x multispectral (18 bands 410–940 nm) for spectral signature; ESP32-S3 camera (5 MP) with optional 10× objective for ≤50 µm resolution.</a:t>
+            </a:r>
+          </a:p>
+          <a:p>
+            <a:pPr marL="285750" indent="-285750">
+              <a:buFont typeface="Arial" panose="020B0604020202020204" pitchFamily="34" charset="0"/>
+              <a:buChar char="•"/>
+            </a:pPr>
+            <a:r>
+              <a:rPr lang="en-IN" i="1" dirty="0"/>
+              <a:t>Electronics:</a:t>
+            </a:r>
+            <a:r>
+              <a:rPr lang="en-IN" dirty="0"/>
+              <a:t> ESP32-S3 </a:t>
+            </a:r>
+            <a:r>
+              <a:rPr lang="en-IN" dirty="0" err="1"/>
+              <a:t>devboard</a:t>
+            </a:r>
+            <a:r>
+              <a:rPr lang="en-IN" dirty="0"/>
+              <a:t>, LED driver (PWM), I²C for AS7265x, 12V Li-ion battery + buck regulator (5V/3.3V rails).</a:t>
+            </a:r>
+          </a:p>
+        </p:txBody>
+      </p:sp>
+      <p:sp>
+        <p:nvSpPr>
+          <p:cNvPr id="5" name="TextBox 4">
+            <a:extLst>
+              <a:ext uri="{FF2B5EF4-FFF2-40B4-BE49-F238E27FC236}">
+                <a16:creationId xmlns:a16="http://schemas.microsoft.com/office/drawing/2014/main" id="{46A69318-4375-A9FC-F759-4F768DBF9B3A}"/>
+              </a:ext>
+            </a:extLst>
+          </p:cNvPr>
+          <p:cNvSpPr txBox="1"/>
+          <p:nvPr/>
+        </p:nvSpPr>
+        <p:spPr>
+          <a:xfrm>
+            <a:off x="668247" y="3429000"/>
+            <a:ext cx="2721338" cy="461665"/>
+          </a:xfrm>
+          <a:prstGeom prst="rect">
+            <a:avLst/>
+          </a:prstGeom>
+          <a:noFill/>
+        </p:spPr>
+        <p:txBody>
+          <a:bodyPr wrap="square" rtlCol="0">
+            <a:spAutoFit/>
+          </a:bodyPr>
+          <a:lstStyle/>
+          <a:p>
+            <a:r>
+              <a:rPr lang="en-US" sz="2400" b="1" dirty="0"/>
+              <a:t>SOFTWARE &amp; ML</a:t>
+            </a:r>
+            <a:endParaRPr lang="en-IN" sz="2400" b="1" dirty="0"/>
+          </a:p>
+        </p:txBody>
+      </p:sp>
+      <p:pic>
+        <p:nvPicPr>
+          <p:cNvPr id="8" name="Picture 7">
+            <a:extLst>
+              <a:ext uri="{FF2B5EF4-FFF2-40B4-BE49-F238E27FC236}">
+                <a16:creationId xmlns:a16="http://schemas.microsoft.com/office/drawing/2014/main" id="{E4B88CDA-DD2F-3445-3583-D8A8E81E3D46}"/>
+              </a:ext>
+            </a:extLst>
+          </p:cNvPr>
+          <p:cNvPicPr>
+            <a:picLocks noChangeAspect="1"/>
+          </p:cNvPicPr>
+          <p:nvPr/>
+        </p:nvPicPr>
+        <p:blipFill>
+          <a:blip r:embed="rId5">
+            <a:extLst>
+              <a:ext uri="{837473B0-CC2E-450A-ABE3-18F120FF3D39}">
+                <a1611:picAttrSrcUrl xmlns:a1611="http://schemas.microsoft.com/office/drawing/2016/11/main" r:id="rId6"/>
+              </a:ext>
+            </a:extLst>
+          </a:blip>
+          <a:stretch>
+            <a:fillRect/>
+          </a:stretch>
+        </p:blipFill>
+        <p:spPr>
+          <a:xfrm>
+            <a:off x="9923662" y="3644062"/>
+            <a:ext cx="1895810" cy="1895810"/>
+          </a:xfrm>
+          <a:prstGeom prst="rect">
+            <a:avLst/>
+          </a:prstGeom>
+        </p:spPr>
+      </p:pic>
+      <p:pic>
+        <p:nvPicPr>
+          <p:cNvPr id="13" name="Picture 12">
+            <a:extLst>
+              <a:ext uri="{FF2B5EF4-FFF2-40B4-BE49-F238E27FC236}">
+                <a16:creationId xmlns:a16="http://schemas.microsoft.com/office/drawing/2014/main" id="{F24889AA-97A4-C20C-5DDA-2F41D6082DC5}"/>
+              </a:ext>
+            </a:extLst>
+          </p:cNvPr>
+          <p:cNvPicPr>
+            <a:picLocks noChangeAspect="1"/>
+          </p:cNvPicPr>
+          <p:nvPr/>
+        </p:nvPicPr>
+        <p:blipFill>
+          <a:blip r:embed="rId7">
+            <a:extLst>
+              <a:ext uri="{837473B0-CC2E-450A-ABE3-18F120FF3D39}">
+                <a1611:picAttrSrcUrl xmlns:a1611="http://schemas.microsoft.com/office/drawing/2016/11/main" r:id="rId8"/>
+              </a:ext>
+            </a:extLst>
+          </a:blip>
+          <a:stretch>
+            <a:fillRect/>
+          </a:stretch>
+        </p:blipFill>
+        <p:spPr>
+          <a:xfrm>
+            <a:off x="9923662" y="1730215"/>
+            <a:ext cx="1950304" cy="1617326"/>
+          </a:xfrm>
+          <a:prstGeom prst="rect">
+            <a:avLst/>
+          </a:prstGeom>
+        </p:spPr>
+      </p:pic>
     </p:spTree>
   </p:cSld>
   <p:clrMapOvr>
@@ -8503,6 +8819,487 @@
 </file>
 
 <file path=ppt/slides/slide4.xml><?xml version="1.0" encoding="utf-8"?>
+<p:sld xmlns:a="http://schemas.openxmlformats.org/drawingml/2006/main" xmlns:r="http://schemas.openxmlformats.org/officeDocument/2006/relationships" xmlns:p="http://schemas.openxmlformats.org/presentationml/2006/main">
+  <p:cSld>
+    <p:spTree>
+      <p:nvGrpSpPr>
+        <p:cNvPr id="1" name=""/>
+        <p:cNvGrpSpPr/>
+        <p:nvPr/>
+      </p:nvGrpSpPr>
+      <p:grpSpPr>
+        <a:xfrm>
+          <a:off x="0" y="0"/>
+          <a:ext cx="0" cy="0"/>
+          <a:chOff x="0" y="0"/>
+          <a:chExt cx="0" cy="0"/>
+        </a:xfrm>
+      </p:grpSpPr>
+      <p:sp>
+        <p:nvSpPr>
+          <p:cNvPr id="10" name="Rectangle 9">
+            <a:extLst>
+              <a:ext uri="{FF2B5EF4-FFF2-40B4-BE49-F238E27FC236}">
+                <a16:creationId xmlns:a16="http://schemas.microsoft.com/office/drawing/2014/main" id="{AD4F69D3-EEB0-4C4C-9434-B9960FB5854C}"/>
+              </a:ext>
+            </a:extLst>
+          </p:cNvPr>
+          <p:cNvSpPr>
+            <a:spLocks noChangeArrowheads="1"/>
+          </p:cNvSpPr>
+          <p:nvPr/>
+        </p:nvSpPr>
+        <p:spPr bwMode="auto">
+          <a:xfrm>
+            <a:off x="0" y="6354762"/>
+            <a:ext cx="12191999" cy="503238"/>
+          </a:xfrm>
+          <a:prstGeom prst="rect">
+            <a:avLst/>
+          </a:prstGeom>
+          <a:solidFill>
+            <a:srgbClr val="0070C0"/>
+          </a:solidFill>
+          <a:ln w="9525">
+            <a:noFill/>
+            <a:miter lim="800000"/>
+            <a:headEnd/>
+            <a:tailEnd/>
+          </a:ln>
+          <a:effectLst>
+            <a:outerShdw dist="23000" dir="5400000" rotWithShape="0">
+              <a:srgbClr val="808080">
+                <a:alpha val="34999"/>
+              </a:srgbClr>
+            </a:outerShdw>
+          </a:effectLst>
+        </p:spPr>
+        <p:txBody>
+          <a:bodyPr anchor="ctr"/>
+          <a:lstStyle/>
+          <a:p>
+            <a:pPr algn="ctr" fontAlgn="auto">
+              <a:spcBef>
+                <a:spcPts val="0"/>
+              </a:spcBef>
+              <a:spcAft>
+                <a:spcPts val="0"/>
+              </a:spcAft>
+              <a:defRPr/>
+            </a:pPr>
+            <a:endParaRPr lang="en-US" dirty="0">
+              <a:solidFill>
+                <a:schemeClr val="accent2">
+                  <a:lumMod val="75000"/>
+                </a:schemeClr>
+              </a:solidFill>
+              <a:latin typeface="+mn-lt"/>
+              <a:ea typeface="+mn-ea"/>
+            </a:endParaRPr>
+          </a:p>
+        </p:txBody>
+      </p:sp>
+      <p:sp>
+        <p:nvSpPr>
+          <p:cNvPr id="17409" name="Title 1"/>
+          <p:cNvSpPr>
+            <a:spLocks noGrp="1"/>
+          </p:cNvSpPr>
+          <p:nvPr>
+            <p:ph type="title"/>
+          </p:nvPr>
+        </p:nvSpPr>
+        <p:spPr>
+          <a:xfrm>
+            <a:off x="527304" y="-148209"/>
+            <a:ext cx="10972800" cy="1143000"/>
+          </a:xfrm>
+        </p:spPr>
+        <p:txBody>
+          <a:bodyPr/>
+          <a:lstStyle/>
+          <a:p>
+            <a:pPr eaLnBrk="1" hangingPunct="1"/>
+            <a:r>
+              <a:rPr lang="en-US" sz="3600" b="1" dirty="0">
+                <a:latin typeface="Times New Roman" panose="02020603050405020304" pitchFamily="18" charset="0"/>
+                <a:ea typeface="ＭＳ Ｐゴシック" pitchFamily="1" charset="-128"/>
+                <a:cs typeface="Times New Roman" panose="02020603050405020304" pitchFamily="18" charset="0"/>
+              </a:rPr>
+              <a:t>TECHNICAL APPROACH</a:t>
+            </a:r>
+          </a:p>
+        </p:txBody>
+      </p:sp>
+      <p:sp>
+        <p:nvSpPr>
+          <p:cNvPr id="6" name="Slide Number Placeholder 5"/>
+          <p:cNvSpPr>
+            <a:spLocks noGrp="1"/>
+          </p:cNvSpPr>
+          <p:nvPr>
+            <p:ph type="sldNum" sz="quarter" idx="12"/>
+          </p:nvPr>
+        </p:nvSpPr>
+        <p:spPr/>
+        <p:txBody>
+          <a:bodyPr/>
+          <a:lstStyle/>
+          <a:p>
+            <a:fld id="{677C3CE7-23F7-4828-823C-E0205DF2CF97}" type="slidenum">
+              <a:rPr lang="en-US" b="1">
+                <a:solidFill>
+                  <a:schemeClr val="bg1"/>
+                </a:solidFill>
+              </a:rPr>
+              <a:pPr/>
+              <a:t>4</a:t>
+            </a:fld>
+            <a:endParaRPr lang="en-US" b="1" dirty="0">
+              <a:solidFill>
+                <a:schemeClr val="bg1"/>
+              </a:solidFill>
+            </a:endParaRPr>
+          </a:p>
+        </p:txBody>
+      </p:sp>
+      <p:sp>
+        <p:nvSpPr>
+          <p:cNvPr id="7" name="Footer Placeholder 6"/>
+          <p:cNvSpPr>
+            <a:spLocks noGrp="1"/>
+          </p:cNvSpPr>
+          <p:nvPr>
+            <p:ph type="ftr" sz="quarter" idx="11"/>
+          </p:nvPr>
+        </p:nvSpPr>
+        <p:spPr>
+          <a:xfrm>
+            <a:off x="4648200" y="6356353"/>
+            <a:ext cx="3204000" cy="365125"/>
+          </a:xfrm>
+        </p:spPr>
+        <p:txBody>
+          <a:bodyPr/>
+          <a:lstStyle/>
+          <a:p>
+            <a:pPr>
+              <a:defRPr/>
+            </a:pPr>
+            <a:r>
+              <a:rPr lang="en-US">
+                <a:solidFill>
+                  <a:schemeClr val="bg1"/>
+                </a:solidFill>
+              </a:rPr>
+              <a:t>@SIH Idea submission- Template</a:t>
+            </a:r>
+            <a:endParaRPr lang="en-US" dirty="0">
+              <a:solidFill>
+                <a:schemeClr val="bg1"/>
+              </a:solidFill>
+            </a:endParaRPr>
+          </a:p>
+        </p:txBody>
+      </p:sp>
+      <p:sp>
+        <p:nvSpPr>
+          <p:cNvPr id="11" name="Oval 10" descr="Your startup LOGO">
+            <a:extLst>
+              <a:ext uri="{FF2B5EF4-FFF2-40B4-BE49-F238E27FC236}">
+                <a16:creationId xmlns:a16="http://schemas.microsoft.com/office/drawing/2014/main" id="{5DBCE864-823D-4A13-9607-5DA1F0ED5FB8}"/>
+              </a:ext>
+              <a:ext uri="{C183D7F6-B498-43B3-948B-1728B52AA6E4}">
+                <adec:decorative xmlns:adec="http://schemas.microsoft.com/office/drawing/2017/decorative" val="0"/>
+              </a:ext>
+            </a:extLst>
+          </p:cNvPr>
+          <p:cNvSpPr/>
+          <p:nvPr/>
+        </p:nvSpPr>
+        <p:spPr>
+          <a:xfrm>
+            <a:off x="329773" y="252246"/>
+            <a:ext cx="1251857" cy="807334"/>
+          </a:xfrm>
+          <a:prstGeom prst="ellipse">
+            <a:avLst/>
+          </a:prstGeom>
+        </p:spPr>
+        <p:style>
+          <a:lnRef idx="2">
+            <a:schemeClr val="accent4"/>
+          </a:lnRef>
+          <a:fillRef idx="1">
+            <a:schemeClr val="lt1"/>
+          </a:fillRef>
+          <a:effectRef idx="0">
+            <a:schemeClr val="accent4"/>
+          </a:effectRef>
+          <a:fontRef idx="minor">
+            <a:schemeClr val="dk1"/>
+          </a:fontRef>
+        </p:style>
+        <p:txBody>
+          <a:bodyPr rtlCol="0" anchor="ctr"/>
+          <a:lstStyle/>
+          <a:p>
+            <a:pPr algn="ctr"/>
+            <a:r>
+              <a:rPr lang="en-US" dirty="0"/>
+              <a:t>Your Team Name</a:t>
+            </a:r>
+            <a:endParaRPr lang="en-IN" dirty="0"/>
+          </a:p>
+        </p:txBody>
+      </p:sp>
+      <p:pic>
+        <p:nvPicPr>
+          <p:cNvPr id="9" name="Picture 2" descr="https://www.sih.gov.in/img1/SIH-Logo.png"/>
+          <p:cNvPicPr>
+            <a:picLocks noChangeAspect="1" noChangeArrowheads="1"/>
+          </p:cNvPicPr>
+          <p:nvPr/>
+        </p:nvPicPr>
+        <p:blipFill>
+          <a:blip r:embed="rId3">
+            <a:extLst>
+              <a:ext uri="{28A0092B-C50C-407E-A947-70E740481C1C}">
+                <a14:useLocalDpi xmlns:a14="http://schemas.microsoft.com/office/drawing/2010/main" val="0"/>
+              </a:ext>
+            </a:extLst>
+          </a:blip>
+          <a:srcRect/>
+          <a:stretch>
+            <a:fillRect/>
+          </a:stretch>
+        </p:blipFill>
+        <p:spPr bwMode="auto">
+          <a:xfrm>
+            <a:off x="9841366" y="57097"/>
+            <a:ext cx="2209120" cy="1122868"/>
+          </a:xfrm>
+          <a:prstGeom prst="rect">
+            <a:avLst/>
+          </a:prstGeom>
+          <a:noFill/>
+          <a:extLst>
+            <a:ext uri="{909E8E84-426E-40DD-AFC4-6F175D3DCCD1}">
+              <a14:hiddenFill xmlns:a14="http://schemas.microsoft.com/office/drawing/2010/main">
+                <a:solidFill>
+                  <a:srgbClr val="FFFFFF"/>
+                </a:solidFill>
+              </a14:hiddenFill>
+            </a:ext>
+          </a:extLst>
+        </p:spPr>
+      </p:pic>
+      <p:pic>
+        <p:nvPicPr>
+          <p:cNvPr id="2" name="Picture 2"/>
+          <p:cNvPicPr>
+            <a:picLocks noChangeAspect="1" noChangeArrowheads="1"/>
+          </p:cNvPicPr>
+          <p:nvPr/>
+        </p:nvPicPr>
+        <p:blipFill>
+          <a:blip r:embed="rId4">
+            <a:extLst>
+              <a:ext uri="{28A0092B-C50C-407E-A947-70E740481C1C}">
+                <a14:useLocalDpi xmlns:a14="http://schemas.microsoft.com/office/drawing/2010/main" val="0"/>
+              </a:ext>
+            </a:extLst>
+          </a:blip>
+          <a:srcRect/>
+          <a:stretch>
+            <a:fillRect/>
+          </a:stretch>
+        </p:blipFill>
+        <p:spPr bwMode="auto">
+          <a:xfrm>
+            <a:off x="3555125" y="4086438"/>
+            <a:ext cx="4989944" cy="2234974"/>
+          </a:xfrm>
+          <a:prstGeom prst="rect">
+            <a:avLst/>
+          </a:prstGeom>
+          <a:noFill/>
+          <a:ln>
+            <a:noFill/>
+          </a:ln>
+          <a:effectLst/>
+          <a:extLst>
+            <a:ext uri="{909E8E84-426E-40DD-AFC4-6F175D3DCCD1}">
+              <a14:hiddenFill xmlns:a14="http://schemas.microsoft.com/office/drawing/2010/main">
+                <a:solidFill>
+                  <a:schemeClr val="accent1"/>
+                </a:solidFill>
+              </a14:hiddenFill>
+            </a:ext>
+            <a:ext uri="{91240B29-F687-4F45-9708-019B960494DF}">
+              <a14:hiddenLine xmlns:a14="http://schemas.microsoft.com/office/drawing/2010/main" w="9525">
+                <a:solidFill>
+                  <a:schemeClr val="tx1"/>
+                </a:solidFill>
+                <a:miter lim="800000"/>
+                <a:headEnd/>
+                <a:tailEnd/>
+              </a14:hiddenLine>
+            </a:ext>
+            <a:ext uri="{AF507438-7753-43E0-B8FC-AC1667EBCBE1}">
+              <a14:hiddenEffects xmlns:a14="http://schemas.microsoft.com/office/drawing/2010/main">
+                <a:effectLst>
+                  <a:outerShdw dist="35921" dir="2700000" algn="ctr" rotWithShape="0">
+                    <a:schemeClr val="bg2"/>
+                  </a:outerShdw>
+                </a:effectLst>
+              </a14:hiddenEffects>
+            </a:ext>
+          </a:extLst>
+        </p:spPr>
+      </p:pic>
+      <p:pic>
+        <p:nvPicPr>
+          <p:cNvPr id="1028" name="Picture 4"/>
+          <p:cNvPicPr>
+            <a:picLocks noChangeAspect="1" noChangeArrowheads="1"/>
+          </p:cNvPicPr>
+          <p:nvPr/>
+        </p:nvPicPr>
+        <p:blipFill rotWithShape="1">
+          <a:blip r:embed="rId5">
+            <a:extLst>
+              <a:ext uri="{28A0092B-C50C-407E-A947-70E740481C1C}">
+                <a14:useLocalDpi xmlns:a14="http://schemas.microsoft.com/office/drawing/2010/main" val="0"/>
+              </a:ext>
+            </a:extLst>
+          </a:blip>
+          <a:srcRect l="4890"/>
+          <a:stretch/>
+        </p:blipFill>
+        <p:spPr bwMode="auto">
+          <a:xfrm rot="16200000">
+            <a:off x="7978362" y="2123510"/>
+            <a:ext cx="4487123" cy="3353709"/>
+          </a:xfrm>
+          <a:prstGeom prst="rect">
+            <a:avLst/>
+          </a:prstGeom>
+          <a:noFill/>
+          <a:ln>
+            <a:noFill/>
+          </a:ln>
+          <a:effectLst/>
+          <a:extLst>
+            <a:ext uri="{909E8E84-426E-40DD-AFC4-6F175D3DCCD1}">
+              <a14:hiddenFill xmlns:a14="http://schemas.microsoft.com/office/drawing/2010/main">
+                <a:solidFill>
+                  <a:schemeClr val="accent1"/>
+                </a:solidFill>
+              </a14:hiddenFill>
+            </a:ext>
+            <a:ext uri="{91240B29-F687-4F45-9708-019B960494DF}">
+              <a14:hiddenLine xmlns:a14="http://schemas.microsoft.com/office/drawing/2010/main" w="9525">
+                <a:solidFill>
+                  <a:schemeClr val="tx1"/>
+                </a:solidFill>
+                <a:miter lim="800000"/>
+                <a:headEnd/>
+                <a:tailEnd/>
+              </a14:hiddenLine>
+            </a:ext>
+            <a:ext uri="{AF507438-7753-43E0-B8FC-AC1667EBCBE1}">
+              <a14:hiddenEffects xmlns:a14="http://schemas.microsoft.com/office/drawing/2010/main">
+                <a:effectLst>
+                  <a:outerShdw dist="35921" dir="2700000" algn="ctr" rotWithShape="0">
+                    <a:schemeClr val="bg2"/>
+                  </a:outerShdw>
+                </a:effectLst>
+              </a14:hiddenEffects>
+            </a:ext>
+          </a:extLst>
+        </p:spPr>
+      </p:pic>
+      <p:pic>
+        <p:nvPicPr>
+          <p:cNvPr id="8" name="Picture 7">
+            <a:extLst>
+              <a:ext uri="{FF2B5EF4-FFF2-40B4-BE49-F238E27FC236}">
+                <a16:creationId xmlns:a16="http://schemas.microsoft.com/office/drawing/2014/main" id="{5A8A4155-93CA-C3AB-E024-E9C977C1F03A}"/>
+              </a:ext>
+            </a:extLst>
+          </p:cNvPr>
+          <p:cNvPicPr>
+            <a:picLocks noChangeAspect="1"/>
+          </p:cNvPicPr>
+          <p:nvPr/>
+        </p:nvPicPr>
+        <p:blipFill>
+          <a:blip r:embed="rId6">
+            <a:extLst>
+              <a:ext uri="{837473B0-CC2E-450A-ABE3-18F120FF3D39}">
+                <a1611:picAttrSrcUrl xmlns:a1611="http://schemas.microsoft.com/office/drawing/2016/11/main" r:id="rId7"/>
+              </a:ext>
+            </a:extLst>
+          </a:blip>
+          <a:stretch>
+            <a:fillRect/>
+          </a:stretch>
+        </p:blipFill>
+        <p:spPr>
+          <a:xfrm>
+            <a:off x="94594" y="4572001"/>
+            <a:ext cx="3344256" cy="1264737"/>
+          </a:xfrm>
+          <a:prstGeom prst="rect">
+            <a:avLst/>
+          </a:prstGeom>
+        </p:spPr>
+      </p:pic>
+      <p:pic>
+        <p:nvPicPr>
+          <p:cNvPr id="13" name="Picture 12">
+            <a:extLst>
+              <a:ext uri="{FF2B5EF4-FFF2-40B4-BE49-F238E27FC236}">
+                <a16:creationId xmlns:a16="http://schemas.microsoft.com/office/drawing/2014/main" id="{47E0BF17-4CAA-7328-7581-7EAFC44BE056}"/>
+              </a:ext>
+            </a:extLst>
+          </p:cNvPr>
+          <p:cNvPicPr>
+            <a:picLocks noChangeAspect="1"/>
+          </p:cNvPicPr>
+          <p:nvPr/>
+        </p:nvPicPr>
+        <p:blipFill>
+          <a:blip r:embed="rId8"/>
+          <a:stretch>
+            <a:fillRect/>
+          </a:stretch>
+        </p:blipFill>
+        <p:spPr>
+          <a:xfrm>
+            <a:off x="94594" y="1443742"/>
+            <a:ext cx="4304982" cy="2582989"/>
+          </a:xfrm>
+          <a:prstGeom prst="rect">
+            <a:avLst/>
+          </a:prstGeom>
+        </p:spPr>
+      </p:pic>
+    </p:spTree>
+    <p:extLst>
+      <p:ext uri="{BB962C8B-B14F-4D97-AF65-F5344CB8AC3E}">
+        <p14:creationId xmlns:p14="http://schemas.microsoft.com/office/powerpoint/2010/main" val="1335815879"/>
+      </p:ext>
+    </p:extLst>
+  </p:cSld>
+  <p:clrMapOvr>
+    <a:masterClrMapping/>
+  </p:clrMapOvr>
+</p:sld>
+</file>
+
+<file path=ppt/slides/slide5.xml><?xml version="1.0" encoding="utf-8"?>
 <p:sld xmlns:a="http://schemas.openxmlformats.org/drawingml/2006/main" xmlns:r="http://schemas.openxmlformats.org/officeDocument/2006/relationships" xmlns:p="http://schemas.openxmlformats.org/presentationml/2006/main">
   <p:cSld>
     <p:spTree>
@@ -8635,8 +9432,8 @@
         </p:nvSpPr>
         <p:spPr bwMode="auto">
           <a:xfrm>
-            <a:off x="609600" y="2533653"/>
-            <a:ext cx="9385300" cy="2246769"/>
+            <a:off x="701040" y="1322208"/>
+            <a:ext cx="5100670" cy="1107996"/>
           </a:xfrm>
           <a:prstGeom prst="rect">
             <a:avLst/>
@@ -8655,20 +9452,35 @@
           </a:bodyPr>
           <a:lstStyle/>
           <a:p>
+            <a:pPr lvl="0" algn="just">
+              <a:defRPr/>
+            </a:pPr>
+            <a:r>
+              <a:rPr lang="en-US" b="1" dirty="0">
+                <a:solidFill>
+                  <a:prstClr val="black"/>
+                </a:solidFill>
+                <a:latin typeface="Times New Roman" panose="02020603050405020304" pitchFamily="18" charset="0"/>
+                <a:cs typeface="Times New Roman" panose="02020603050405020304" pitchFamily="18" charset="0"/>
+              </a:rPr>
+              <a:t>Feasibility</a:t>
+            </a:r>
+          </a:p>
+          <a:p>
             <a:pPr marL="342900" lvl="0" indent="-342900" algn="just">
               <a:buFont typeface="Arial" panose="020B0604020202020204" pitchFamily="34" charset="0"/>
               <a:buChar char="•"/>
               <a:defRPr/>
             </a:pPr>
             <a:r>
-              <a:rPr lang="en-US" sz="2000" dirty="0">
+              <a:rPr lang="en-US" sz="1600" dirty="0">
                 <a:solidFill>
                   <a:prstClr val="black"/>
                 </a:solidFill>
-                <a:latin typeface="Arial" pitchFamily="34" charset="0"/>
-                <a:cs typeface="Arial" pitchFamily="34" charset="0"/>
+                <a:latin typeface="Times New Roman" panose="02020603050405020304" pitchFamily="18" charset="0"/>
+                <a:cs typeface="Times New Roman" panose="02020603050405020304" pitchFamily="18" charset="0"/>
               </a:rPr>
-              <a:t>Parts are low-cost; prototype achievable in 4–6 weeks (ESP32-S3, AS7265x, optics, 3D printed chamber).</a:t>
+              <a:t>Low-cost hardware components</a:t>
             </a:r>
           </a:p>
           <a:p>
@@ -8678,14 +9490,14 @@
               <a:defRPr/>
             </a:pPr>
             <a:r>
-              <a:rPr lang="en-US" sz="2000" dirty="0">
+              <a:rPr lang="en-US" sz="1600" dirty="0">
                 <a:solidFill>
                   <a:prstClr val="black"/>
                 </a:solidFill>
-                <a:latin typeface="Arial" pitchFamily="34" charset="0"/>
-                <a:cs typeface="Arial" pitchFamily="34" charset="0"/>
+                <a:latin typeface="Times New Roman" panose="02020603050405020304" pitchFamily="18" charset="0"/>
+                <a:cs typeface="Times New Roman" panose="02020603050405020304" pitchFamily="18" charset="0"/>
               </a:rPr>
-              <a:t>Small-particle resolution (needs magnifier); Nile Red false positives; environmental noise (algae, silt).</a:t>
+              <a:t>Prototype is practical</a:t>
             </a:r>
           </a:p>
           <a:p>
@@ -8695,526 +9507,14 @@
               <a:defRPr/>
             </a:pPr>
             <a:r>
-              <a:rPr lang="en-US" sz="2000" dirty="0">
+              <a:rPr lang="en-US" sz="1600" dirty="0">
                 <a:solidFill>
                   <a:prstClr val="black"/>
                 </a:solidFill>
-                <a:latin typeface="Arial" pitchFamily="34" charset="0"/>
-                <a:cs typeface="Arial" pitchFamily="34" charset="0"/>
-              </a:rPr>
-              <a:t>Add 10× objective for &lt;100 µm; combine spectral + image fusion; validate subset by FTIR; use prefiltering and sample metadata logging.</a:t>
-            </a:r>
-          </a:p>
-          <a:p>
-            <a:pPr marL="342900" lvl="0" indent="-342900" algn="just">
-              <a:buFont typeface="Arial" panose="020B0604020202020204" pitchFamily="34" charset="0"/>
-              <a:buChar char="•"/>
-              <a:defRPr/>
-            </a:pPr>
-            <a:r>
-              <a:rPr lang="en-US" sz="2000" dirty="0">
-                <a:solidFill>
-                  <a:prstClr val="black"/>
-                </a:solidFill>
-                <a:latin typeface="Arial" pitchFamily="34" charset="0"/>
-                <a:cs typeface="Arial" pitchFamily="34" charset="0"/>
-              </a:rPr>
-              <a:t>Li-ion battery with step-down; Nile Red handled with PPE and proper disposal.</a:t>
-            </a:r>
-            <a:endParaRPr kumimoji="0" lang="en-US" sz="2000" b="0" i="0" u="none" strike="noStrike" kern="1200" cap="none" spc="0" normalizeH="0" baseline="0" noProof="0" dirty="0">
-              <a:ln>
-                <a:noFill/>
-              </a:ln>
-              <a:solidFill>
-                <a:prstClr val="black"/>
-              </a:solidFill>
-              <a:effectLst/>
-              <a:uLnTx/>
-              <a:uFillTx/>
-              <a:latin typeface="Arial" pitchFamily="34" charset="0"/>
-              <a:ea typeface="ＭＳ Ｐゴシック" pitchFamily="1" charset="-128"/>
-              <a:cs typeface="Arial" pitchFamily="34" charset="0"/>
-            </a:endParaRPr>
-          </a:p>
-        </p:txBody>
-      </p:sp>
-      <p:sp>
-        <p:nvSpPr>
-          <p:cNvPr id="6" name="Slide Number Placeholder 5"/>
-          <p:cNvSpPr>
-            <a:spLocks noGrp="1"/>
-          </p:cNvSpPr>
-          <p:nvPr>
-            <p:ph type="sldNum" sz="quarter" idx="12"/>
-          </p:nvPr>
-        </p:nvSpPr>
-        <p:spPr/>
-        <p:txBody>
-          <a:bodyPr/>
-          <a:lstStyle/>
-          <a:p>
-            <a:pPr marL="0" marR="0" lvl="0" indent="0" algn="r" defTabSz="457200" rtl="0" eaLnBrk="1" fontAlgn="base" latinLnBrk="0" hangingPunct="1">
-              <a:lnSpc>
-                <a:spcPct val="100000"/>
-              </a:lnSpc>
-              <a:spcBef>
-                <a:spcPct val="0"/>
-              </a:spcBef>
-              <a:spcAft>
-                <a:spcPct val="0"/>
-              </a:spcAft>
-              <a:buClrTx/>
-              <a:buSzTx/>
-              <a:buFontTx/>
-              <a:buNone/>
-              <a:tabLst/>
-              <a:defRPr/>
-            </a:pPr>
-            <a:fld id="{677C3CE7-23F7-4828-823C-E0205DF2CF97}" type="slidenum">
-              <a:rPr kumimoji="0" lang="en-US" sz="1200" b="1" i="0" u="none" strike="noStrike" kern="1200" cap="none" spc="0" normalizeH="0" baseline="0" noProof="0">
-                <a:ln>
-                  <a:noFill/>
-                </a:ln>
-                <a:solidFill>
-                  <a:prstClr val="white"/>
-                </a:solidFill>
-                <a:effectLst/>
-                <a:uLnTx/>
-                <a:uFillTx/>
-                <a:latin typeface="TradeGothic" pitchFamily="1" charset="0"/>
-                <a:ea typeface="ＭＳ Ｐゴシック" pitchFamily="1" charset="-128"/>
-                <a:cs typeface="+mn-cs"/>
-              </a:rPr>
-              <a:pPr marL="0" marR="0" lvl="0" indent="0" algn="r" defTabSz="457200" rtl="0" eaLnBrk="1" fontAlgn="base" latinLnBrk="0" hangingPunct="1">
-                <a:lnSpc>
-                  <a:spcPct val="100000"/>
-                </a:lnSpc>
-                <a:spcBef>
-                  <a:spcPct val="0"/>
-                </a:spcBef>
-                <a:spcAft>
-                  <a:spcPct val="0"/>
-                </a:spcAft>
-                <a:buClrTx/>
-                <a:buSzTx/>
-                <a:buFontTx/>
-                <a:buNone/>
-                <a:tabLst/>
-                <a:defRPr/>
-              </a:pPr>
-              <a:t>4</a:t>
-            </a:fld>
-            <a:endParaRPr kumimoji="0" lang="en-US" sz="1200" b="1" i="0" u="none" strike="noStrike" kern="1200" cap="none" spc="0" normalizeH="0" baseline="0" noProof="0" dirty="0">
-              <a:ln>
-                <a:noFill/>
-              </a:ln>
-              <a:solidFill>
-                <a:prstClr val="white"/>
-              </a:solidFill>
-              <a:effectLst/>
-              <a:uLnTx/>
-              <a:uFillTx/>
-              <a:latin typeface="TradeGothic" pitchFamily="1" charset="0"/>
-              <a:ea typeface="ＭＳ Ｐゴシック" pitchFamily="1" charset="-128"/>
-              <a:cs typeface="+mn-cs"/>
-            </a:endParaRPr>
-          </a:p>
-        </p:txBody>
-      </p:sp>
-      <p:sp>
-        <p:nvSpPr>
-          <p:cNvPr id="7" name="Footer Placeholder 6"/>
-          <p:cNvSpPr>
-            <a:spLocks noGrp="1"/>
-          </p:cNvSpPr>
-          <p:nvPr>
-            <p:ph type="ftr" sz="quarter" idx="11"/>
-          </p:nvPr>
-        </p:nvSpPr>
-        <p:spPr>
-          <a:xfrm>
-            <a:off x="4648200" y="6356353"/>
-            <a:ext cx="3204000" cy="365125"/>
-          </a:xfrm>
-        </p:spPr>
-        <p:txBody>
-          <a:bodyPr/>
-          <a:lstStyle/>
-          <a:p>
-            <a:pPr marL="0" marR="0" lvl="0" indent="0" algn="ctr" defTabSz="457200" rtl="0" eaLnBrk="1" fontAlgn="auto" latinLnBrk="0" hangingPunct="1">
-              <a:lnSpc>
-                <a:spcPct val="100000"/>
-              </a:lnSpc>
-              <a:spcBef>
-                <a:spcPts val="0"/>
-              </a:spcBef>
-              <a:spcAft>
-                <a:spcPts val="0"/>
-              </a:spcAft>
-              <a:buClrTx/>
-              <a:buSzTx/>
-              <a:buFontTx/>
-              <a:buNone/>
-              <a:tabLst/>
-              <a:defRPr/>
-            </a:pPr>
-            <a:r>
-              <a:rPr kumimoji="0" lang="en-US" sz="1200" b="0" i="0" u="none" strike="noStrike" kern="1200" cap="none" spc="0" normalizeH="0" baseline="0" noProof="0">
-                <a:ln>
-                  <a:noFill/>
-                </a:ln>
-                <a:solidFill>
-                  <a:prstClr val="white"/>
-                </a:solidFill>
-                <a:effectLst/>
-                <a:uLnTx/>
-                <a:uFillTx/>
-                <a:latin typeface="TradeGothic"/>
-                <a:ea typeface="+mn-ea"/>
-                <a:cs typeface="+mn-cs"/>
-              </a:rPr>
-              <a:t>@SIH Idea submission- Template</a:t>
-            </a:r>
-            <a:endParaRPr kumimoji="0" lang="en-US" sz="1200" b="0" i="0" u="none" strike="noStrike" kern="1200" cap="none" spc="0" normalizeH="0" baseline="0" noProof="0" dirty="0">
-              <a:ln>
-                <a:noFill/>
-              </a:ln>
-              <a:solidFill>
-                <a:prstClr val="white"/>
-              </a:solidFill>
-              <a:effectLst/>
-              <a:uLnTx/>
-              <a:uFillTx/>
-              <a:latin typeface="TradeGothic"/>
-              <a:ea typeface="+mn-ea"/>
-              <a:cs typeface="+mn-cs"/>
-            </a:endParaRPr>
-          </a:p>
-        </p:txBody>
-      </p:sp>
-      <p:sp>
-        <p:nvSpPr>
-          <p:cNvPr id="12" name="Oval 11" descr="Your startup LOGO">
-            <a:extLst>
-              <a:ext uri="{FF2B5EF4-FFF2-40B4-BE49-F238E27FC236}">
-                <a16:creationId xmlns:a16="http://schemas.microsoft.com/office/drawing/2014/main" id="{5DBCE864-823D-4A13-9607-5DA1F0ED5FB8}"/>
-              </a:ext>
-              <a:ext uri="{C183D7F6-B498-43B3-948B-1728B52AA6E4}">
-                <adec:decorative xmlns:adec="http://schemas.microsoft.com/office/drawing/2017/decorative" val="0"/>
-              </a:ext>
-            </a:extLst>
-          </p:cNvPr>
-          <p:cNvSpPr/>
-          <p:nvPr/>
-        </p:nvSpPr>
-        <p:spPr>
-          <a:xfrm>
-            <a:off x="329773" y="252246"/>
-            <a:ext cx="1251857" cy="807334"/>
-          </a:xfrm>
-          <a:prstGeom prst="ellipse">
-            <a:avLst/>
-          </a:prstGeom>
-        </p:spPr>
-        <p:style>
-          <a:lnRef idx="2">
-            <a:schemeClr val="accent4"/>
-          </a:lnRef>
-          <a:fillRef idx="1">
-            <a:schemeClr val="lt1"/>
-          </a:fillRef>
-          <a:effectRef idx="0">
-            <a:schemeClr val="accent4"/>
-          </a:effectRef>
-          <a:fontRef idx="minor">
-            <a:schemeClr val="dk1"/>
-          </a:fontRef>
-        </p:style>
-        <p:txBody>
-          <a:bodyPr rtlCol="0" anchor="ctr"/>
-          <a:lstStyle/>
-          <a:p>
-            <a:pPr algn="ctr"/>
-            <a:r>
-              <a:rPr lang="en-US" dirty="0"/>
-              <a:t>Your Team Name</a:t>
-            </a:r>
-            <a:endParaRPr lang="en-IN" dirty="0"/>
-          </a:p>
-        </p:txBody>
-      </p:sp>
-      <p:pic>
-        <p:nvPicPr>
-          <p:cNvPr id="9" name="Picture 2" descr="https://www.sih.gov.in/img1/SIH-Logo.png"/>
-          <p:cNvPicPr>
-            <a:picLocks noChangeAspect="1" noChangeArrowheads="1"/>
-          </p:cNvPicPr>
-          <p:nvPr/>
-        </p:nvPicPr>
-        <p:blipFill>
-          <a:blip r:embed="rId3">
-            <a:extLst>
-              <a:ext uri="{28A0092B-C50C-407E-A947-70E740481C1C}">
-                <a14:useLocalDpi xmlns:a14="http://schemas.microsoft.com/office/drawing/2010/main" val="0"/>
-              </a:ext>
-            </a:extLst>
-          </a:blip>
-          <a:srcRect/>
-          <a:stretch>
-            <a:fillRect/>
-          </a:stretch>
-        </p:blipFill>
-        <p:spPr bwMode="auto">
-          <a:xfrm>
-            <a:off x="9841366" y="57097"/>
-            <a:ext cx="2209120" cy="1122868"/>
-          </a:xfrm>
-          <a:prstGeom prst="rect">
-            <a:avLst/>
-          </a:prstGeom>
-          <a:noFill/>
-          <a:extLst>
-            <a:ext uri="{909E8E84-426E-40DD-AFC4-6F175D3DCCD1}">
-              <a14:hiddenFill xmlns:a14="http://schemas.microsoft.com/office/drawing/2010/main">
-                <a:solidFill>
-                  <a:srgbClr val="FFFFFF"/>
-                </a:solidFill>
-              </a14:hiddenFill>
-            </a:ext>
-          </a:extLst>
-        </p:spPr>
-      </p:pic>
-    </p:spTree>
-    <p:extLst>
-      <p:ext uri="{BB962C8B-B14F-4D97-AF65-F5344CB8AC3E}">
-        <p14:creationId xmlns:p14="http://schemas.microsoft.com/office/powerpoint/2010/main" val="3753387913"/>
-      </p:ext>
-    </p:extLst>
-  </p:cSld>
-  <p:clrMapOvr>
-    <a:masterClrMapping/>
-  </p:clrMapOvr>
-</p:sld>
-</file>
-
-<file path=ppt/slides/slide5.xml><?xml version="1.0" encoding="utf-8"?>
-<p:sld xmlns:a="http://schemas.openxmlformats.org/drawingml/2006/main" xmlns:r="http://schemas.openxmlformats.org/officeDocument/2006/relationships" xmlns:p="http://schemas.openxmlformats.org/presentationml/2006/main">
-  <p:cSld>
-    <p:spTree>
-      <p:nvGrpSpPr>
-        <p:cNvPr id="1" name=""/>
-        <p:cNvGrpSpPr/>
-        <p:nvPr/>
-      </p:nvGrpSpPr>
-      <p:grpSpPr>
-        <a:xfrm>
-          <a:off x="0" y="0"/>
-          <a:ext cx="0" cy="0"/>
-          <a:chOff x="0" y="0"/>
-          <a:chExt cx="0" cy="0"/>
-        </a:xfrm>
-      </p:grpSpPr>
-      <p:sp>
-        <p:nvSpPr>
-          <p:cNvPr id="10" name="Rectangle 9">
-            <a:extLst>
-              <a:ext uri="{FF2B5EF4-FFF2-40B4-BE49-F238E27FC236}">
-                <a16:creationId xmlns:a16="http://schemas.microsoft.com/office/drawing/2014/main" id="{AD4F69D3-EEB0-4C4C-9434-B9960FB5854C}"/>
-              </a:ext>
-            </a:extLst>
-          </p:cNvPr>
-          <p:cNvSpPr>
-            <a:spLocks noChangeArrowheads="1"/>
-          </p:cNvSpPr>
-          <p:nvPr/>
-        </p:nvSpPr>
-        <p:spPr bwMode="auto">
-          <a:xfrm>
-            <a:off x="0" y="6354762"/>
-            <a:ext cx="12191999" cy="503238"/>
-          </a:xfrm>
-          <a:prstGeom prst="rect">
-            <a:avLst/>
-          </a:prstGeom>
-          <a:solidFill>
-            <a:srgbClr val="0070C0"/>
-          </a:solidFill>
-          <a:ln w="9525">
-            <a:noFill/>
-            <a:miter lim="800000"/>
-            <a:headEnd/>
-            <a:tailEnd/>
-          </a:ln>
-          <a:effectLst>
-            <a:outerShdw dist="23000" dir="5400000" rotWithShape="0">
-              <a:srgbClr val="808080">
-                <a:alpha val="34999"/>
-              </a:srgbClr>
-            </a:outerShdw>
-          </a:effectLst>
-        </p:spPr>
-        <p:txBody>
-          <a:bodyPr anchor="ctr"/>
-          <a:lstStyle/>
-          <a:p>
-            <a:pPr marL="0" marR="0" lvl="0" indent="0" algn="ctr" defTabSz="457200" rtl="0" eaLnBrk="1" fontAlgn="auto" latinLnBrk="0" hangingPunct="1">
-              <a:lnSpc>
-                <a:spcPct val="100000"/>
-              </a:lnSpc>
-              <a:spcBef>
-                <a:spcPts val="0"/>
-              </a:spcBef>
-              <a:spcAft>
-                <a:spcPts val="0"/>
-              </a:spcAft>
-              <a:buClrTx/>
-              <a:buSzTx/>
-              <a:buFontTx/>
-              <a:buNone/>
-              <a:tabLst/>
-              <a:defRPr/>
-            </a:pPr>
-            <a:endParaRPr kumimoji="0" lang="en-US" sz="1800" b="0" i="0" u="none" strike="noStrike" kern="1200" cap="none" spc="0" normalizeH="0" baseline="0" noProof="0" dirty="0">
-              <a:ln>
-                <a:noFill/>
-              </a:ln>
-              <a:solidFill>
-                <a:srgbClr val="C0504D">
-                  <a:lumMod val="75000"/>
-                </a:srgbClr>
-              </a:solidFill>
-              <a:effectLst/>
-              <a:uLnTx/>
-              <a:uFillTx/>
-              <a:latin typeface="Calibri"/>
-              <a:ea typeface="ＭＳ Ｐゴシック" pitchFamily="1" charset="-128"/>
-              <a:cs typeface="+mn-cs"/>
-            </a:endParaRPr>
-          </a:p>
-        </p:txBody>
-      </p:sp>
-      <p:sp>
-        <p:nvSpPr>
-          <p:cNvPr id="17409" name="Title 1"/>
-          <p:cNvSpPr>
-            <a:spLocks noGrp="1"/>
-          </p:cNvSpPr>
-          <p:nvPr>
-            <p:ph type="title"/>
-          </p:nvPr>
-        </p:nvSpPr>
-        <p:spPr/>
-        <p:txBody>
-          <a:bodyPr/>
-          <a:lstStyle/>
-          <a:p>
-            <a:pPr eaLnBrk="1" hangingPunct="1"/>
-            <a:r>
-              <a:rPr lang="en-US" sz="3600" b="1" dirty="0">
                 <a:latin typeface="Times New Roman" panose="02020603050405020304" pitchFamily="18" charset="0"/>
-                <a:ea typeface="ＭＳ Ｐゴシック" pitchFamily="1" charset="-128"/>
                 <a:cs typeface="Times New Roman" panose="02020603050405020304" pitchFamily="18" charset="0"/>
               </a:rPr>
-              <a:t>IMPACT AND BENEFITS</a:t>
-            </a:r>
-          </a:p>
-        </p:txBody>
-      </p:sp>
-      <p:sp>
-        <p:nvSpPr>
-          <p:cNvPr id="17410" name="TextBox 8"/>
-          <p:cNvSpPr txBox="1">
-            <a:spLocks noChangeArrowheads="1"/>
-          </p:cNvSpPr>
-          <p:nvPr/>
-        </p:nvSpPr>
-        <p:spPr bwMode="auto">
-          <a:xfrm>
-            <a:off x="609600" y="2533653"/>
-            <a:ext cx="9385300" cy="2554545"/>
-          </a:xfrm>
-          <a:prstGeom prst="rect">
-            <a:avLst/>
-          </a:prstGeom>
-          <a:noFill/>
-          <a:ln w="9525">
-            <a:noFill/>
-            <a:miter lim="800000"/>
-            <a:headEnd/>
-            <a:tailEnd/>
-          </a:ln>
-        </p:spPr>
-        <p:txBody>
-          <a:bodyPr wrap="square">
-            <a:spAutoFit/>
-          </a:bodyPr>
-          <a:lstStyle/>
-          <a:p>
-            <a:pPr marL="342900" lvl="0" indent="-342900" algn="just">
-              <a:buFont typeface="Arial" panose="020B0604020202020204" pitchFamily="34" charset="0"/>
-              <a:buChar char="•"/>
-              <a:defRPr/>
-            </a:pPr>
-            <a:r>
-              <a:rPr lang="en-US" sz="2000" dirty="0">
-                <a:solidFill>
-                  <a:prstClr val="black"/>
-                </a:solidFill>
-                <a:latin typeface="Arial" pitchFamily="34" charset="0"/>
-                <a:cs typeface="Arial" pitchFamily="34" charset="0"/>
-              </a:rPr>
-              <a:t>Fast, low-cost field screening of water bodies → helps prioritize samples for lab FTIR.</a:t>
-            </a:r>
-          </a:p>
-          <a:p>
-            <a:pPr marL="342900" lvl="0" indent="-342900" algn="just">
-              <a:buFont typeface="Arial" panose="020B0604020202020204" pitchFamily="34" charset="0"/>
-              <a:buChar char="•"/>
-              <a:defRPr/>
-            </a:pPr>
-            <a:r>
-              <a:rPr lang="en-US" sz="2000" dirty="0">
-                <a:solidFill>
-                  <a:prstClr val="black"/>
-                </a:solidFill>
-                <a:latin typeface="Arial" pitchFamily="34" charset="0"/>
-                <a:cs typeface="Arial" pitchFamily="34" charset="0"/>
-              </a:rPr>
-              <a:t>Environmental benefit: early detection reduces spread and informs cleanup prioritization.</a:t>
-            </a:r>
-          </a:p>
-          <a:p>
-            <a:pPr marL="342900" lvl="0" indent="-342900" algn="just">
-              <a:buFont typeface="Arial" panose="020B0604020202020204" pitchFamily="34" charset="0"/>
-              <a:buChar char="•"/>
-              <a:defRPr/>
-            </a:pPr>
-            <a:r>
-              <a:rPr lang="en-US" sz="2000" dirty="0">
-                <a:solidFill>
-                  <a:prstClr val="black"/>
-                </a:solidFill>
-                <a:latin typeface="Arial" pitchFamily="34" charset="0"/>
-                <a:cs typeface="Arial" pitchFamily="34" charset="0"/>
-              </a:rPr>
-              <a:t>Low operational cost: simple UX for field technicians; remote logging for monitoring programs.</a:t>
-            </a:r>
-          </a:p>
-          <a:p>
-            <a:pPr marL="342900" lvl="0" indent="-342900" algn="just">
-              <a:buFont typeface="Arial" panose="020B0604020202020204" pitchFamily="34" charset="0"/>
-              <a:buChar char="•"/>
-              <a:defRPr/>
-            </a:pPr>
-            <a:r>
-              <a:rPr lang="en-US" sz="2000" dirty="0">
-                <a:solidFill>
-                  <a:prstClr val="black"/>
-                </a:solidFill>
-                <a:latin typeface="Arial" pitchFamily="34" charset="0"/>
-                <a:cs typeface="Arial" pitchFamily="34" charset="0"/>
-              </a:rPr>
-              <a:t>Scalable: multi-device deployments for spatial monitoring and time-series insights.</a:t>
+              <a:t>Performance can be enhanced with a 10× objective</a:t>
             </a:r>
           </a:p>
         </p:txBody>
@@ -9465,10 +9765,332 @@
           </a:extLst>
         </p:spPr>
       </p:pic>
+      <p:sp>
+        <p:nvSpPr>
+          <p:cNvPr id="11" name="TextBox 8"/>
+          <p:cNvSpPr txBox="1">
+            <a:spLocks noChangeArrowheads="1"/>
+          </p:cNvSpPr>
+          <p:nvPr/>
+        </p:nvSpPr>
+        <p:spPr bwMode="auto">
+          <a:xfrm>
+            <a:off x="711615" y="2455703"/>
+            <a:ext cx="6035040" cy="1354217"/>
+          </a:xfrm>
+          <a:prstGeom prst="rect">
+            <a:avLst/>
+          </a:prstGeom>
+          <a:noFill/>
+          <a:ln w="9525">
+            <a:noFill/>
+            <a:miter lim="800000"/>
+            <a:headEnd/>
+            <a:tailEnd/>
+          </a:ln>
+        </p:spPr>
+        <p:txBody>
+          <a:bodyPr wrap="square">
+            <a:spAutoFit/>
+          </a:bodyPr>
+          <a:lstStyle/>
+          <a:p>
+            <a:pPr lvl="0" algn="just">
+              <a:defRPr/>
+            </a:pPr>
+            <a:r>
+              <a:rPr lang="en-US" b="1" dirty="0">
+                <a:solidFill>
+                  <a:prstClr val="black"/>
+                </a:solidFill>
+                <a:latin typeface="Times New Roman" panose="02020603050405020304" pitchFamily="18" charset="0"/>
+                <a:cs typeface="Times New Roman" panose="02020603050405020304" pitchFamily="18" charset="0"/>
+              </a:rPr>
+              <a:t>Challenges:</a:t>
+            </a:r>
+          </a:p>
+          <a:p>
+            <a:pPr marL="342900" lvl="0" indent="-342900" algn="just">
+              <a:buFont typeface="Arial" panose="020B0604020202020204" pitchFamily="34" charset="0"/>
+              <a:buChar char="•"/>
+              <a:defRPr/>
+            </a:pPr>
+            <a:r>
+              <a:rPr lang="en-US" sz="1600" dirty="0">
+                <a:solidFill>
+                  <a:prstClr val="black"/>
+                </a:solidFill>
+                <a:latin typeface="Times New Roman" panose="02020603050405020304" pitchFamily="18" charset="0"/>
+                <a:cs typeface="Times New Roman" panose="02020603050405020304" pitchFamily="18" charset="0"/>
+              </a:rPr>
+              <a:t>Environmental noise (algae, silt) complicates microplastic detection</a:t>
+            </a:r>
+          </a:p>
+          <a:p>
+            <a:pPr marL="342900" lvl="0" indent="-342900" algn="just">
+              <a:buFont typeface="Arial" panose="020B0604020202020204" pitchFamily="34" charset="0"/>
+              <a:buChar char="•"/>
+              <a:defRPr/>
+            </a:pPr>
+            <a:r>
+              <a:rPr lang="en-US" sz="1600" dirty="0">
+                <a:solidFill>
+                  <a:prstClr val="black"/>
+                </a:solidFill>
+                <a:latin typeface="Times New Roman" panose="02020603050405020304" pitchFamily="18" charset="0"/>
+                <a:cs typeface="Times New Roman" panose="02020603050405020304" pitchFamily="18" charset="0"/>
+              </a:rPr>
+              <a:t>Low-cost optics can only resolve particles larger than ~50 µm.</a:t>
+            </a:r>
+          </a:p>
+          <a:p>
+            <a:pPr marL="342900" lvl="0" indent="-342900" algn="just">
+              <a:buFont typeface="Arial" panose="020B0604020202020204" pitchFamily="34" charset="0"/>
+              <a:buChar char="•"/>
+              <a:defRPr/>
+            </a:pPr>
+            <a:r>
+              <a:rPr lang="en-US" sz="1600" dirty="0">
+                <a:solidFill>
+                  <a:prstClr val="black"/>
+                </a:solidFill>
+                <a:latin typeface="Times New Roman" panose="02020603050405020304" pitchFamily="18" charset="0"/>
+                <a:cs typeface="Times New Roman" panose="02020603050405020304" pitchFamily="18" charset="0"/>
+              </a:rPr>
+              <a:t>Staining agents like Nile red may produce False positives</a:t>
+            </a:r>
+          </a:p>
+        </p:txBody>
+      </p:sp>
+      <p:sp>
+        <p:nvSpPr>
+          <p:cNvPr id="13" name="TextBox 8"/>
+          <p:cNvSpPr txBox="1">
+            <a:spLocks noChangeArrowheads="1"/>
+          </p:cNvSpPr>
+          <p:nvPr/>
+        </p:nvSpPr>
+        <p:spPr bwMode="auto">
+          <a:xfrm>
+            <a:off x="711615" y="3827132"/>
+            <a:ext cx="6035040" cy="1107996"/>
+          </a:xfrm>
+          <a:prstGeom prst="rect">
+            <a:avLst/>
+          </a:prstGeom>
+          <a:noFill/>
+          <a:ln w="9525">
+            <a:noFill/>
+            <a:miter lim="800000"/>
+            <a:headEnd/>
+            <a:tailEnd/>
+          </a:ln>
+        </p:spPr>
+        <p:txBody>
+          <a:bodyPr wrap="square">
+            <a:spAutoFit/>
+          </a:bodyPr>
+          <a:lstStyle/>
+          <a:p>
+            <a:pPr lvl="0" algn="just">
+              <a:defRPr/>
+            </a:pPr>
+            <a:r>
+              <a:rPr lang="en-US" b="1" dirty="0">
+                <a:solidFill>
+                  <a:prstClr val="black"/>
+                </a:solidFill>
+                <a:latin typeface="Times New Roman" panose="02020603050405020304" pitchFamily="18" charset="0"/>
+                <a:cs typeface="Times New Roman" panose="02020603050405020304" pitchFamily="18" charset="0"/>
+              </a:rPr>
+              <a:t>Strategies:</a:t>
+            </a:r>
+          </a:p>
+          <a:p>
+            <a:pPr marL="342900" lvl="0" indent="-342900" algn="just">
+              <a:buFont typeface="Arial" panose="020B0604020202020204" pitchFamily="34" charset="0"/>
+              <a:buChar char="•"/>
+              <a:defRPr/>
+            </a:pPr>
+            <a:r>
+              <a:rPr lang="en-US" sz="1600" dirty="0">
+                <a:solidFill>
+                  <a:prstClr val="black"/>
+                </a:solidFill>
+                <a:latin typeface="Times New Roman" panose="02020603050405020304" pitchFamily="18" charset="0"/>
+                <a:cs typeface="Times New Roman" panose="02020603050405020304" pitchFamily="18" charset="0"/>
+              </a:rPr>
+              <a:t>Stable energy source</a:t>
+            </a:r>
+          </a:p>
+          <a:p>
+            <a:pPr marL="342900" lvl="0" indent="-342900" algn="just">
+              <a:buFont typeface="Arial" panose="020B0604020202020204" pitchFamily="34" charset="0"/>
+              <a:buChar char="•"/>
+              <a:defRPr/>
+            </a:pPr>
+            <a:r>
+              <a:rPr lang="en-US" sz="1600" dirty="0">
+                <a:solidFill>
+                  <a:prstClr val="black"/>
+                </a:solidFill>
+                <a:latin typeface="Times New Roman" panose="02020603050405020304" pitchFamily="18" charset="0"/>
+                <a:cs typeface="Times New Roman" panose="02020603050405020304" pitchFamily="18" charset="0"/>
+              </a:rPr>
+              <a:t>Quality tested components</a:t>
+            </a:r>
+          </a:p>
+          <a:p>
+            <a:pPr marL="342900" lvl="0" indent="-342900" algn="just">
+              <a:buFont typeface="Arial" panose="020B0604020202020204" pitchFamily="34" charset="0"/>
+              <a:buChar char="•"/>
+              <a:defRPr/>
+            </a:pPr>
+            <a:r>
+              <a:rPr lang="en-US" sz="1600" dirty="0">
+                <a:solidFill>
+                  <a:prstClr val="black"/>
+                </a:solidFill>
+                <a:latin typeface="Times New Roman" panose="02020603050405020304" pitchFamily="18" charset="0"/>
+                <a:cs typeface="Times New Roman" panose="02020603050405020304" pitchFamily="18" charset="0"/>
+              </a:rPr>
+              <a:t>Continuous data logging &amp; updates</a:t>
+            </a:r>
+          </a:p>
+        </p:txBody>
+      </p:sp>
+      <p:pic>
+        <p:nvPicPr>
+          <p:cNvPr id="2050" name="Picture 2"/>
+          <p:cNvPicPr>
+            <a:picLocks noChangeAspect="1" noChangeArrowheads="1"/>
+          </p:cNvPicPr>
+          <p:nvPr/>
+        </p:nvPicPr>
+        <p:blipFill>
+          <a:blip r:embed="rId4">
+            <a:extLst>
+              <a:ext uri="{28A0092B-C50C-407E-A947-70E740481C1C}">
+                <a14:useLocalDpi xmlns:a14="http://schemas.microsoft.com/office/drawing/2010/main" val="0"/>
+              </a:ext>
+            </a:extLst>
+          </a:blip>
+          <a:srcRect/>
+          <a:stretch>
+            <a:fillRect/>
+          </a:stretch>
+        </p:blipFill>
+        <p:spPr bwMode="auto">
+          <a:xfrm>
+            <a:off x="10266345" y="4902364"/>
+            <a:ext cx="1722198" cy="1349265"/>
+          </a:xfrm>
+          <a:prstGeom prst="rect">
+            <a:avLst/>
+          </a:prstGeom>
+          <a:noFill/>
+          <a:ln>
+            <a:noFill/>
+          </a:ln>
+          <a:effectLst/>
+          <a:extLst>
+            <a:ext uri="{909E8E84-426E-40DD-AFC4-6F175D3DCCD1}">
+              <a14:hiddenFill xmlns:a14="http://schemas.microsoft.com/office/drawing/2010/main">
+                <a:solidFill>
+                  <a:schemeClr val="accent1"/>
+                </a:solidFill>
+              </a14:hiddenFill>
+            </a:ext>
+            <a:ext uri="{91240B29-F687-4F45-9708-019B960494DF}">
+              <a14:hiddenLine xmlns:a14="http://schemas.microsoft.com/office/drawing/2010/main" w="9525">
+                <a:solidFill>
+                  <a:schemeClr val="tx1"/>
+                </a:solidFill>
+                <a:miter lim="800000"/>
+                <a:headEnd/>
+                <a:tailEnd/>
+              </a14:hiddenLine>
+            </a:ext>
+            <a:ext uri="{AF507438-7753-43E0-B8FC-AC1667EBCBE1}">
+              <a14:hiddenEffects xmlns:a14="http://schemas.microsoft.com/office/drawing/2010/main">
+                <a:effectLst>
+                  <a:outerShdw dist="35921" dir="2700000" algn="ctr" rotWithShape="0">
+                    <a:schemeClr val="bg2"/>
+                  </a:outerShdw>
+                </a:effectLst>
+              </a14:hiddenEffects>
+            </a:ext>
+          </a:extLst>
+        </p:spPr>
+      </p:pic>
+      <p:pic>
+        <p:nvPicPr>
+          <p:cNvPr id="2052" name="Picture 4"/>
+          <p:cNvPicPr>
+            <a:picLocks noChangeAspect="1" noChangeArrowheads="1"/>
+          </p:cNvPicPr>
+          <p:nvPr/>
+        </p:nvPicPr>
+        <p:blipFill>
+          <a:blip r:embed="rId5">
+            <a:extLst>
+              <a:ext uri="{28A0092B-C50C-407E-A947-70E740481C1C}">
+                <a14:useLocalDpi xmlns:a14="http://schemas.microsoft.com/office/drawing/2010/main" val="0"/>
+              </a:ext>
+            </a:extLst>
+          </a:blip>
+          <a:srcRect/>
+          <a:stretch>
+            <a:fillRect/>
+          </a:stretch>
+        </p:blipFill>
+        <p:spPr bwMode="auto">
+          <a:xfrm>
+            <a:off x="8504857" y="1284687"/>
+            <a:ext cx="3310286" cy="3230057"/>
+          </a:xfrm>
+          <a:prstGeom prst="rect">
+            <a:avLst/>
+          </a:prstGeom>
+          <a:noFill/>
+          <a:ln>
+            <a:noFill/>
+          </a:ln>
+          <a:effectLst/>
+          <a:extLst>
+            <a:ext uri="{909E8E84-426E-40DD-AFC4-6F175D3DCCD1}">
+              <a14:hiddenFill xmlns:a14="http://schemas.microsoft.com/office/drawing/2010/main">
+                <a:solidFill>
+                  <a:schemeClr val="accent1"/>
+                </a:solidFill>
+              </a14:hiddenFill>
+            </a:ext>
+            <a:ext uri="{91240B29-F687-4F45-9708-019B960494DF}">
+              <a14:hiddenLine xmlns:a14="http://schemas.microsoft.com/office/drawing/2010/main" w="9525">
+                <a:solidFill>
+                  <a:schemeClr val="tx1"/>
+                </a:solidFill>
+                <a:miter lim="800000"/>
+                <a:headEnd/>
+                <a:tailEnd/>
+              </a14:hiddenLine>
+            </a:ext>
+            <a:ext uri="{AF507438-7753-43E0-B8FC-AC1667EBCBE1}">
+              <a14:hiddenEffects xmlns:a14="http://schemas.microsoft.com/office/drawing/2010/main">
+                <a:effectLst>
+                  <a:outerShdw dist="35921" dir="2700000" algn="ctr" rotWithShape="0">
+                    <a:schemeClr val="bg2"/>
+                  </a:outerShdw>
+                </a:effectLst>
+              </a14:hiddenEffects>
+            </a:ext>
+          </a:extLst>
+        </p:spPr>
+      </p:pic>
     </p:spTree>
     <p:extLst>
       <p:ext uri="{BB962C8B-B14F-4D97-AF65-F5344CB8AC3E}">
-        <p14:creationId xmlns:p14="http://schemas.microsoft.com/office/powerpoint/2010/main" val="2997144140"/>
+        <p14:creationId xmlns:p14="http://schemas.microsoft.com/office/powerpoint/2010/main" val="3753387913"/>
       </p:ext>
     </p:extLst>
   </p:cSld>
@@ -9596,7 +10218,7 @@
                 <a:ea typeface="ＭＳ Ｐゴシック" pitchFamily="1" charset="-128"/>
                 <a:cs typeface="Times New Roman" panose="02020603050405020304" pitchFamily="18" charset="0"/>
               </a:rPr>
-              <a:t>RESEARCH  AND REFERENCES</a:t>
+              <a:t>IMPACT AND BENEFITS</a:t>
             </a:r>
           </a:p>
         </p:txBody>
@@ -9611,8 +10233,8 @@
         </p:nvSpPr>
         <p:spPr bwMode="auto">
           <a:xfrm>
-            <a:off x="609600" y="2795263"/>
-            <a:ext cx="11440886" cy="2308324"/>
+            <a:off x="609600" y="1404648"/>
+            <a:ext cx="5010807" cy="1754326"/>
           </a:xfrm>
           <a:prstGeom prst="rect">
             <a:avLst/>
@@ -9631,30 +10253,28 @@
           </a:bodyPr>
           <a:lstStyle/>
           <a:p>
-            <a:pPr marL="342900" lvl="0" indent="-342900" algn="just">
-              <a:buFont typeface="Arial" panose="020B0604020202020204" pitchFamily="34" charset="0"/>
-              <a:buChar char="•"/>
+            <a:pPr lvl="0" algn="just">
               <a:defRPr/>
             </a:pPr>
             <a:r>
-              <a:rPr lang="en-US" sz="2400" b="1" dirty="0">
+              <a:rPr lang="en-US" b="1" dirty="0">
                 <a:solidFill>
                   <a:prstClr val="black"/>
                 </a:solidFill>
                 <a:latin typeface="Times New Roman" panose="02020603050405020304" pitchFamily="18" charset="0"/>
                 <a:cs typeface="Times New Roman" panose="02020603050405020304" pitchFamily="18" charset="0"/>
               </a:rPr>
-              <a:t>Stressor-AOP:</a:t>
-            </a:r>
-            <a:r>
-              <a:rPr lang="en-US" sz="2400" dirty="0">
+              <a:t>Benefits</a:t>
+            </a:r>
+            <a:r>
+              <a:rPr lang="en-US" dirty="0">
                 <a:solidFill>
                   <a:prstClr val="black"/>
                 </a:solidFill>
                 <a:latin typeface="Times New Roman" panose="02020603050405020304" pitchFamily="18" charset="0"/>
                 <a:cs typeface="Times New Roman" panose="02020603050405020304" pitchFamily="18" charset="0"/>
               </a:rPr>
-              <a:t> https://cb.imsc.res.in/saopadditives/</a:t>
+              <a:t>:</a:t>
             </a:r>
           </a:p>
           <a:p>
@@ -9664,24 +10284,31 @@
               <a:defRPr/>
             </a:pPr>
             <a:r>
-              <a:rPr lang="en-US" sz="2400" b="1" dirty="0">
+              <a:rPr lang="en-US" dirty="0">
                 <a:solidFill>
                   <a:prstClr val="black"/>
                 </a:solidFill>
                 <a:latin typeface="Times New Roman" panose="02020603050405020304" pitchFamily="18" charset="0"/>
                 <a:cs typeface="Times New Roman" panose="02020603050405020304" pitchFamily="18" charset="0"/>
               </a:rPr>
-              <a:t>NOAA NCEI Marine DB:</a:t>
-            </a:r>
-            <a:r>
-              <a:rPr lang="en-US" sz="2400" dirty="0">
+              <a:t>Fast, low-cost field screening of water bodies</a:t>
+            </a:r>
+          </a:p>
+          <a:p>
+            <a:pPr marL="342900" lvl="0" indent="-342900" algn="just">
+              <a:buFont typeface="Arial" panose="020B0604020202020204" pitchFamily="34" charset="0"/>
+              <a:buChar char="•"/>
+              <a:defRPr/>
+            </a:pPr>
+            <a:r>
+              <a:rPr lang="en-US" dirty="0">
                 <a:solidFill>
                   <a:prstClr val="black"/>
                 </a:solidFill>
                 <a:latin typeface="Times New Roman" panose="02020603050405020304" pitchFamily="18" charset="0"/>
                 <a:cs typeface="Times New Roman" panose="02020603050405020304" pitchFamily="18" charset="0"/>
               </a:rPr>
-              <a:t> https://pmc.ncbi.nlm.nih.gov/articles/PMC10589325/</a:t>
+              <a:t>Minimal operational cost</a:t>
             </a:r>
           </a:p>
           <a:p>
@@ -9691,120 +10318,48 @@
               <a:defRPr/>
             </a:pPr>
             <a:r>
-              <a:rPr lang="en-US" sz="2400" b="1" dirty="0">
+              <a:rPr lang="en-US" dirty="0">
                 <a:solidFill>
                   <a:prstClr val="black"/>
                 </a:solidFill>
                 <a:latin typeface="Times New Roman" panose="02020603050405020304" pitchFamily="18" charset="0"/>
                 <a:cs typeface="Times New Roman" panose="02020603050405020304" pitchFamily="18" charset="0"/>
               </a:rPr>
-              <a:t>Marine Debris Program:</a:t>
-            </a:r>
-            <a:r>
-              <a:rPr lang="en-US" sz="2400" dirty="0">
+              <a:t>User-friendly Interface</a:t>
+            </a:r>
+          </a:p>
+          <a:p>
+            <a:pPr marL="342900" lvl="0" indent="-342900" algn="just">
+              <a:buFont typeface="Arial" panose="020B0604020202020204" pitchFamily="34" charset="0"/>
+              <a:buChar char="•"/>
+              <a:defRPr/>
+            </a:pPr>
+            <a:r>
+              <a:rPr lang="en-US" dirty="0">
                 <a:solidFill>
                   <a:prstClr val="black"/>
                 </a:solidFill>
                 <a:latin typeface="Times New Roman" panose="02020603050405020304" pitchFamily="18" charset="0"/>
                 <a:cs typeface="Times New Roman" panose="02020603050405020304" pitchFamily="18" charset="0"/>
               </a:rPr>
-              <a:t> </a:t>
-            </a:r>
-            <a:r>
-              <a:rPr lang="en-US" sz="2400" dirty="0">
+              <a:t>Remote Data logging &amp; Visualization</a:t>
+            </a:r>
+          </a:p>
+          <a:p>
+            <a:pPr marL="342900" lvl="0" indent="-342900" algn="just">
+              <a:buFont typeface="Arial" panose="020B0604020202020204" pitchFamily="34" charset="0"/>
+              <a:buChar char="•"/>
+              <a:defRPr/>
+            </a:pPr>
+            <a:r>
+              <a:rPr lang="en-US" dirty="0">
                 <a:solidFill>
                   <a:prstClr val="black"/>
                 </a:solidFill>
                 <a:latin typeface="Times New Roman" panose="02020603050405020304" pitchFamily="18" charset="0"/>
                 <a:cs typeface="Times New Roman" panose="02020603050405020304" pitchFamily="18" charset="0"/>
-                <a:hlinkClick r:id="rId3"/>
               </a:rPr>
-              <a:t>https://marinedebris.noaa.gov/</a:t>
-            </a:r>
-            <a:endParaRPr lang="en-US" sz="2400" dirty="0">
-              <a:solidFill>
-                <a:prstClr val="black"/>
-              </a:solidFill>
-              <a:latin typeface="Times New Roman" panose="02020603050405020304" pitchFamily="18" charset="0"/>
-              <a:cs typeface="Times New Roman" panose="02020603050405020304" pitchFamily="18" charset="0"/>
-            </a:endParaRPr>
-          </a:p>
-          <a:p>
-            <a:pPr marL="342900" indent="-342900" algn="just">
-              <a:buFont typeface="Arial" panose="020B0604020202020204" pitchFamily="34" charset="0"/>
-              <a:buChar char="•"/>
-              <a:defRPr/>
-            </a:pPr>
-            <a:r>
-              <a:rPr lang="en-US" sz="2400" b="1" dirty="0">
-                <a:latin typeface="Times New Roman" panose="02020603050405020304" pitchFamily="18" charset="0"/>
-                <a:cs typeface="Times New Roman" panose="02020603050405020304" pitchFamily="18" charset="0"/>
-              </a:rPr>
-              <a:t>Overview of analytical methods for the determination of microplastics:</a:t>
-            </a:r>
-            <a:r>
-              <a:rPr lang="en-US" sz="2400" dirty="0">
-                <a:latin typeface="Times New Roman" panose="02020603050405020304" pitchFamily="18" charset="0"/>
-                <a:cs typeface="Times New Roman" panose="02020603050405020304" pitchFamily="18" charset="0"/>
-              </a:rPr>
-              <a:t> </a:t>
-            </a:r>
-            <a:r>
-              <a:rPr lang="en-US" sz="2400" dirty="0">
-                <a:solidFill>
-                  <a:prstClr val="black"/>
-                </a:solidFill>
-                <a:latin typeface="Times New Roman" panose="02020603050405020304" pitchFamily="18" charset="0"/>
-                <a:cs typeface="Times New Roman" panose="02020603050405020304" pitchFamily="18" charset="0"/>
-                <a:hlinkClick r:id="rId4"/>
-              </a:rPr>
-              <a:t>https://www.sciencedirect.com/science/article/abs/pii/S0165993623003485</a:t>
-            </a:r>
-            <a:endParaRPr lang="en-US" sz="2400" dirty="0">
-              <a:solidFill>
-                <a:prstClr val="black"/>
-              </a:solidFill>
-              <a:latin typeface="Times New Roman" panose="02020603050405020304" pitchFamily="18" charset="0"/>
-              <a:cs typeface="Times New Roman" panose="02020603050405020304" pitchFamily="18" charset="0"/>
-            </a:endParaRPr>
-          </a:p>
-          <a:p>
-            <a:pPr marL="342900" lvl="0" indent="-342900" algn="just">
-              <a:buFont typeface="Arial" panose="020B0604020202020204" pitchFamily="34" charset="0"/>
-              <a:buChar char="•"/>
-              <a:defRPr/>
-            </a:pPr>
-            <a:r>
-              <a:rPr kumimoji="0" lang="en-US" sz="2400" b="1" i="0" u="none" strike="noStrike" kern="1200" cap="none" spc="0" normalizeH="0" baseline="0" noProof="0" dirty="0">
-                <a:ln>
-                  <a:noFill/>
-                </a:ln>
-                <a:solidFill>
-                  <a:prstClr val="black"/>
-                </a:solidFill>
-                <a:effectLst/>
-                <a:uLnTx/>
-                <a:uFillTx/>
-                <a:latin typeface="Times New Roman" panose="02020603050405020304" pitchFamily="18" charset="0"/>
-                <a:cs typeface="Times New Roman" panose="02020603050405020304" pitchFamily="18" charset="0"/>
-              </a:rPr>
-              <a:t>Methods of Microplastic Detection</a:t>
-            </a:r>
-            <a:r>
-              <a:rPr kumimoji="0" lang="en-US" sz="2400" b="0" i="0" u="none" strike="noStrike" kern="1200" cap="none" spc="0" normalizeH="0" baseline="0" noProof="0" dirty="0">
-                <a:ln>
-                  <a:noFill/>
-                </a:ln>
-                <a:solidFill>
-                  <a:prstClr val="black"/>
-                </a:solidFill>
-                <a:effectLst/>
-                <a:uLnTx/>
-                <a:uFillTx/>
-                <a:latin typeface="Times New Roman" panose="02020603050405020304" pitchFamily="18" charset="0"/>
-                <a:cs typeface="Times New Roman" panose="02020603050405020304" pitchFamily="18" charset="0"/>
-              </a:rPr>
-              <a:t> by Bree Foster – Dec 13, 2024</a:t>
+              <a:t>Highly scalable</a:t>
             </a:r>
           </a:p>
         </p:txBody>
@@ -9965,6 +10520,757 @@
       </p:sp>
       <p:sp>
         <p:nvSpPr>
+          <p:cNvPr id="12" name="Oval 11" descr="Your startup LOGO">
+            <a:extLst>
+              <a:ext uri="{FF2B5EF4-FFF2-40B4-BE49-F238E27FC236}">
+                <a16:creationId xmlns:a16="http://schemas.microsoft.com/office/drawing/2014/main" id="{5DBCE864-823D-4A13-9607-5DA1F0ED5FB8}"/>
+              </a:ext>
+              <a:ext uri="{C183D7F6-B498-43B3-948B-1728B52AA6E4}">
+                <adec:decorative xmlns:adec="http://schemas.microsoft.com/office/drawing/2017/decorative" val="0"/>
+              </a:ext>
+            </a:extLst>
+          </p:cNvPr>
+          <p:cNvSpPr/>
+          <p:nvPr/>
+        </p:nvSpPr>
+        <p:spPr>
+          <a:xfrm>
+            <a:off x="329773" y="252246"/>
+            <a:ext cx="1251857" cy="807334"/>
+          </a:xfrm>
+          <a:prstGeom prst="ellipse">
+            <a:avLst/>
+          </a:prstGeom>
+        </p:spPr>
+        <p:style>
+          <a:lnRef idx="2">
+            <a:schemeClr val="accent4"/>
+          </a:lnRef>
+          <a:fillRef idx="1">
+            <a:schemeClr val="lt1"/>
+          </a:fillRef>
+          <a:effectRef idx="0">
+            <a:schemeClr val="accent4"/>
+          </a:effectRef>
+          <a:fontRef idx="minor">
+            <a:schemeClr val="dk1"/>
+          </a:fontRef>
+        </p:style>
+        <p:txBody>
+          <a:bodyPr rtlCol="0" anchor="ctr"/>
+          <a:lstStyle/>
+          <a:p>
+            <a:pPr algn="ctr"/>
+            <a:r>
+              <a:rPr lang="en-US" dirty="0"/>
+              <a:t>Your Team Name</a:t>
+            </a:r>
+            <a:endParaRPr lang="en-IN" dirty="0"/>
+          </a:p>
+        </p:txBody>
+      </p:sp>
+      <p:pic>
+        <p:nvPicPr>
+          <p:cNvPr id="9" name="Picture 2" descr="https://www.sih.gov.in/img1/SIH-Logo.png"/>
+          <p:cNvPicPr>
+            <a:picLocks noChangeAspect="1" noChangeArrowheads="1"/>
+          </p:cNvPicPr>
+          <p:nvPr/>
+        </p:nvPicPr>
+        <p:blipFill>
+          <a:blip r:embed="rId3">
+            <a:extLst>
+              <a:ext uri="{28A0092B-C50C-407E-A947-70E740481C1C}">
+                <a14:useLocalDpi xmlns:a14="http://schemas.microsoft.com/office/drawing/2010/main" val="0"/>
+              </a:ext>
+            </a:extLst>
+          </a:blip>
+          <a:srcRect/>
+          <a:stretch>
+            <a:fillRect/>
+          </a:stretch>
+        </p:blipFill>
+        <p:spPr bwMode="auto">
+          <a:xfrm>
+            <a:off x="9841366" y="57097"/>
+            <a:ext cx="2209120" cy="1122868"/>
+          </a:xfrm>
+          <a:prstGeom prst="rect">
+            <a:avLst/>
+          </a:prstGeom>
+          <a:noFill/>
+          <a:extLst>
+            <a:ext uri="{909E8E84-426E-40DD-AFC4-6F175D3DCCD1}">
+              <a14:hiddenFill xmlns:a14="http://schemas.microsoft.com/office/drawing/2010/main">
+                <a:solidFill>
+                  <a:srgbClr val="FFFFFF"/>
+                </a:solidFill>
+              </a14:hiddenFill>
+            </a:ext>
+          </a:extLst>
+        </p:spPr>
+      </p:pic>
+      <p:sp>
+        <p:nvSpPr>
+          <p:cNvPr id="11" name="TextBox 8"/>
+          <p:cNvSpPr txBox="1">
+            <a:spLocks noChangeArrowheads="1"/>
+          </p:cNvSpPr>
+          <p:nvPr/>
+        </p:nvSpPr>
+        <p:spPr bwMode="auto">
+          <a:xfrm>
+            <a:off x="4834680" y="4648512"/>
+            <a:ext cx="6035040" cy="1200329"/>
+          </a:xfrm>
+          <a:prstGeom prst="rect">
+            <a:avLst/>
+          </a:prstGeom>
+          <a:noFill/>
+          <a:ln w="9525">
+            <a:noFill/>
+            <a:miter lim="800000"/>
+            <a:headEnd/>
+            <a:tailEnd/>
+          </a:ln>
+        </p:spPr>
+        <p:txBody>
+          <a:bodyPr wrap="square">
+            <a:spAutoFit/>
+          </a:bodyPr>
+          <a:lstStyle/>
+          <a:p>
+            <a:pPr lvl="0" algn="just">
+              <a:defRPr/>
+            </a:pPr>
+            <a:r>
+              <a:rPr lang="en-US" b="1" dirty="0">
+                <a:solidFill>
+                  <a:prstClr val="black"/>
+                </a:solidFill>
+                <a:latin typeface="Times New Roman" panose="02020603050405020304" pitchFamily="18" charset="0"/>
+                <a:cs typeface="Times New Roman" panose="02020603050405020304" pitchFamily="18" charset="0"/>
+              </a:rPr>
+              <a:t>Impacts on Environment:</a:t>
+            </a:r>
+          </a:p>
+          <a:p>
+            <a:pPr marL="342900" lvl="0" indent="-342900" algn="just">
+              <a:buFont typeface="Arial" panose="020B0604020202020204" pitchFamily="34" charset="0"/>
+              <a:buChar char="•"/>
+              <a:defRPr/>
+            </a:pPr>
+            <a:r>
+              <a:rPr lang="en-US" dirty="0">
+                <a:solidFill>
+                  <a:prstClr val="black"/>
+                </a:solidFill>
+                <a:latin typeface="Times New Roman" panose="02020603050405020304" pitchFamily="18" charset="0"/>
+                <a:cs typeface="Times New Roman" panose="02020603050405020304" pitchFamily="18" charset="0"/>
+              </a:rPr>
+              <a:t>Early detection enables timely intervention and cleanup prioritization</a:t>
+            </a:r>
+          </a:p>
+          <a:p>
+            <a:pPr marL="342900" lvl="0" indent="-342900" algn="just">
+              <a:buFont typeface="Arial" panose="020B0604020202020204" pitchFamily="34" charset="0"/>
+              <a:buChar char="•"/>
+              <a:defRPr/>
+            </a:pPr>
+            <a:r>
+              <a:rPr lang="en-US" dirty="0">
+                <a:solidFill>
+                  <a:prstClr val="black"/>
+                </a:solidFill>
+                <a:latin typeface="Times New Roman" panose="02020603050405020304" pitchFamily="18" charset="0"/>
+                <a:cs typeface="Times New Roman" panose="02020603050405020304" pitchFamily="18" charset="0"/>
+              </a:rPr>
+              <a:t>Helps maintain a safe food chain</a:t>
+            </a:r>
+          </a:p>
+        </p:txBody>
+      </p:sp>
+      <p:pic>
+        <p:nvPicPr>
+          <p:cNvPr id="4" name="Picture 3">
+            <a:extLst>
+              <a:ext uri="{FF2B5EF4-FFF2-40B4-BE49-F238E27FC236}">
+                <a16:creationId xmlns:a16="http://schemas.microsoft.com/office/drawing/2014/main" id="{EA742431-A677-2E8B-1F0D-74620C0FAC84}"/>
+              </a:ext>
+            </a:extLst>
+          </p:cNvPr>
+          <p:cNvPicPr>
+            <a:picLocks noChangeAspect="1"/>
+          </p:cNvPicPr>
+          <p:nvPr/>
+        </p:nvPicPr>
+        <p:blipFill>
+          <a:blip r:embed="rId4">
+            <a:extLst>
+              <a:ext uri="{837473B0-CC2E-450A-ABE3-18F120FF3D39}">
+                <a1611:picAttrSrcUrl xmlns:a1611="http://schemas.microsoft.com/office/drawing/2016/11/main" r:id="rId5"/>
+              </a:ext>
+            </a:extLst>
+          </a:blip>
+          <a:stretch>
+            <a:fillRect/>
+          </a:stretch>
+        </p:blipFill>
+        <p:spPr>
+          <a:xfrm>
+            <a:off x="382908" y="3323065"/>
+            <a:ext cx="4265292" cy="2867606"/>
+          </a:xfrm>
+          <a:prstGeom prst="rect">
+            <a:avLst/>
+          </a:prstGeom>
+        </p:spPr>
+      </p:pic>
+      <p:pic>
+        <p:nvPicPr>
+          <p:cNvPr id="2" name="Picture 1">
+            <a:extLst>
+              <a:ext uri="{FF2B5EF4-FFF2-40B4-BE49-F238E27FC236}">
+                <a16:creationId xmlns:a16="http://schemas.microsoft.com/office/drawing/2014/main" id="{2AA04E5F-6E09-967B-32B6-EA3F08F93FBC}"/>
+              </a:ext>
+            </a:extLst>
+          </p:cNvPr>
+          <p:cNvPicPr>
+            <a:picLocks noChangeAspect="1"/>
+          </p:cNvPicPr>
+          <p:nvPr/>
+        </p:nvPicPr>
+        <p:blipFill>
+          <a:blip r:embed="rId6"/>
+          <a:stretch>
+            <a:fillRect/>
+          </a:stretch>
+        </p:blipFill>
+        <p:spPr>
+          <a:xfrm>
+            <a:off x="4648200" y="3224603"/>
+            <a:ext cx="1320799" cy="1423909"/>
+          </a:xfrm>
+          <a:prstGeom prst="rect">
+            <a:avLst/>
+          </a:prstGeom>
+        </p:spPr>
+      </p:pic>
+    </p:spTree>
+    <p:extLst>
+      <p:ext uri="{BB962C8B-B14F-4D97-AF65-F5344CB8AC3E}">
+        <p14:creationId xmlns:p14="http://schemas.microsoft.com/office/powerpoint/2010/main" val="2997144140"/>
+      </p:ext>
+    </p:extLst>
+  </p:cSld>
+  <p:clrMapOvr>
+    <a:masterClrMapping/>
+  </p:clrMapOvr>
+</p:sld>
+</file>
+
+<file path=ppt/slides/slide7.xml><?xml version="1.0" encoding="utf-8"?>
+<p:sld xmlns:a="http://schemas.openxmlformats.org/drawingml/2006/main" xmlns:r="http://schemas.openxmlformats.org/officeDocument/2006/relationships" xmlns:p="http://schemas.openxmlformats.org/presentationml/2006/main">
+  <p:cSld>
+    <p:spTree>
+      <p:nvGrpSpPr>
+        <p:cNvPr id="1" name=""/>
+        <p:cNvGrpSpPr/>
+        <p:nvPr/>
+      </p:nvGrpSpPr>
+      <p:grpSpPr>
+        <a:xfrm>
+          <a:off x="0" y="0"/>
+          <a:ext cx="0" cy="0"/>
+          <a:chOff x="0" y="0"/>
+          <a:chExt cx="0" cy="0"/>
+        </a:xfrm>
+      </p:grpSpPr>
+      <p:sp>
+        <p:nvSpPr>
+          <p:cNvPr id="10" name="Rectangle 9">
+            <a:extLst>
+              <a:ext uri="{FF2B5EF4-FFF2-40B4-BE49-F238E27FC236}">
+                <a16:creationId xmlns:a16="http://schemas.microsoft.com/office/drawing/2014/main" id="{AD4F69D3-EEB0-4C4C-9434-B9960FB5854C}"/>
+              </a:ext>
+            </a:extLst>
+          </p:cNvPr>
+          <p:cNvSpPr>
+            <a:spLocks noChangeArrowheads="1"/>
+          </p:cNvSpPr>
+          <p:nvPr/>
+        </p:nvSpPr>
+        <p:spPr bwMode="auto">
+          <a:xfrm>
+            <a:off x="0" y="6354762"/>
+            <a:ext cx="12191999" cy="503238"/>
+          </a:xfrm>
+          <a:prstGeom prst="rect">
+            <a:avLst/>
+          </a:prstGeom>
+          <a:solidFill>
+            <a:srgbClr val="0070C0"/>
+          </a:solidFill>
+          <a:ln w="9525">
+            <a:noFill/>
+            <a:miter lim="800000"/>
+            <a:headEnd/>
+            <a:tailEnd/>
+          </a:ln>
+          <a:effectLst>
+            <a:outerShdw dist="23000" dir="5400000" rotWithShape="0">
+              <a:srgbClr val="808080">
+                <a:alpha val="34999"/>
+              </a:srgbClr>
+            </a:outerShdw>
+          </a:effectLst>
+        </p:spPr>
+        <p:txBody>
+          <a:bodyPr anchor="ctr"/>
+          <a:lstStyle/>
+          <a:p>
+            <a:pPr marL="0" marR="0" lvl="0" indent="0" algn="ctr" defTabSz="457200" rtl="0" eaLnBrk="1" fontAlgn="auto" latinLnBrk="0" hangingPunct="1">
+              <a:lnSpc>
+                <a:spcPct val="100000"/>
+              </a:lnSpc>
+              <a:spcBef>
+                <a:spcPts val="0"/>
+              </a:spcBef>
+              <a:spcAft>
+                <a:spcPts val="0"/>
+              </a:spcAft>
+              <a:buClrTx/>
+              <a:buSzTx/>
+              <a:buFontTx/>
+              <a:buNone/>
+              <a:tabLst/>
+              <a:defRPr/>
+            </a:pPr>
+            <a:endParaRPr kumimoji="0" lang="en-US" sz="1800" b="0" i="0" u="none" strike="noStrike" kern="1200" cap="none" spc="0" normalizeH="0" baseline="0" noProof="0" dirty="0">
+              <a:ln>
+                <a:noFill/>
+              </a:ln>
+              <a:solidFill>
+                <a:srgbClr val="C0504D">
+                  <a:lumMod val="75000"/>
+                </a:srgbClr>
+              </a:solidFill>
+              <a:effectLst/>
+              <a:uLnTx/>
+              <a:uFillTx/>
+              <a:latin typeface="Calibri"/>
+              <a:ea typeface="ＭＳ Ｐゴシック" pitchFamily="1" charset="-128"/>
+              <a:cs typeface="+mn-cs"/>
+            </a:endParaRPr>
+          </a:p>
+        </p:txBody>
+      </p:sp>
+      <p:sp>
+        <p:nvSpPr>
+          <p:cNvPr id="17409" name="Title 1"/>
+          <p:cNvSpPr>
+            <a:spLocks noGrp="1"/>
+          </p:cNvSpPr>
+          <p:nvPr>
+            <p:ph type="title"/>
+          </p:nvPr>
+        </p:nvSpPr>
+        <p:spPr/>
+        <p:txBody>
+          <a:bodyPr/>
+          <a:lstStyle/>
+          <a:p>
+            <a:pPr eaLnBrk="1" hangingPunct="1"/>
+            <a:r>
+              <a:rPr lang="en-US" sz="3600" b="1" dirty="0">
+                <a:latin typeface="Times New Roman" panose="02020603050405020304" pitchFamily="18" charset="0"/>
+                <a:ea typeface="ＭＳ Ｐゴシック" pitchFamily="1" charset="-128"/>
+                <a:cs typeface="Times New Roman" panose="02020603050405020304" pitchFamily="18" charset="0"/>
+              </a:rPr>
+              <a:t>RESEARCH  AND REFERENCES</a:t>
+            </a:r>
+          </a:p>
+        </p:txBody>
+      </p:sp>
+      <p:sp>
+        <p:nvSpPr>
+          <p:cNvPr id="17410" name="TextBox 8"/>
+          <p:cNvSpPr txBox="1">
+            <a:spLocks noChangeArrowheads="1"/>
+          </p:cNvSpPr>
+          <p:nvPr/>
+        </p:nvSpPr>
+        <p:spPr bwMode="auto">
+          <a:xfrm>
+            <a:off x="450201" y="3728324"/>
+            <a:ext cx="11440886" cy="2031325"/>
+          </a:xfrm>
+          <a:prstGeom prst="rect">
+            <a:avLst/>
+          </a:prstGeom>
+          <a:noFill/>
+          <a:ln w="9525">
+            <a:noFill/>
+            <a:miter lim="800000"/>
+            <a:headEnd/>
+            <a:tailEnd/>
+          </a:ln>
+        </p:spPr>
+        <p:txBody>
+          <a:bodyPr wrap="square">
+            <a:spAutoFit/>
+          </a:bodyPr>
+          <a:lstStyle/>
+          <a:p>
+            <a:pPr lvl="0">
+              <a:defRPr/>
+            </a:pPr>
+            <a:r>
+              <a:rPr lang="en-US" b="1" dirty="0">
+                <a:solidFill>
+                  <a:prstClr val="black"/>
+                </a:solidFill>
+                <a:latin typeface="Times New Roman" panose="02020603050405020304" pitchFamily="18" charset="0"/>
+                <a:cs typeface="Times New Roman" panose="02020603050405020304" pitchFamily="18" charset="0"/>
+              </a:rPr>
+              <a:t>References:</a:t>
+            </a:r>
+          </a:p>
+          <a:p>
+            <a:pPr marL="342900" lvl="0" indent="-342900">
+              <a:buFont typeface="Arial" panose="020B0604020202020204" pitchFamily="34" charset="0"/>
+              <a:buChar char="•"/>
+              <a:defRPr/>
+            </a:pPr>
+            <a:r>
+              <a:rPr lang="en-US" b="1" dirty="0">
+                <a:solidFill>
+                  <a:prstClr val="black"/>
+                </a:solidFill>
+                <a:latin typeface="Times New Roman" panose="02020603050405020304" pitchFamily="18" charset="0"/>
+                <a:cs typeface="Times New Roman" panose="02020603050405020304" pitchFamily="18" charset="0"/>
+              </a:rPr>
+              <a:t>Stressor-AOP:</a:t>
+            </a:r>
+            <a:r>
+              <a:rPr lang="en-US" dirty="0">
+                <a:solidFill>
+                  <a:prstClr val="black"/>
+                </a:solidFill>
+                <a:latin typeface="Times New Roman" panose="02020603050405020304" pitchFamily="18" charset="0"/>
+                <a:cs typeface="Times New Roman" panose="02020603050405020304" pitchFamily="18" charset="0"/>
+              </a:rPr>
+              <a:t> https://cb.imsc.res.in/saopadditives/</a:t>
+            </a:r>
+          </a:p>
+          <a:p>
+            <a:pPr marL="342900" lvl="0" indent="-342900">
+              <a:buFont typeface="Arial" panose="020B0604020202020204" pitchFamily="34" charset="0"/>
+              <a:buChar char="•"/>
+              <a:defRPr/>
+            </a:pPr>
+            <a:r>
+              <a:rPr lang="en-US" b="1" dirty="0">
+                <a:solidFill>
+                  <a:prstClr val="black"/>
+                </a:solidFill>
+                <a:latin typeface="Times New Roman" panose="02020603050405020304" pitchFamily="18" charset="0"/>
+                <a:cs typeface="Times New Roman" panose="02020603050405020304" pitchFamily="18" charset="0"/>
+              </a:rPr>
+              <a:t>NOAA NCEI Marine DB:</a:t>
+            </a:r>
+            <a:r>
+              <a:rPr lang="en-US" dirty="0">
+                <a:solidFill>
+                  <a:prstClr val="black"/>
+                </a:solidFill>
+                <a:latin typeface="Times New Roman" panose="02020603050405020304" pitchFamily="18" charset="0"/>
+                <a:cs typeface="Times New Roman" panose="02020603050405020304" pitchFamily="18" charset="0"/>
+              </a:rPr>
+              <a:t> https://pmc.ncbi.nlm.nih.gov/articles/PMC10589325/</a:t>
+            </a:r>
+          </a:p>
+          <a:p>
+            <a:pPr marL="342900" lvl="0" indent="-342900">
+              <a:buFont typeface="Arial" panose="020B0604020202020204" pitchFamily="34" charset="0"/>
+              <a:buChar char="•"/>
+              <a:defRPr/>
+            </a:pPr>
+            <a:r>
+              <a:rPr lang="en-US" b="1" dirty="0">
+                <a:solidFill>
+                  <a:prstClr val="black"/>
+                </a:solidFill>
+                <a:latin typeface="Times New Roman" panose="02020603050405020304" pitchFamily="18" charset="0"/>
+                <a:cs typeface="Times New Roman" panose="02020603050405020304" pitchFamily="18" charset="0"/>
+              </a:rPr>
+              <a:t>Marine Debris Program:</a:t>
+            </a:r>
+            <a:r>
+              <a:rPr lang="en-US" dirty="0">
+                <a:solidFill>
+                  <a:prstClr val="black"/>
+                </a:solidFill>
+                <a:latin typeface="Times New Roman" panose="02020603050405020304" pitchFamily="18" charset="0"/>
+                <a:cs typeface="Times New Roman" panose="02020603050405020304" pitchFamily="18" charset="0"/>
+              </a:rPr>
+              <a:t> </a:t>
+            </a:r>
+            <a:r>
+              <a:rPr lang="en-US" dirty="0">
+                <a:solidFill>
+                  <a:prstClr val="black"/>
+                </a:solidFill>
+                <a:latin typeface="Times New Roman" panose="02020603050405020304" pitchFamily="18" charset="0"/>
+                <a:cs typeface="Times New Roman" panose="02020603050405020304" pitchFamily="18" charset="0"/>
+                <a:hlinkClick r:id="rId3"/>
+              </a:rPr>
+              <a:t>https://marinedebris.noaa.gov/</a:t>
+            </a:r>
+            <a:endParaRPr lang="en-US" dirty="0">
+              <a:solidFill>
+                <a:prstClr val="black"/>
+              </a:solidFill>
+              <a:latin typeface="Times New Roman" panose="02020603050405020304" pitchFamily="18" charset="0"/>
+              <a:cs typeface="Times New Roman" panose="02020603050405020304" pitchFamily="18" charset="0"/>
+            </a:endParaRPr>
+          </a:p>
+          <a:p>
+            <a:pPr marL="342900" indent="-342900">
+              <a:buFont typeface="Arial" panose="020B0604020202020204" pitchFamily="34" charset="0"/>
+              <a:buChar char="•"/>
+              <a:defRPr/>
+            </a:pPr>
+            <a:r>
+              <a:rPr lang="en-US" b="1" dirty="0">
+                <a:latin typeface="Times New Roman" panose="02020603050405020304" pitchFamily="18" charset="0"/>
+                <a:cs typeface="Times New Roman" panose="02020603050405020304" pitchFamily="18" charset="0"/>
+              </a:rPr>
+              <a:t>Overview of Analytical methods for the determination of microplastics:</a:t>
+            </a:r>
+            <a:r>
+              <a:rPr lang="en-US" dirty="0">
+                <a:latin typeface="Times New Roman" panose="02020603050405020304" pitchFamily="18" charset="0"/>
+                <a:cs typeface="Times New Roman" panose="02020603050405020304" pitchFamily="18" charset="0"/>
+              </a:rPr>
+              <a:t> </a:t>
+            </a:r>
+            <a:r>
+              <a:rPr lang="en-US" dirty="0">
+                <a:solidFill>
+                  <a:prstClr val="black"/>
+                </a:solidFill>
+                <a:latin typeface="Times New Roman" panose="02020603050405020304" pitchFamily="18" charset="0"/>
+                <a:cs typeface="Times New Roman" panose="02020603050405020304" pitchFamily="18" charset="0"/>
+                <a:hlinkClick r:id="rId4"/>
+              </a:rPr>
+              <a:t>https://www.sciencedirect.com/science/article/abs/pii/S0165993623003485</a:t>
+            </a:r>
+            <a:endParaRPr lang="en-US" dirty="0">
+              <a:solidFill>
+                <a:prstClr val="black"/>
+              </a:solidFill>
+              <a:latin typeface="Times New Roman" panose="02020603050405020304" pitchFamily="18" charset="0"/>
+              <a:cs typeface="Times New Roman" panose="02020603050405020304" pitchFamily="18" charset="0"/>
+            </a:endParaRPr>
+          </a:p>
+          <a:p>
+            <a:pPr marL="342900" lvl="0" indent="-342900">
+              <a:buFont typeface="Arial" panose="020B0604020202020204" pitchFamily="34" charset="0"/>
+              <a:buChar char="•"/>
+              <a:defRPr/>
+            </a:pPr>
+            <a:r>
+              <a:rPr kumimoji="0" lang="en-US" b="1" i="0" u="none" strike="noStrike" kern="1200" cap="none" spc="0" normalizeH="0" baseline="0" noProof="0" dirty="0">
+                <a:ln>
+                  <a:noFill/>
+                </a:ln>
+                <a:solidFill>
+                  <a:prstClr val="black"/>
+                </a:solidFill>
+                <a:effectLst/>
+                <a:uLnTx/>
+                <a:uFillTx/>
+                <a:latin typeface="Times New Roman" panose="02020603050405020304" pitchFamily="18" charset="0"/>
+                <a:cs typeface="Times New Roman" panose="02020603050405020304" pitchFamily="18" charset="0"/>
+              </a:rPr>
+              <a:t>Methods of Microplastic Detection</a:t>
+            </a:r>
+            <a:r>
+              <a:rPr kumimoji="0" lang="en-US" b="0" i="0" u="none" strike="noStrike" kern="1200" cap="none" spc="0" normalizeH="0" baseline="0" noProof="0" dirty="0">
+                <a:ln>
+                  <a:noFill/>
+                </a:ln>
+                <a:solidFill>
+                  <a:prstClr val="black"/>
+                </a:solidFill>
+                <a:effectLst/>
+                <a:uLnTx/>
+                <a:uFillTx/>
+                <a:latin typeface="Times New Roman" panose="02020603050405020304" pitchFamily="18" charset="0"/>
+                <a:cs typeface="Times New Roman" panose="02020603050405020304" pitchFamily="18" charset="0"/>
+              </a:rPr>
+              <a:t> by Bree Foster</a:t>
+            </a:r>
+          </a:p>
+        </p:txBody>
+      </p:sp>
+      <p:sp>
+        <p:nvSpPr>
+          <p:cNvPr id="6" name="Slide Number Placeholder 5"/>
+          <p:cNvSpPr>
+            <a:spLocks noGrp="1"/>
+          </p:cNvSpPr>
+          <p:nvPr>
+            <p:ph type="sldNum" sz="quarter" idx="12"/>
+          </p:nvPr>
+        </p:nvSpPr>
+        <p:spPr/>
+        <p:txBody>
+          <a:bodyPr/>
+          <a:lstStyle/>
+          <a:p>
+            <a:pPr marL="0" marR="0" lvl="0" indent="0" algn="r" defTabSz="457200" rtl="0" eaLnBrk="1" fontAlgn="base" latinLnBrk="0" hangingPunct="1">
+              <a:lnSpc>
+                <a:spcPct val="100000"/>
+              </a:lnSpc>
+              <a:spcBef>
+                <a:spcPct val="0"/>
+              </a:spcBef>
+              <a:spcAft>
+                <a:spcPct val="0"/>
+              </a:spcAft>
+              <a:buClrTx/>
+              <a:buSzTx/>
+              <a:buFontTx/>
+              <a:buNone/>
+              <a:tabLst/>
+              <a:defRPr/>
+            </a:pPr>
+            <a:fld id="{677C3CE7-23F7-4828-823C-E0205DF2CF97}" type="slidenum">
+              <a:rPr kumimoji="0" lang="en-US" sz="1200" b="1" i="0" u="none" strike="noStrike" kern="1200" cap="none" spc="0" normalizeH="0" baseline="0" noProof="0">
+                <a:ln>
+                  <a:noFill/>
+                </a:ln>
+                <a:solidFill>
+                  <a:prstClr val="white"/>
+                </a:solidFill>
+                <a:effectLst/>
+                <a:uLnTx/>
+                <a:uFillTx/>
+                <a:latin typeface="TradeGothic" pitchFamily="1" charset="0"/>
+                <a:ea typeface="ＭＳ Ｐゴシック" pitchFamily="1" charset="-128"/>
+                <a:cs typeface="+mn-cs"/>
+              </a:rPr>
+              <a:pPr marL="0" marR="0" lvl="0" indent="0" algn="r" defTabSz="457200" rtl="0" eaLnBrk="1" fontAlgn="base" latinLnBrk="0" hangingPunct="1">
+                <a:lnSpc>
+                  <a:spcPct val="100000"/>
+                </a:lnSpc>
+                <a:spcBef>
+                  <a:spcPct val="0"/>
+                </a:spcBef>
+                <a:spcAft>
+                  <a:spcPct val="0"/>
+                </a:spcAft>
+                <a:buClrTx/>
+                <a:buSzTx/>
+                <a:buFontTx/>
+                <a:buNone/>
+                <a:tabLst/>
+                <a:defRPr/>
+              </a:pPr>
+              <a:t>7</a:t>
+            </a:fld>
+            <a:endParaRPr kumimoji="0" lang="en-US" sz="1200" b="1" i="0" u="none" strike="noStrike" kern="1200" cap="none" spc="0" normalizeH="0" baseline="0" noProof="0" dirty="0">
+              <a:ln>
+                <a:noFill/>
+              </a:ln>
+              <a:solidFill>
+                <a:prstClr val="white"/>
+              </a:solidFill>
+              <a:effectLst/>
+              <a:uLnTx/>
+              <a:uFillTx/>
+              <a:latin typeface="TradeGothic" pitchFamily="1" charset="0"/>
+              <a:ea typeface="ＭＳ Ｐゴシック" pitchFamily="1" charset="-128"/>
+              <a:cs typeface="+mn-cs"/>
+            </a:endParaRPr>
+          </a:p>
+        </p:txBody>
+      </p:sp>
+      <p:sp>
+        <p:nvSpPr>
+          <p:cNvPr id="7" name="Footer Placeholder 6"/>
+          <p:cNvSpPr>
+            <a:spLocks noGrp="1"/>
+          </p:cNvSpPr>
+          <p:nvPr>
+            <p:ph type="ftr" sz="quarter" idx="11"/>
+          </p:nvPr>
+        </p:nvSpPr>
+        <p:spPr>
+          <a:xfrm>
+            <a:off x="4648200" y="6356353"/>
+            <a:ext cx="3204000" cy="365125"/>
+          </a:xfrm>
+        </p:spPr>
+        <p:txBody>
+          <a:bodyPr/>
+          <a:lstStyle/>
+          <a:p>
+            <a:pPr marL="0" marR="0" lvl="0" indent="0" algn="ctr" defTabSz="457200" rtl="0" eaLnBrk="1" fontAlgn="auto" latinLnBrk="0" hangingPunct="1">
+              <a:lnSpc>
+                <a:spcPct val="100000"/>
+              </a:lnSpc>
+              <a:spcBef>
+                <a:spcPts val="0"/>
+              </a:spcBef>
+              <a:spcAft>
+                <a:spcPts val="0"/>
+              </a:spcAft>
+              <a:buClrTx/>
+              <a:buSzTx/>
+              <a:buFontTx/>
+              <a:buNone/>
+              <a:tabLst/>
+              <a:defRPr/>
+            </a:pPr>
+            <a:r>
+              <a:rPr kumimoji="0" lang="en-US" sz="1200" b="0" i="0" u="none" strike="noStrike" kern="1200" cap="none" spc="0" normalizeH="0" baseline="0" noProof="0">
+                <a:ln>
+                  <a:noFill/>
+                </a:ln>
+                <a:solidFill>
+                  <a:prstClr val="white"/>
+                </a:solidFill>
+                <a:effectLst/>
+                <a:uLnTx/>
+                <a:uFillTx/>
+                <a:latin typeface="TradeGothic"/>
+                <a:ea typeface="+mn-ea"/>
+                <a:cs typeface="+mn-cs"/>
+              </a:rPr>
+              <a:t>@SIH Idea submission- Template</a:t>
+            </a:r>
+            <a:endParaRPr kumimoji="0" lang="en-US" sz="1200" b="0" i="0" u="none" strike="noStrike" kern="1200" cap="none" spc="0" normalizeH="0" baseline="0" noProof="0" dirty="0">
+              <a:ln>
+                <a:noFill/>
+              </a:ln>
+              <a:solidFill>
+                <a:prstClr val="white"/>
+              </a:solidFill>
+              <a:effectLst/>
+              <a:uLnTx/>
+              <a:uFillTx/>
+              <a:latin typeface="TradeGothic"/>
+              <a:ea typeface="+mn-ea"/>
+              <a:cs typeface="+mn-cs"/>
+            </a:endParaRPr>
+          </a:p>
+        </p:txBody>
+      </p:sp>
+      <p:sp>
+        <p:nvSpPr>
           <p:cNvPr id="9" name="Oval 8" descr="Your startup LOGO">
             <a:extLst>
               <a:ext uri="{FF2B5EF4-FFF2-40B4-BE49-F238E27FC236}">
@@ -10055,6 +11361,110 @@
           </a:extLst>
         </p:spPr>
       </p:pic>
+      <p:sp>
+        <p:nvSpPr>
+          <p:cNvPr id="12" name="TextBox 8"/>
+          <p:cNvSpPr txBox="1">
+            <a:spLocks noChangeArrowheads="1"/>
+          </p:cNvSpPr>
+          <p:nvPr/>
+        </p:nvSpPr>
+        <p:spPr bwMode="auto">
+          <a:xfrm>
+            <a:off x="609600" y="1818940"/>
+            <a:ext cx="4616669" cy="1754326"/>
+          </a:xfrm>
+          <a:prstGeom prst="rect">
+            <a:avLst/>
+          </a:prstGeom>
+          <a:noFill/>
+          <a:ln w="9525">
+            <a:noFill/>
+            <a:miter lim="800000"/>
+            <a:headEnd/>
+            <a:tailEnd/>
+          </a:ln>
+        </p:spPr>
+        <p:txBody>
+          <a:bodyPr wrap="square">
+            <a:spAutoFit/>
+          </a:bodyPr>
+          <a:lstStyle/>
+          <a:p>
+            <a:pPr lvl="0" algn="just">
+              <a:defRPr/>
+            </a:pPr>
+            <a:r>
+              <a:rPr lang="en-US" b="1" dirty="0">
+                <a:solidFill>
+                  <a:prstClr val="black"/>
+                </a:solidFill>
+                <a:latin typeface="Times New Roman" panose="02020603050405020304" pitchFamily="18" charset="0"/>
+                <a:cs typeface="Times New Roman" panose="02020603050405020304" pitchFamily="18" charset="0"/>
+              </a:rPr>
+              <a:t>Estimated Cost:</a:t>
+            </a:r>
+          </a:p>
+          <a:p>
+            <a:pPr marL="285750" indent="-285750">
+              <a:buFont typeface="Arial" panose="020B0604020202020204" pitchFamily="34" charset="0"/>
+              <a:buChar char="•"/>
+            </a:pPr>
+            <a:r>
+              <a:rPr lang="en-US" dirty="0"/>
+              <a:t>ESP32-S3 : ~2000</a:t>
+            </a:r>
+          </a:p>
+          <a:p>
+            <a:pPr marL="285750" indent="-285750">
+              <a:buFont typeface="Arial" panose="020B0604020202020204" pitchFamily="34" charset="0"/>
+              <a:buChar char="•"/>
+            </a:pPr>
+            <a:r>
+              <a:rPr lang="en-US" dirty="0"/>
+              <a:t>AS7265x : ~11000</a:t>
+            </a:r>
+          </a:p>
+          <a:p>
+            <a:pPr marL="285750" indent="-285750">
+              <a:buFont typeface="Arial" panose="020B0604020202020204" pitchFamily="34" charset="0"/>
+              <a:buChar char="•"/>
+            </a:pPr>
+            <a:r>
+              <a:rPr lang="en-US" dirty="0"/>
+              <a:t>UV LED torch (365–395 nm) : ~1000</a:t>
+            </a:r>
+          </a:p>
+          <a:p>
+            <a:pPr marL="285750" indent="-285750">
+              <a:buFont typeface="Arial" panose="020B0604020202020204" pitchFamily="34" charset="0"/>
+              <a:buChar char="•"/>
+            </a:pPr>
+            <a:r>
+              <a:rPr lang="en-US" dirty="0"/>
+              <a:t>Battery Li-ion(12v 5Ah) : ~1500</a:t>
+            </a:r>
+          </a:p>
+          <a:p>
+            <a:r>
+              <a:rPr lang="en-US" dirty="0">
+                <a:solidFill>
+                  <a:srgbClr val="FF0000"/>
+                </a:solidFill>
+              </a:rPr>
+              <a:t>             </a:t>
+            </a:r>
+            <a:r>
+              <a:rPr lang="en-US" b="1" dirty="0">
+                <a:solidFill>
+                  <a:srgbClr val="FF0000"/>
+                </a:solidFill>
+              </a:rPr>
+              <a:t>Total: 17500</a:t>
+            </a:r>
+          </a:p>
+        </p:txBody>
+      </p:sp>
     </p:spTree>
     <p:extLst>
       <p:ext uri="{BB962C8B-B14F-4D97-AF65-F5344CB8AC3E}">

--- a/Detector.pptx
+++ b/Detector.pptx
@@ -145,7 +145,7 @@
   </p:defaultTextStyle>
   <p:extLst>
     <p:ext uri="{EFAFB233-063F-42B5-8137-9DF3F51BA10A}">
-      <p15:sldGuideLst xmlns:p15="http://schemas.microsoft.com/office/powerpoint/2012/main">
+      <p15:sldGuideLst xmlns:p15="http://schemas.microsoft.com/office/powerpoint/2012/main" xmlns="">
         <p15:guide id="1" orient="horz" pos="2160" userDrawn="1">
           <p15:clr>
             <a:srgbClr val="A4A3A4"/>
@@ -262,7 +262,7 @@
             <a:fld id="{C4D5ADD5-2BBC-4A94-8F86-D9013941F742}" type="datetimeFigureOut">
               <a:rPr lang="en-US"/>
               <a:pPr/>
-              <a:t>9/2/2025</a:t>
+              <a:t>9/3/2025</a:t>
             </a:fld>
             <a:endParaRPr lang="en-US"/>
           </a:p>
@@ -1654,7 +1654,7 @@
           <a:p>
             <a:fld id="{E60792E3-D524-454C-8AFD-A91972900BCB}" type="datetime1">
               <a:rPr lang="en-US" smtClean="0"/>
-              <a:t>9/2/2025</a:t>
+              <a:t>9/3/2025</a:t>
             </a:fld>
             <a:endParaRPr lang="en-US"/>
           </a:p>
@@ -1836,7 +1836,7 @@
           <a:p>
             <a:fld id="{053C3A68-6922-42D3-8905-ECC2D82A3469}" type="datetime1">
               <a:rPr lang="en-US" smtClean="0"/>
-              <a:t>9/2/2025</a:t>
+              <a:t>9/3/2025</a:t>
             </a:fld>
             <a:endParaRPr lang="en-US"/>
           </a:p>
@@ -2028,7 +2028,7 @@
           <a:p>
             <a:fld id="{CB69E9F4-7604-4950-A8B2-8ACDEDB1506E}" type="datetime1">
               <a:rPr lang="en-US" smtClean="0"/>
-              <a:t>9/2/2025</a:t>
+              <a:t>9/3/2025</a:t>
             </a:fld>
             <a:endParaRPr lang="en-US"/>
           </a:p>
@@ -2210,7 +2210,7 @@
           <a:p>
             <a:fld id="{708B7524-32A2-4C20-A58C-BC3BAA1042FC}" type="datetime1">
               <a:rPr lang="en-US" smtClean="0"/>
-              <a:t>9/2/2025</a:t>
+              <a:t>9/3/2025</a:t>
             </a:fld>
             <a:endParaRPr lang="en-US"/>
           </a:p>
@@ -2469,7 +2469,7 @@
           <a:p>
             <a:fld id="{1E994447-D6B2-43BB-A877-57F1A267B999}" type="datetime1">
               <a:rPr lang="en-US" smtClean="0"/>
-              <a:t>9/2/2025</a:t>
+              <a:t>9/3/2025</a:t>
             </a:fld>
             <a:endParaRPr lang="en-US"/>
           </a:p>
@@ -2768,7 +2768,7 @@
           <a:p>
             <a:fld id="{68920E16-BD35-483C-AA6B-346FC7E46DEA}" type="datetime1">
               <a:rPr lang="en-US" smtClean="0"/>
-              <a:t>9/2/2025</a:t>
+              <a:t>9/3/2025</a:t>
             </a:fld>
             <a:endParaRPr lang="en-US"/>
           </a:p>
@@ -3201,7 +3201,7 @@
           <a:p>
             <a:fld id="{2FEAC6F8-5103-4FC0-A69E-5C6AE6469DA8}" type="datetime1">
               <a:rPr lang="en-US" smtClean="0"/>
-              <a:t>9/2/2025</a:t>
+              <a:t>9/3/2025</a:t>
             </a:fld>
             <a:endParaRPr lang="en-US"/>
           </a:p>
@@ -3332,7 +3332,7 @@
           <a:p>
             <a:fld id="{C60C6921-0627-4C8F-83D5-0CF936D2FFDD}" type="datetime1">
               <a:rPr lang="en-US" smtClean="0"/>
-              <a:t>9/2/2025</a:t>
+              <a:t>9/3/2025</a:t>
             </a:fld>
             <a:endParaRPr lang="en-US"/>
           </a:p>
@@ -3441,7 +3441,7 @@
           <a:p>
             <a:fld id="{2FF08AD7-8103-40F8-983C-E2BA6BB9CBE0}" type="datetime1">
               <a:rPr lang="en-US" smtClean="0"/>
-              <a:t>9/2/2025</a:t>
+              <a:t>9/3/2025</a:t>
             </a:fld>
             <a:endParaRPr lang="en-US"/>
           </a:p>
@@ -3730,7 +3730,7 @@
           <a:p>
             <a:fld id="{DF8C06B4-9380-4A4D-AF49-A3596E17DAF5}" type="datetime1">
               <a:rPr lang="en-US" smtClean="0"/>
-              <a:t>9/2/2025</a:t>
+              <a:t>9/3/2025</a:t>
             </a:fld>
             <a:endParaRPr lang="en-US"/>
           </a:p>
@@ -3999,7 +3999,7 @@
           <a:p>
             <a:fld id="{EF7FDEF1-C582-4E22-9E77-D68326471F28}" type="datetime1">
               <a:rPr lang="en-US" smtClean="0"/>
-              <a:t>9/2/2025</a:t>
+              <a:t>9/3/2025</a:t>
             </a:fld>
             <a:endParaRPr lang="en-US"/>
           </a:p>
@@ -4242,7 +4242,7 @@
           <a:p>
             <a:fld id="{780A9602-A9A9-453F-AEF1-37B5837E02CD}" type="datetime1">
               <a:rPr lang="en-US" smtClean="0"/>
-              <a:t>9/2/2025</a:t>
+              <a:t>9/3/2025</a:t>
             </a:fld>
             <a:endParaRPr lang="en-US"/>
           </a:p>
@@ -4790,10 +4790,10 @@
           <p:cNvPr id="36" name="Rectangle 24">
             <a:extLst>
               <a:ext uri="{FF2B5EF4-FFF2-40B4-BE49-F238E27FC236}">
-                <a16:creationId xmlns:a16="http://schemas.microsoft.com/office/drawing/2014/main" id="{3E443FD7-A66B-4AA0-872D-B088B9BC5F17}"/>
+                <a16:creationId xmlns:a16="http://schemas.microsoft.com/office/drawing/2014/main" xmlns="" id="{3E443FD7-A66B-4AA0-872D-B088B9BC5F17}"/>
               </a:ext>
               <a:ext uri="{C183D7F6-B498-43B3-948B-1728B52AA6E4}">
-                <adec:decorative xmlns:adec="http://schemas.microsoft.com/office/drawing/2017/decorative" val="1"/>
+                <adec:decorative xmlns:adec="http://schemas.microsoft.com/office/drawing/2017/decorative" xmlns="" val="1"/>
               </a:ext>
             </a:extLst>
           </p:cNvPr>
@@ -4803,7 +4803,7 @@
           <p:nvPr>
             <p:extLst>
               <p:ext uri="{386F3935-93C4-4BCD-93E2-E3B085C9AB24}">
-                <p16:designElem xmlns:p16="http://schemas.microsoft.com/office/powerpoint/2015/main" val="1"/>
+                <p16:designElem xmlns:p16="http://schemas.microsoft.com/office/powerpoint/2015/main" xmlns="" val="1"/>
               </p:ext>
             </p:extLst>
           </p:nvPr>
@@ -4850,10 +4850,10 @@
           <p:cNvPr id="37" name="Freeform: Shape 26">
             <a:extLst>
               <a:ext uri="{FF2B5EF4-FFF2-40B4-BE49-F238E27FC236}">
-                <a16:creationId xmlns:a16="http://schemas.microsoft.com/office/drawing/2014/main" id="{C04BE0EF-3561-49B4-9A29-F283168A91C7}"/>
+                <a16:creationId xmlns:a16="http://schemas.microsoft.com/office/drawing/2014/main" xmlns="" id="{C04BE0EF-3561-49B4-9A29-F283168A91C7}"/>
               </a:ext>
               <a:ext uri="{C183D7F6-B498-43B3-948B-1728B52AA6E4}">
-                <adec:decorative xmlns:adec="http://schemas.microsoft.com/office/drawing/2017/decorative" val="1"/>
+                <adec:decorative xmlns:adec="http://schemas.microsoft.com/office/drawing/2017/decorative" xmlns="" val="1"/>
               </a:ext>
             </a:extLst>
           </p:cNvPr>
@@ -4863,7 +4863,7 @@
           <p:nvPr>
             <p:extLst>
               <p:ext uri="{386F3935-93C4-4BCD-93E2-E3B085C9AB24}">
-                <p16:designElem xmlns:p16="http://schemas.microsoft.com/office/powerpoint/2015/main" val="1"/>
+                <p16:designElem xmlns:p16="http://schemas.microsoft.com/office/powerpoint/2015/main" xmlns="" val="1"/>
               </p:ext>
             </p:extLst>
           </p:nvPr>
@@ -5624,7 +5624,7 @@
           <p:cNvPr id="5" name="Picture 4">
             <a:extLst>
               <a:ext uri="{FF2B5EF4-FFF2-40B4-BE49-F238E27FC236}">
-                <a16:creationId xmlns:a16="http://schemas.microsoft.com/office/drawing/2014/main" id="{9120848B-B2B4-45BE-A961-AEC0B06CF41B}"/>
+                <a16:creationId xmlns:a16="http://schemas.microsoft.com/office/drawing/2014/main" xmlns="" id="{9120848B-B2B4-45BE-A961-AEC0B06CF41B}"/>
               </a:ext>
             </a:extLst>
           </p:cNvPr>
@@ -5695,7 +5695,7 @@
         <p:spPr>
           <a:xfrm>
             <a:off x="244575" y="851521"/>
-            <a:ext cx="6373331" cy="5167505"/>
+            <a:ext cx="6373331" cy="5262979"/>
           </a:xfrm>
           <a:prstGeom prst="rect">
             <a:avLst/>
@@ -5849,7 +5849,21 @@
                 <a:latin typeface="Arial" panose="020B0604020202020204" pitchFamily="34" charset="0"/>
                 <a:cs typeface="Arial" panose="020B0604020202020204" pitchFamily="34" charset="0"/>
               </a:rPr>
-              <a:t>Team Name-</a:t>
+              <a:t>Team </a:t>
+            </a:r>
+            <a:r>
+              <a:rPr lang="en-US" sz="2000" b="1" dirty="0" smtClean="0">
+                <a:latin typeface="Arial" panose="020B0604020202020204" pitchFamily="34" charset="0"/>
+                <a:cs typeface="Arial" panose="020B0604020202020204" pitchFamily="34" charset="0"/>
+              </a:rPr>
+              <a:t>Name- </a:t>
+            </a:r>
+            <a:r>
+              <a:rPr lang="en-US" sz="2000" dirty="0" smtClean="0">
+                <a:latin typeface="Arial" panose="020B0604020202020204" pitchFamily="34" charset="0"/>
+                <a:cs typeface="Arial" panose="020B0604020202020204" pitchFamily="34" charset="0"/>
+              </a:rPr>
+              <a:t>Innov8</a:t>
             </a:r>
             <a:endParaRPr lang="en-IN" sz="2000" b="1" dirty="0">
               <a:latin typeface="Arial" panose="020B0604020202020204" pitchFamily="34" charset="0"/>
@@ -5904,6 +5918,13 @@
   <p:clrMapOvr>
     <a:masterClrMapping/>
   </p:clrMapOvr>
+  <p:timing>
+    <p:tnLst>
+      <p:par>
+        <p:cTn id="1" dur="indefinite" restart="never" nodeType="tmRoot"/>
+      </p:par>
+    </p:tnLst>
+  </p:timing>
 </p:sld>
 </file>
 
@@ -5929,7 +5950,7 @@
           <p:cNvPr id="56" name="Rectangle 55">
             <a:extLst>
               <a:ext uri="{FF2B5EF4-FFF2-40B4-BE49-F238E27FC236}">
-                <a16:creationId xmlns:a16="http://schemas.microsoft.com/office/drawing/2014/main" id="{98B875D5-EA47-26E1-EB99-302C460DF55C}"/>
+                <a16:creationId xmlns:a16="http://schemas.microsoft.com/office/drawing/2014/main" xmlns="" id="{98B875D5-EA47-26E1-EB99-302C460DF55C}"/>
               </a:ext>
             </a:extLst>
           </p:cNvPr>
@@ -6050,6 +6071,14 @@
           <a:lstStyle/>
           <a:p>
             <a:pPr eaLnBrk="1" hangingPunct="1"/>
+            <a:r>
+              <a:rPr lang="en-US" sz="3600" b="1" dirty="0">
+                <a:latin typeface="Times New Roman" panose="02020603050405020304" pitchFamily="18" charset="0"/>
+                <a:ea typeface="ＭＳ Ｐゴシック" pitchFamily="1" charset="-128"/>
+                <a:cs typeface="Times New Roman" panose="02020603050405020304" pitchFamily="18" charset="0"/>
+              </a:rPr>
+              <a:t/>
+            </a:r>
             <a:br>
               <a:rPr lang="en-US" sz="3600" b="1" dirty="0">
                 <a:latin typeface="Times New Roman" panose="02020603050405020304" pitchFamily="18" charset="0"/>
@@ -6208,10 +6237,10 @@
           <p:cNvPr id="10" name="Oval 9" descr="Your startup LOGO">
             <a:extLst>
               <a:ext uri="{FF2B5EF4-FFF2-40B4-BE49-F238E27FC236}">
-                <a16:creationId xmlns:a16="http://schemas.microsoft.com/office/drawing/2014/main" id="{5DBCE864-823D-4A13-9607-5DA1F0ED5FB8}"/>
+                <a16:creationId xmlns:a16="http://schemas.microsoft.com/office/drawing/2014/main" xmlns="" id="{5DBCE864-823D-4A13-9607-5DA1F0ED5FB8}"/>
               </a:ext>
               <a:ext uri="{C183D7F6-B498-43B3-948B-1728B52AA6E4}">
-                <adec:decorative xmlns:adec="http://schemas.microsoft.com/office/drawing/2017/decorative" val="0"/>
+                <adec:decorative xmlns:adec="http://schemas.microsoft.com/office/drawing/2017/decorative" xmlns="" val="0"/>
               </a:ext>
             </a:extLst>
           </p:cNvPr>
@@ -6247,8 +6276,8 @@
           <a:p>
             <a:pPr algn="ctr"/>
             <a:r>
-              <a:rPr lang="en-US" dirty="0"/>
-              <a:t>Your Team Name</a:t>
+              <a:rPr lang="en-US" dirty="0" smtClean="0"/>
+              <a:t>Innov8</a:t>
             </a:r>
             <a:endParaRPr lang="en-IN" dirty="0"/>
           </a:p>
@@ -6300,7 +6329,7 @@
           <p:cNvPr id="2" name="TextBox 1">
             <a:extLst>
               <a:ext uri="{FF2B5EF4-FFF2-40B4-BE49-F238E27FC236}">
-                <a16:creationId xmlns:a16="http://schemas.microsoft.com/office/drawing/2014/main" id="{E22DCBB4-FD7B-7033-C6ED-45E405FD9964}"/>
+                <a16:creationId xmlns:a16="http://schemas.microsoft.com/office/drawing/2014/main" xmlns="" id="{E22DCBB4-FD7B-7033-C6ED-45E405FD9964}"/>
               </a:ext>
             </a:extLst>
           </p:cNvPr>
@@ -6394,7 +6423,7 @@
           <p:cNvPr id="3" name="Oval 2">
             <a:extLst>
               <a:ext uri="{FF2B5EF4-FFF2-40B4-BE49-F238E27FC236}">
-                <a16:creationId xmlns:a16="http://schemas.microsoft.com/office/drawing/2014/main" id="{438D22CA-394B-1FF8-F7F3-3ACA6564880D}"/>
+                <a16:creationId xmlns:a16="http://schemas.microsoft.com/office/drawing/2014/main" xmlns="" id="{438D22CA-394B-1FF8-F7F3-3ACA6564880D}"/>
               </a:ext>
             </a:extLst>
           </p:cNvPr>
@@ -6464,7 +6493,7 @@
           <p:cNvPr id="8" name="Rectangle 7">
             <a:extLst>
               <a:ext uri="{FF2B5EF4-FFF2-40B4-BE49-F238E27FC236}">
-                <a16:creationId xmlns:a16="http://schemas.microsoft.com/office/drawing/2014/main" id="{8E1A46F0-E21D-174F-6382-FBA58C4EF8DC}"/>
+                <a16:creationId xmlns:a16="http://schemas.microsoft.com/office/drawing/2014/main" xmlns="" id="{8E1A46F0-E21D-174F-6382-FBA58C4EF8DC}"/>
               </a:ext>
             </a:extLst>
           </p:cNvPr>
@@ -6534,7 +6563,7 @@
           <p:cNvPr id="13" name="Straight Arrow Connector 12">
             <a:extLst>
               <a:ext uri="{FF2B5EF4-FFF2-40B4-BE49-F238E27FC236}">
-                <a16:creationId xmlns:a16="http://schemas.microsoft.com/office/drawing/2014/main" id="{5A5BD0D8-953E-44BA-E214-6D48DA87EA88}"/>
+                <a16:creationId xmlns:a16="http://schemas.microsoft.com/office/drawing/2014/main" xmlns="" id="{5A5BD0D8-953E-44BA-E214-6D48DA87EA88}"/>
               </a:ext>
             </a:extLst>
           </p:cNvPr>
@@ -6576,7 +6605,7 @@
           <p:cNvPr id="14" name="Rectangle 13">
             <a:extLst>
               <a:ext uri="{FF2B5EF4-FFF2-40B4-BE49-F238E27FC236}">
-                <a16:creationId xmlns:a16="http://schemas.microsoft.com/office/drawing/2014/main" id="{1EC43D1C-FF8B-02DF-B6FA-AB68728B3D72}"/>
+                <a16:creationId xmlns:a16="http://schemas.microsoft.com/office/drawing/2014/main" xmlns="" id="{1EC43D1C-FF8B-02DF-B6FA-AB68728B3D72}"/>
               </a:ext>
             </a:extLst>
           </p:cNvPr>
@@ -6646,7 +6675,7 @@
           <p:cNvPr id="16" name="Straight Arrow Connector 15">
             <a:extLst>
               <a:ext uri="{FF2B5EF4-FFF2-40B4-BE49-F238E27FC236}">
-                <a16:creationId xmlns:a16="http://schemas.microsoft.com/office/drawing/2014/main" id="{93378E09-C2A6-D597-0887-B70FDC506673}"/>
+                <a16:creationId xmlns:a16="http://schemas.microsoft.com/office/drawing/2014/main" xmlns="" id="{93378E09-C2A6-D597-0887-B70FDC506673}"/>
               </a:ext>
             </a:extLst>
           </p:cNvPr>
@@ -6688,7 +6717,7 @@
           <p:cNvPr id="17" name="Rectangle 16">
             <a:extLst>
               <a:ext uri="{FF2B5EF4-FFF2-40B4-BE49-F238E27FC236}">
-                <a16:creationId xmlns:a16="http://schemas.microsoft.com/office/drawing/2014/main" id="{AC3DD121-22FD-5D49-9707-3C728CA3D093}"/>
+                <a16:creationId xmlns:a16="http://schemas.microsoft.com/office/drawing/2014/main" xmlns="" id="{AC3DD121-22FD-5D49-9707-3C728CA3D093}"/>
               </a:ext>
             </a:extLst>
           </p:cNvPr>
@@ -6735,7 +6764,7 @@
           <p:cNvPr id="18" name="Oval 17">
             <a:extLst>
               <a:ext uri="{FF2B5EF4-FFF2-40B4-BE49-F238E27FC236}">
-                <a16:creationId xmlns:a16="http://schemas.microsoft.com/office/drawing/2014/main" id="{01846258-DC84-6A1D-F976-8BD755C71E54}"/>
+                <a16:creationId xmlns:a16="http://schemas.microsoft.com/office/drawing/2014/main" xmlns="" id="{01846258-DC84-6A1D-F976-8BD755C71E54}"/>
               </a:ext>
             </a:extLst>
           </p:cNvPr>
@@ -6805,7 +6834,7 @@
           <p:cNvPr id="20" name="Straight Arrow Connector 19">
             <a:extLst>
               <a:ext uri="{FF2B5EF4-FFF2-40B4-BE49-F238E27FC236}">
-                <a16:creationId xmlns:a16="http://schemas.microsoft.com/office/drawing/2014/main" id="{A046ACE1-7C03-2CBC-8FF6-DFEA6BDC9D67}"/>
+                <a16:creationId xmlns:a16="http://schemas.microsoft.com/office/drawing/2014/main" xmlns="" id="{A046ACE1-7C03-2CBC-8FF6-DFEA6BDC9D67}"/>
               </a:ext>
             </a:extLst>
           </p:cNvPr>
@@ -6846,7 +6875,7 @@
           <p:cNvPr id="21" name="Rectangle 20">
             <a:extLst>
               <a:ext uri="{FF2B5EF4-FFF2-40B4-BE49-F238E27FC236}">
-                <a16:creationId xmlns:a16="http://schemas.microsoft.com/office/drawing/2014/main" id="{F60348BB-B2F9-55E9-862A-707A2245D4C2}"/>
+                <a16:creationId xmlns:a16="http://schemas.microsoft.com/office/drawing/2014/main" xmlns="" id="{F60348BB-B2F9-55E9-862A-707A2245D4C2}"/>
               </a:ext>
             </a:extLst>
           </p:cNvPr>
@@ -6934,7 +6963,7 @@
           <p:cNvPr id="22" name="Rectangle 21">
             <a:extLst>
               <a:ext uri="{FF2B5EF4-FFF2-40B4-BE49-F238E27FC236}">
-                <a16:creationId xmlns:a16="http://schemas.microsoft.com/office/drawing/2014/main" id="{AFB05D67-CC4D-C3EE-725C-DE42F6CD6F34}"/>
+                <a16:creationId xmlns:a16="http://schemas.microsoft.com/office/drawing/2014/main" xmlns="" id="{AFB05D67-CC4D-C3EE-725C-DE42F6CD6F34}"/>
               </a:ext>
             </a:extLst>
           </p:cNvPr>
@@ -7004,7 +7033,7 @@
           <p:cNvPr id="24" name="Straight Arrow Connector 23">
             <a:extLst>
               <a:ext uri="{FF2B5EF4-FFF2-40B4-BE49-F238E27FC236}">
-                <a16:creationId xmlns:a16="http://schemas.microsoft.com/office/drawing/2014/main" id="{4E022CFB-0741-1C04-86F2-61A0A111DD7A}"/>
+                <a16:creationId xmlns:a16="http://schemas.microsoft.com/office/drawing/2014/main" xmlns="" id="{4E022CFB-0741-1C04-86F2-61A0A111DD7A}"/>
               </a:ext>
             </a:extLst>
           </p:cNvPr>
@@ -7046,7 +7075,7 @@
           <p:cNvPr id="26" name="Straight Connector 25">
             <a:extLst>
               <a:ext uri="{FF2B5EF4-FFF2-40B4-BE49-F238E27FC236}">
-                <a16:creationId xmlns:a16="http://schemas.microsoft.com/office/drawing/2014/main" id="{24AE0496-7A6B-447E-A1E6-754741FAC46F}"/>
+                <a16:creationId xmlns:a16="http://schemas.microsoft.com/office/drawing/2014/main" xmlns="" id="{24AE0496-7A6B-447E-A1E6-754741FAC46F}"/>
               </a:ext>
             </a:extLst>
           </p:cNvPr>
@@ -7085,7 +7114,7 @@
           <p:cNvPr id="31" name="Rectangle: Rounded Corners 30">
             <a:extLst>
               <a:ext uri="{FF2B5EF4-FFF2-40B4-BE49-F238E27FC236}">
-                <a16:creationId xmlns:a16="http://schemas.microsoft.com/office/drawing/2014/main" id="{C54F8B93-0C72-681D-04B7-34A1A0A1EBFB}"/>
+                <a16:creationId xmlns:a16="http://schemas.microsoft.com/office/drawing/2014/main" xmlns="" id="{C54F8B93-0C72-681D-04B7-34A1A0A1EBFB}"/>
               </a:ext>
             </a:extLst>
           </p:cNvPr>
@@ -7185,7 +7214,7 @@
           <p:cNvPr id="33" name="Straight Arrow Connector 32">
             <a:extLst>
               <a:ext uri="{FF2B5EF4-FFF2-40B4-BE49-F238E27FC236}">
-                <a16:creationId xmlns:a16="http://schemas.microsoft.com/office/drawing/2014/main" id="{0CEA7B6E-7DC1-99CB-DF24-57B91FCB94F1}"/>
+                <a16:creationId xmlns:a16="http://schemas.microsoft.com/office/drawing/2014/main" xmlns="" id="{0CEA7B6E-7DC1-99CB-DF24-57B91FCB94F1}"/>
               </a:ext>
             </a:extLst>
           </p:cNvPr>
@@ -7227,7 +7256,7 @@
           <p:cNvPr id="34" name="TextBox 33">
             <a:extLst>
               <a:ext uri="{FF2B5EF4-FFF2-40B4-BE49-F238E27FC236}">
-                <a16:creationId xmlns:a16="http://schemas.microsoft.com/office/drawing/2014/main" id="{27ACA774-E4C1-4C72-1CC1-8065FE3E95FF}"/>
+                <a16:creationId xmlns:a16="http://schemas.microsoft.com/office/drawing/2014/main" xmlns="" id="{27ACA774-E4C1-4C72-1CC1-8065FE3E95FF}"/>
               </a:ext>
             </a:extLst>
           </p:cNvPr>
@@ -7286,7 +7315,7 @@
           <p:cNvPr id="35" name="Rectangle 34">
             <a:extLst>
               <a:ext uri="{FF2B5EF4-FFF2-40B4-BE49-F238E27FC236}">
-                <a16:creationId xmlns:a16="http://schemas.microsoft.com/office/drawing/2014/main" id="{6FB57C93-DC56-65B4-8584-A5B7EECDF42E}"/>
+                <a16:creationId xmlns:a16="http://schemas.microsoft.com/office/drawing/2014/main" xmlns="" id="{6FB57C93-DC56-65B4-8584-A5B7EECDF42E}"/>
               </a:ext>
             </a:extLst>
           </p:cNvPr>
@@ -7333,7 +7362,7 @@
           <p:cNvPr id="37" name="Straight Arrow Connector 36">
             <a:extLst>
               <a:ext uri="{FF2B5EF4-FFF2-40B4-BE49-F238E27FC236}">
-                <a16:creationId xmlns:a16="http://schemas.microsoft.com/office/drawing/2014/main" id="{F3B36798-6862-F919-3DD8-8A1938D70D13}"/>
+                <a16:creationId xmlns:a16="http://schemas.microsoft.com/office/drawing/2014/main" xmlns="" id="{F3B36798-6862-F919-3DD8-8A1938D70D13}"/>
               </a:ext>
             </a:extLst>
           </p:cNvPr>
@@ -7372,7 +7401,7 @@
           <p:cNvPr id="38" name="Oval 37">
             <a:extLst>
               <a:ext uri="{FF2B5EF4-FFF2-40B4-BE49-F238E27FC236}">
-                <a16:creationId xmlns:a16="http://schemas.microsoft.com/office/drawing/2014/main" id="{6375556A-ADC0-F58C-3132-38C37C37F5AA}"/>
+                <a16:creationId xmlns:a16="http://schemas.microsoft.com/office/drawing/2014/main" xmlns="" id="{6375556A-ADC0-F58C-3132-38C37C37F5AA}"/>
               </a:ext>
             </a:extLst>
           </p:cNvPr>
@@ -7442,7 +7471,7 @@
           <p:cNvPr id="39" name="Oval 38">
             <a:extLst>
               <a:ext uri="{FF2B5EF4-FFF2-40B4-BE49-F238E27FC236}">
-                <a16:creationId xmlns:a16="http://schemas.microsoft.com/office/drawing/2014/main" id="{1951183B-AF1A-85AC-9373-3D97F635A0B8}"/>
+                <a16:creationId xmlns:a16="http://schemas.microsoft.com/office/drawing/2014/main" xmlns="" id="{1951183B-AF1A-85AC-9373-3D97F635A0B8}"/>
               </a:ext>
             </a:extLst>
           </p:cNvPr>
@@ -7512,7 +7541,7 @@
           <p:cNvPr id="41" name="Straight Connector 40">
             <a:extLst>
               <a:ext uri="{FF2B5EF4-FFF2-40B4-BE49-F238E27FC236}">
-                <a16:creationId xmlns:a16="http://schemas.microsoft.com/office/drawing/2014/main" id="{68364630-78D6-D477-4754-6F5FD41C2961}"/>
+                <a16:creationId xmlns:a16="http://schemas.microsoft.com/office/drawing/2014/main" xmlns="" id="{68364630-78D6-D477-4754-6F5FD41C2961}"/>
               </a:ext>
             </a:extLst>
           </p:cNvPr>
@@ -7551,7 +7580,7 @@
           <p:cNvPr id="42" name="TextBox 41">
             <a:extLst>
               <a:ext uri="{FF2B5EF4-FFF2-40B4-BE49-F238E27FC236}">
-                <a16:creationId xmlns:a16="http://schemas.microsoft.com/office/drawing/2014/main" id="{7FCE5FB6-3514-269A-143A-67C55B77CF84}"/>
+                <a16:creationId xmlns:a16="http://schemas.microsoft.com/office/drawing/2014/main" xmlns="" id="{7FCE5FB6-3514-269A-143A-67C55B77CF84}"/>
               </a:ext>
             </a:extLst>
           </p:cNvPr>
@@ -7610,7 +7639,7 @@
           <p:cNvPr id="43" name="Rectangle 42">
             <a:extLst>
               <a:ext uri="{FF2B5EF4-FFF2-40B4-BE49-F238E27FC236}">
-                <a16:creationId xmlns:a16="http://schemas.microsoft.com/office/drawing/2014/main" id="{198D00D0-6287-D838-F5B2-A37C2E39FD2F}"/>
+                <a16:creationId xmlns:a16="http://schemas.microsoft.com/office/drawing/2014/main" xmlns="" id="{198D00D0-6287-D838-F5B2-A37C2E39FD2F}"/>
               </a:ext>
             </a:extLst>
           </p:cNvPr>
@@ -7657,7 +7686,7 @@
           <p:cNvPr id="45" name="Straight Arrow Connector 44">
             <a:extLst>
               <a:ext uri="{FF2B5EF4-FFF2-40B4-BE49-F238E27FC236}">
-                <a16:creationId xmlns:a16="http://schemas.microsoft.com/office/drawing/2014/main" id="{F1A535D1-DA43-CF88-6843-BD566A668218}"/>
+                <a16:creationId xmlns:a16="http://schemas.microsoft.com/office/drawing/2014/main" xmlns="" id="{F1A535D1-DA43-CF88-6843-BD566A668218}"/>
               </a:ext>
             </a:extLst>
           </p:cNvPr>
@@ -7700,7 +7729,7 @@
           <p:cNvPr id="46" name="TextBox 45">
             <a:extLst>
               <a:ext uri="{FF2B5EF4-FFF2-40B4-BE49-F238E27FC236}">
-                <a16:creationId xmlns:a16="http://schemas.microsoft.com/office/drawing/2014/main" id="{180A38CA-99F9-E5AD-B696-DE24E1EE3645}"/>
+                <a16:creationId xmlns:a16="http://schemas.microsoft.com/office/drawing/2014/main" xmlns="" id="{180A38CA-99F9-E5AD-B696-DE24E1EE3645}"/>
               </a:ext>
             </a:extLst>
           </p:cNvPr>
@@ -7759,7 +7788,7 @@
           <p:cNvPr id="47" name="Oval 46">
             <a:extLst>
               <a:ext uri="{FF2B5EF4-FFF2-40B4-BE49-F238E27FC236}">
-                <a16:creationId xmlns:a16="http://schemas.microsoft.com/office/drawing/2014/main" id="{10FE609B-8B60-5ECA-AE78-10B11F9371BA}"/>
+                <a16:creationId xmlns:a16="http://schemas.microsoft.com/office/drawing/2014/main" xmlns="" id="{10FE609B-8B60-5ECA-AE78-10B11F9371BA}"/>
               </a:ext>
             </a:extLst>
           </p:cNvPr>
@@ -7829,7 +7858,7 @@
           <p:cNvPr id="50" name="Rectangle 49">
             <a:extLst>
               <a:ext uri="{FF2B5EF4-FFF2-40B4-BE49-F238E27FC236}">
-                <a16:creationId xmlns:a16="http://schemas.microsoft.com/office/drawing/2014/main" id="{5F2976C4-5785-335D-398A-BD7228A0A318}"/>
+                <a16:creationId xmlns:a16="http://schemas.microsoft.com/office/drawing/2014/main" xmlns="" id="{5F2976C4-5785-335D-398A-BD7228A0A318}"/>
               </a:ext>
             </a:extLst>
           </p:cNvPr>
@@ -7899,7 +7928,7 @@
           <p:cNvPr id="52" name="Straight Connector 51">
             <a:extLst>
               <a:ext uri="{FF2B5EF4-FFF2-40B4-BE49-F238E27FC236}">
-                <a16:creationId xmlns:a16="http://schemas.microsoft.com/office/drawing/2014/main" id="{B13E550F-7C3A-5DAC-206E-9C89033A879F}"/>
+                <a16:creationId xmlns:a16="http://schemas.microsoft.com/office/drawing/2014/main" xmlns="" id="{B13E550F-7C3A-5DAC-206E-9C89033A879F}"/>
               </a:ext>
             </a:extLst>
           </p:cNvPr>
@@ -7939,7 +7968,7 @@
           <p:cNvPr id="53" name="TextBox 52">
             <a:extLst>
               <a:ext uri="{FF2B5EF4-FFF2-40B4-BE49-F238E27FC236}">
-                <a16:creationId xmlns:a16="http://schemas.microsoft.com/office/drawing/2014/main" id="{7A24B77B-B27A-C73B-5A2F-E96BB068B8E2}"/>
+                <a16:creationId xmlns:a16="http://schemas.microsoft.com/office/drawing/2014/main" xmlns="" id="{7A24B77B-B27A-C73B-5A2F-E96BB068B8E2}"/>
               </a:ext>
             </a:extLst>
           </p:cNvPr>
@@ -7998,7 +8027,7 @@
           <p:cNvPr id="55" name="Picture 54">
             <a:extLst>
               <a:ext uri="{FF2B5EF4-FFF2-40B4-BE49-F238E27FC236}">
-                <a16:creationId xmlns:a16="http://schemas.microsoft.com/office/drawing/2014/main" id="{BB2F8464-5E7E-E12A-F97C-42824C9235CF}"/>
+                <a16:creationId xmlns:a16="http://schemas.microsoft.com/office/drawing/2014/main" xmlns="" id="{BB2F8464-5E7E-E12A-F97C-42824C9235CF}"/>
               </a:ext>
             </a:extLst>
           </p:cNvPr>
@@ -8011,7 +8040,7 @@
           <a:blip r:embed="rId4">
             <a:extLst>
               <a:ext uri="{837473B0-CC2E-450A-ABE3-18F120FF3D39}">
-                <a1611:picAttrSrcUrl xmlns:a1611="http://schemas.microsoft.com/office/drawing/2016/11/main" r:id="rId5"/>
+                <a1611:picAttrSrcUrl xmlns:a1611="http://schemas.microsoft.com/office/drawing/2016/11/main" xmlns="" r:id="rId5"/>
               </a:ext>
             </a:extLst>
           </a:blip>
@@ -8052,7 +8081,7 @@
           <p:cNvPr id="57" name="TextBox 56">
             <a:extLst>
               <a:ext uri="{FF2B5EF4-FFF2-40B4-BE49-F238E27FC236}">
-                <a16:creationId xmlns:a16="http://schemas.microsoft.com/office/drawing/2014/main" id="{C124F415-08AB-DD05-39CC-AFBD16B2EC65}"/>
+                <a16:creationId xmlns:a16="http://schemas.microsoft.com/office/drawing/2014/main" xmlns="" id="{C124F415-08AB-DD05-39CC-AFBD16B2EC65}"/>
               </a:ext>
             </a:extLst>
           </p:cNvPr>
@@ -8111,7 +8140,7 @@
           <p:cNvPr id="59" name="Straight Arrow Connector 58">
             <a:extLst>
               <a:ext uri="{FF2B5EF4-FFF2-40B4-BE49-F238E27FC236}">
-                <a16:creationId xmlns:a16="http://schemas.microsoft.com/office/drawing/2014/main" id="{A837EB34-6CEB-E331-6B15-478483332460}"/>
+                <a16:creationId xmlns:a16="http://schemas.microsoft.com/office/drawing/2014/main" xmlns="" id="{A837EB34-6CEB-E331-6B15-478483332460}"/>
               </a:ext>
             </a:extLst>
           </p:cNvPr>
@@ -8154,6 +8183,13 @@
   <p:clrMapOvr>
     <a:masterClrMapping/>
   </p:clrMapOvr>
+  <p:timing>
+    <p:tnLst>
+      <p:par>
+        <p:cTn id="1" dur="indefinite" restart="never" nodeType="tmRoot"/>
+      </p:par>
+    </p:tnLst>
+  </p:timing>
 </p:sld>
 </file>
 
@@ -8179,7 +8215,7 @@
           <p:cNvPr id="10" name="Rectangle 9">
             <a:extLst>
               <a:ext uri="{FF2B5EF4-FFF2-40B4-BE49-F238E27FC236}">
-                <a16:creationId xmlns:a16="http://schemas.microsoft.com/office/drawing/2014/main" id="{AD4F69D3-EEB0-4C4C-9434-B9960FB5854C}"/>
+                <a16:creationId xmlns:a16="http://schemas.microsoft.com/office/drawing/2014/main" xmlns="" id="{AD4F69D3-EEB0-4C4C-9434-B9960FB5854C}"/>
               </a:ext>
             </a:extLst>
           </p:cNvPr>
@@ -8281,7 +8317,7 @@
         <p:spPr bwMode="auto">
           <a:xfrm>
             <a:off x="525788" y="3786454"/>
-            <a:ext cx="5781040" cy="2585323"/>
+            <a:ext cx="5781040" cy="2508379"/>
           </a:xfrm>
           <a:prstGeom prst="rect">
             <a:avLst/>
@@ -8301,11 +8337,14 @@
           <a:lstStyle/>
           <a:p>
             <a:pPr marL="342900" indent="-342900" algn="just">
+              <a:spcBef>
+                <a:spcPts val="600"/>
+              </a:spcBef>
               <a:buFont typeface="Wingdings" panose="05000000000000000000" pitchFamily="2" charset="2"/>
               <a:buChar char="q"/>
             </a:pPr>
             <a:r>
-              <a:rPr lang="en-US" dirty="0">
+              <a:rPr lang="en-US" sz="1600" dirty="0">
                 <a:latin typeface="Times New Roman" panose="02020603050405020304" pitchFamily="18" charset="0"/>
                 <a:cs typeface="Times New Roman" panose="02020603050405020304" pitchFamily="18" charset="0"/>
               </a:rPr>
@@ -8314,11 +8353,14 @@
           </a:p>
           <a:p>
             <a:pPr marL="342900" indent="-342900" algn="just">
+              <a:spcBef>
+                <a:spcPts val="600"/>
+              </a:spcBef>
               <a:buFont typeface="Wingdings" panose="05000000000000000000" pitchFamily="2" charset="2"/>
               <a:buChar char="q"/>
             </a:pPr>
             <a:r>
-              <a:rPr lang="en-US" dirty="0">
+              <a:rPr lang="en-US" sz="1600" dirty="0">
                 <a:latin typeface="Times New Roman" panose="02020603050405020304" pitchFamily="18" charset="0"/>
                 <a:cs typeface="Times New Roman" panose="02020603050405020304" pitchFamily="18" charset="0"/>
               </a:rPr>
@@ -8327,25 +8369,28 @@
           </a:p>
           <a:p>
             <a:pPr marL="800100" lvl="1" indent="-342900" algn="just">
+              <a:spcBef>
+                <a:spcPts val="600"/>
+              </a:spcBef>
               <a:buFont typeface="Courier New" panose="02070309020205020404" pitchFamily="49" charset="0"/>
               <a:buChar char="o"/>
             </a:pPr>
             <a:r>
-              <a:rPr lang="en-US" dirty="0">
+              <a:rPr lang="en-US" sz="1600" dirty="0">
                 <a:latin typeface="Times New Roman" panose="02020603050405020304" pitchFamily="18" charset="0"/>
                 <a:cs typeface="Times New Roman" panose="02020603050405020304" pitchFamily="18" charset="0"/>
               </a:rPr>
               <a:t>1D-CNN — input 18 channels → Conv(32, kernel=3) → Conv(64) → Dense(64) → </a:t>
             </a:r>
             <a:r>
-              <a:rPr lang="en-US" dirty="0" err="1">
+              <a:rPr lang="en-US" sz="1600" dirty="0" err="1">
                 <a:latin typeface="Times New Roman" panose="02020603050405020304" pitchFamily="18" charset="0"/>
                 <a:cs typeface="Times New Roman" panose="02020603050405020304" pitchFamily="18" charset="0"/>
               </a:rPr>
               <a:t>Softmax</a:t>
             </a:r>
             <a:r>
-              <a:rPr lang="en-US" dirty="0">
+              <a:rPr lang="en-US" sz="1600" dirty="0">
                 <a:latin typeface="Times New Roman" panose="02020603050405020304" pitchFamily="18" charset="0"/>
                 <a:cs typeface="Times New Roman" panose="02020603050405020304" pitchFamily="18" charset="0"/>
               </a:rPr>
@@ -8354,25 +8399,30 @@
           </a:p>
           <a:p>
             <a:pPr marL="800100" lvl="1" indent="-342900" algn="just">
+              <a:spcBef>
+                <a:spcPts val="600"/>
+              </a:spcBef>
               <a:buFont typeface="Courier New" panose="02070309020205020404" pitchFamily="49" charset="0"/>
               <a:buChar char="o"/>
             </a:pPr>
             <a:r>
-              <a:rPr lang="en-US" dirty="0"/>
+              <a:rPr lang="en-US" sz="1600" dirty="0">
+                <a:latin typeface="Times New Roman" panose="02020603050405020304" pitchFamily="18" charset="0"/>
+                <a:cs typeface="Times New Roman" panose="02020603050405020304" pitchFamily="18" charset="0"/>
+              </a:rPr>
               <a:t>Tiny CNN on cropped particle images (quantized to int8).</a:t>
             </a:r>
-            <a:endParaRPr lang="en-US" dirty="0">
-              <a:latin typeface="Times New Roman" panose="02020603050405020304" pitchFamily="18" charset="0"/>
-              <a:cs typeface="Times New Roman" panose="02020603050405020304" pitchFamily="18" charset="0"/>
-            </a:endParaRPr>
           </a:p>
           <a:p>
             <a:pPr marL="342900" indent="-342900" algn="just">
+              <a:spcBef>
+                <a:spcPts val="600"/>
+              </a:spcBef>
               <a:buFont typeface="Wingdings" panose="05000000000000000000" pitchFamily="2" charset="2"/>
               <a:buChar char="q"/>
             </a:pPr>
             <a:r>
-              <a:rPr lang="en-US" dirty="0">
+              <a:rPr lang="en-US" sz="1600" dirty="0">
                 <a:latin typeface="Times New Roman" panose="02020603050405020304" pitchFamily="18" charset="0"/>
                 <a:cs typeface="Times New Roman" panose="02020603050405020304" pitchFamily="18" charset="0"/>
               </a:rPr>
@@ -8381,11 +8431,14 @@
           </a:p>
           <a:p>
             <a:pPr marL="342900" indent="-342900" algn="just">
+              <a:spcBef>
+                <a:spcPts val="600"/>
+              </a:spcBef>
               <a:buFont typeface="Wingdings" panose="05000000000000000000" pitchFamily="2" charset="2"/>
               <a:buChar char="q"/>
             </a:pPr>
             <a:r>
-              <a:rPr lang="en-US" dirty="0">
+              <a:rPr lang="en-US" sz="1600" dirty="0">
                 <a:latin typeface="Times New Roman" panose="02020603050405020304" pitchFamily="18" charset="0"/>
                 <a:cs typeface="Times New Roman" panose="02020603050405020304" pitchFamily="18" charset="0"/>
               </a:rPr>
@@ -8462,57 +8515,6 @@
                 <a:schemeClr val="bg1"/>
               </a:solidFill>
             </a:endParaRPr>
-          </a:p>
-        </p:txBody>
-      </p:sp>
-      <p:sp>
-        <p:nvSpPr>
-          <p:cNvPr id="11" name="Oval 10" descr="Your startup LOGO">
-            <a:extLst>
-              <a:ext uri="{FF2B5EF4-FFF2-40B4-BE49-F238E27FC236}">
-                <a16:creationId xmlns:a16="http://schemas.microsoft.com/office/drawing/2014/main" id="{5DBCE864-823D-4A13-9607-5DA1F0ED5FB8}"/>
-              </a:ext>
-              <a:ext uri="{C183D7F6-B498-43B3-948B-1728B52AA6E4}">
-                <adec:decorative xmlns:adec="http://schemas.microsoft.com/office/drawing/2017/decorative" val="0"/>
-              </a:ext>
-            </a:extLst>
-          </p:cNvPr>
-          <p:cNvSpPr/>
-          <p:nvPr/>
-        </p:nvSpPr>
-        <p:spPr>
-          <a:xfrm>
-            <a:off x="329773" y="252246"/>
-            <a:ext cx="1251857" cy="807334"/>
-          </a:xfrm>
-          <a:prstGeom prst="ellipse">
-            <a:avLst/>
-          </a:prstGeom>
-        </p:spPr>
-        <p:style>
-          <a:lnRef idx="2">
-            <a:schemeClr val="accent4"/>
-          </a:lnRef>
-          <a:fillRef idx="1">
-            <a:schemeClr val="lt1"/>
-          </a:fillRef>
-          <a:effectRef idx="0">
-            <a:schemeClr val="accent4"/>
-          </a:effectRef>
-          <a:fontRef idx="minor">
-            <a:schemeClr val="dk1"/>
-          </a:fontRef>
-        </p:style>
-        <p:txBody>
-          <a:bodyPr rtlCol="0" anchor="ctr"/>
-          <a:lstStyle/>
-          <a:p>
-            <a:pPr algn="ctr"/>
-            <a:r>
-              <a:rPr lang="en-US" dirty="0"/>
-              <a:t>Your Team Name</a:t>
-            </a:r>
-            <a:endParaRPr lang="en-IN" dirty="0"/>
           </a:p>
         </p:txBody>
       </p:sp>
@@ -8562,7 +8564,7 @@
           <p:cNvPr id="3" name="Picture 2">
             <a:extLst>
               <a:ext uri="{FF2B5EF4-FFF2-40B4-BE49-F238E27FC236}">
-                <a16:creationId xmlns:a16="http://schemas.microsoft.com/office/drawing/2014/main" id="{193FBBB9-7F0A-B599-C575-43703B91FBFA}"/>
+                <a16:creationId xmlns:a16="http://schemas.microsoft.com/office/drawing/2014/main" xmlns="" id="{193FBBB9-7F0A-B599-C575-43703B91FBFA}"/>
               </a:ext>
             </a:extLst>
           </p:cNvPr>
@@ -8592,7 +8594,7 @@
           <p:cNvPr id="2" name="TextBox 1">
             <a:extLst>
               <a:ext uri="{FF2B5EF4-FFF2-40B4-BE49-F238E27FC236}">
-                <a16:creationId xmlns:a16="http://schemas.microsoft.com/office/drawing/2014/main" id="{2E52B151-038D-72D5-B504-1383A2D1DBA2}"/>
+                <a16:creationId xmlns:a16="http://schemas.microsoft.com/office/drawing/2014/main" xmlns="" id="{2E52B151-038D-72D5-B504-1383A2D1DBA2}"/>
               </a:ext>
             </a:extLst>
           </p:cNvPr>
@@ -8602,7 +8604,7 @@
         <p:spPr>
           <a:xfrm>
             <a:off x="527304" y="1115587"/>
-            <a:ext cx="4240925" cy="461665"/>
+            <a:ext cx="4240925" cy="400110"/>
           </a:xfrm>
           <a:prstGeom prst="rect">
             <a:avLst/>
@@ -8616,10 +8618,16 @@
           <a:lstStyle/>
           <a:p>
             <a:r>
-              <a:rPr lang="en-US" sz="2400" b="1" dirty="0"/>
+              <a:rPr lang="en-US" sz="2000" b="1" dirty="0">
+                <a:latin typeface="Times New Roman" panose="02020603050405020304" pitchFamily="18" charset="0"/>
+                <a:cs typeface="Times New Roman" panose="02020603050405020304" pitchFamily="18" charset="0"/>
+              </a:rPr>
               <a:t>HARDWARE &amp; OPTICS</a:t>
             </a:r>
-            <a:endParaRPr lang="en-IN" sz="2400" b="1" dirty="0"/>
+            <a:endParaRPr lang="en-IN" sz="2000" b="1" dirty="0">
+              <a:latin typeface="Times New Roman" panose="02020603050405020304" pitchFamily="18" charset="0"/>
+              <a:cs typeface="Times New Roman" panose="02020603050405020304" pitchFamily="18" charset="0"/>
+            </a:endParaRPr>
           </a:p>
         </p:txBody>
       </p:sp>
@@ -8628,7 +8636,7 @@
           <p:cNvPr id="4" name="TextBox 3">
             <a:extLst>
               <a:ext uri="{FF2B5EF4-FFF2-40B4-BE49-F238E27FC236}">
-                <a16:creationId xmlns:a16="http://schemas.microsoft.com/office/drawing/2014/main" id="{918F6741-3352-A9F7-8EA3-9BD123C14E6A}"/>
+                <a16:creationId xmlns:a16="http://schemas.microsoft.com/office/drawing/2014/main" xmlns="" id="{918F6741-3352-A9F7-8EA3-9BD123C14E6A}"/>
               </a:ext>
             </a:extLst>
           </p:cNvPr>
@@ -8638,7 +8646,7 @@
         <p:spPr>
           <a:xfrm>
             <a:off x="526352" y="1451124"/>
-            <a:ext cx="6284345" cy="2031325"/>
+            <a:ext cx="6284345" cy="2108269"/>
           </a:xfrm>
           <a:prstGeom prst="rect">
             <a:avLst/>
@@ -8652,51 +8660,93 @@
           <a:lstStyle/>
           <a:p>
             <a:pPr marL="285750" indent="-285750">
+              <a:spcBef>
+                <a:spcPts val="600"/>
+              </a:spcBef>
+              <a:spcAft>
+                <a:spcPts val="600"/>
+              </a:spcAft>
               <a:buFont typeface="Arial" panose="020B0604020202020204" pitchFamily="34" charset="0"/>
               <a:buChar char="•"/>
             </a:pPr>
             <a:r>
-              <a:rPr lang="en-IN" i="1" dirty="0"/>
+              <a:rPr lang="en-IN" sz="1600" i="1" dirty="0">
+                <a:latin typeface="Times New Roman" panose="02020603050405020304" pitchFamily="18" charset="0"/>
+                <a:cs typeface="Times New Roman" panose="02020603050405020304" pitchFamily="18" charset="0"/>
+              </a:rPr>
               <a:t>Optical layout:</a:t>
             </a:r>
             <a:r>
-              <a:rPr lang="en-IN" dirty="0"/>
+              <a:rPr lang="en-IN" sz="1600" dirty="0">
+                <a:latin typeface="Times New Roman" panose="02020603050405020304" pitchFamily="18" charset="0"/>
+                <a:cs typeface="Times New Roman" panose="02020603050405020304" pitchFamily="18" charset="0"/>
+              </a:rPr>
               <a:t> Dark chamber, 3–5 mm flow cuvette or membrane holder, UV/blue LED (365–405 nm).</a:t>
             </a:r>
           </a:p>
           <a:p>
             <a:pPr marL="285750" indent="-285750">
+              <a:spcBef>
+                <a:spcPts val="600"/>
+              </a:spcBef>
+              <a:spcAft>
+                <a:spcPts val="0"/>
+              </a:spcAft>
               <a:buFont typeface="Arial" panose="020B0604020202020204" pitchFamily="34" charset="0"/>
               <a:buChar char="•"/>
             </a:pPr>
             <a:r>
-              <a:rPr lang="en-IN" i="1" dirty="0"/>
+              <a:rPr lang="en-IN" sz="1600" i="1" dirty="0">
+                <a:latin typeface="Times New Roman" panose="02020603050405020304" pitchFamily="18" charset="0"/>
+                <a:cs typeface="Times New Roman" panose="02020603050405020304" pitchFamily="18" charset="0"/>
+              </a:rPr>
               <a:t>Sensors:</a:t>
             </a:r>
             <a:r>
-              <a:rPr lang="en-IN" dirty="0"/>
+              <a:rPr lang="en-IN" sz="1600" dirty="0">
+                <a:latin typeface="Times New Roman" panose="02020603050405020304" pitchFamily="18" charset="0"/>
+                <a:cs typeface="Times New Roman" panose="02020603050405020304" pitchFamily="18" charset="0"/>
+              </a:rPr>
               <a:t> AS7265x multispectral (18 bands 410–940 nm) for spectral signature; ESP32-S3 camera (5 MP) with optional 10× objective for ≤50 µm resolution.</a:t>
             </a:r>
           </a:p>
           <a:p>
             <a:pPr marL="285750" indent="-285750">
+              <a:spcBef>
+                <a:spcPts val="600"/>
+              </a:spcBef>
+              <a:spcAft>
+                <a:spcPts val="600"/>
+              </a:spcAft>
               <a:buFont typeface="Arial" panose="020B0604020202020204" pitchFamily="34" charset="0"/>
               <a:buChar char="•"/>
             </a:pPr>
             <a:r>
-              <a:rPr lang="en-IN" i="1" dirty="0"/>
+              <a:rPr lang="en-IN" sz="1600" i="1" dirty="0">
+                <a:latin typeface="Times New Roman" panose="02020603050405020304" pitchFamily="18" charset="0"/>
+                <a:cs typeface="Times New Roman" panose="02020603050405020304" pitchFamily="18" charset="0"/>
+              </a:rPr>
               <a:t>Electronics:</a:t>
             </a:r>
             <a:r>
-              <a:rPr lang="en-IN" dirty="0"/>
+              <a:rPr lang="en-IN" sz="1600" dirty="0">
+                <a:latin typeface="Times New Roman" panose="02020603050405020304" pitchFamily="18" charset="0"/>
+                <a:cs typeface="Times New Roman" panose="02020603050405020304" pitchFamily="18" charset="0"/>
+              </a:rPr>
               <a:t> ESP32-S3 </a:t>
             </a:r>
             <a:r>
-              <a:rPr lang="en-IN" dirty="0" err="1"/>
+              <a:rPr lang="en-IN" sz="1600" dirty="0" err="1">
+                <a:latin typeface="Times New Roman" panose="02020603050405020304" pitchFamily="18" charset="0"/>
+                <a:cs typeface="Times New Roman" panose="02020603050405020304" pitchFamily="18" charset="0"/>
+              </a:rPr>
               <a:t>devboard</a:t>
             </a:r>
             <a:r>
-              <a:rPr lang="en-IN" dirty="0"/>
+              <a:rPr lang="en-IN" sz="1600" dirty="0">
+                <a:latin typeface="Times New Roman" panose="02020603050405020304" pitchFamily="18" charset="0"/>
+                <a:cs typeface="Times New Roman" panose="02020603050405020304" pitchFamily="18" charset="0"/>
+              </a:rPr>
               <a:t>, LED driver (PWM), I²C for AS7265x, 12V Li-ion battery + buck regulator (5V/3.3V rails).</a:t>
             </a:r>
           </a:p>
@@ -8707,7 +8757,7 @@
           <p:cNvPr id="5" name="TextBox 4">
             <a:extLst>
               <a:ext uri="{FF2B5EF4-FFF2-40B4-BE49-F238E27FC236}">
-                <a16:creationId xmlns:a16="http://schemas.microsoft.com/office/drawing/2014/main" id="{46A69318-4375-A9FC-F759-4F768DBF9B3A}"/>
+                <a16:creationId xmlns:a16="http://schemas.microsoft.com/office/drawing/2014/main" xmlns="" id="{46A69318-4375-A9FC-F759-4F768DBF9B3A}"/>
               </a:ext>
             </a:extLst>
           </p:cNvPr>
@@ -8716,8 +8766,8 @@
         </p:nvSpPr>
         <p:spPr>
           <a:xfrm>
-            <a:off x="668247" y="3429000"/>
-            <a:ext cx="2721338" cy="461665"/>
+            <a:off x="556353" y="3429000"/>
+            <a:ext cx="2721338" cy="400110"/>
           </a:xfrm>
           <a:prstGeom prst="rect">
             <a:avLst/>
@@ -8731,10 +8781,16 @@
           <a:lstStyle/>
           <a:p>
             <a:r>
-              <a:rPr lang="en-US" sz="2400" b="1" dirty="0"/>
+              <a:rPr lang="en-US" sz="2000" b="1" dirty="0">
+                <a:latin typeface="Times New Roman" panose="02020603050405020304" pitchFamily="18" charset="0"/>
+                <a:cs typeface="Times New Roman" panose="02020603050405020304" pitchFamily="18" charset="0"/>
+              </a:rPr>
               <a:t>SOFTWARE &amp; ML</a:t>
             </a:r>
-            <a:endParaRPr lang="en-IN" sz="2400" b="1" dirty="0"/>
+            <a:endParaRPr lang="en-IN" sz="2000" b="1" dirty="0">
+              <a:latin typeface="Times New Roman" panose="02020603050405020304" pitchFamily="18" charset="0"/>
+              <a:cs typeface="Times New Roman" panose="02020603050405020304" pitchFamily="18" charset="0"/>
+            </a:endParaRPr>
           </a:p>
         </p:txBody>
       </p:sp>
@@ -8743,7 +8799,7 @@
           <p:cNvPr id="8" name="Picture 7">
             <a:extLst>
               <a:ext uri="{FF2B5EF4-FFF2-40B4-BE49-F238E27FC236}">
-                <a16:creationId xmlns:a16="http://schemas.microsoft.com/office/drawing/2014/main" id="{E4B88CDA-DD2F-3445-3583-D8A8E81E3D46}"/>
+                <a16:creationId xmlns:a16="http://schemas.microsoft.com/office/drawing/2014/main" xmlns="" id="{E4B88CDA-DD2F-3445-3583-D8A8E81E3D46}"/>
               </a:ext>
             </a:extLst>
           </p:cNvPr>
@@ -8756,7 +8812,7 @@
           <a:blip r:embed="rId5">
             <a:extLst>
               <a:ext uri="{837473B0-CC2E-450A-ABE3-18F120FF3D39}">
-                <a1611:picAttrSrcUrl xmlns:a1611="http://schemas.microsoft.com/office/drawing/2016/11/main" r:id="rId6"/>
+                <a1611:picAttrSrcUrl xmlns:a1611="http://schemas.microsoft.com/office/drawing/2016/11/main" xmlns="" r:id="rId6"/>
               </a:ext>
             </a:extLst>
           </a:blip>
@@ -8779,7 +8835,7 @@
           <p:cNvPr id="13" name="Picture 12">
             <a:extLst>
               <a:ext uri="{FF2B5EF4-FFF2-40B4-BE49-F238E27FC236}">
-                <a16:creationId xmlns:a16="http://schemas.microsoft.com/office/drawing/2014/main" id="{F24889AA-97A4-C20C-5DDA-2F41D6082DC5}"/>
+                <a16:creationId xmlns:a16="http://schemas.microsoft.com/office/drawing/2014/main" xmlns="" id="{F24889AA-97A4-C20C-5DDA-2F41D6082DC5}"/>
               </a:ext>
             </a:extLst>
           </p:cNvPr>
@@ -8792,7 +8848,7 @@
           <a:blip r:embed="rId7">
             <a:extLst>
               <a:ext uri="{837473B0-CC2E-450A-ABE3-18F120FF3D39}">
-                <a1611:picAttrSrcUrl xmlns:a1611="http://schemas.microsoft.com/office/drawing/2016/11/main" r:id="rId8"/>
+                <a1611:picAttrSrcUrl xmlns:a1611="http://schemas.microsoft.com/office/drawing/2016/11/main" xmlns="" r:id="rId8"/>
               </a:ext>
             </a:extLst>
           </a:blip>
@@ -8810,11 +8866,69 @@
           </a:prstGeom>
         </p:spPr>
       </p:pic>
+      <p:sp>
+        <p:nvSpPr>
+          <p:cNvPr id="15" name="Oval 14" descr="Your startup LOGO">
+            <a:extLst>
+              <a:ext uri="{FF2B5EF4-FFF2-40B4-BE49-F238E27FC236}">
+                <a16:creationId xmlns:a16="http://schemas.microsoft.com/office/drawing/2014/main" xmlns="" id="{5DBCE864-823D-4A13-9607-5DA1F0ED5FB8}"/>
+              </a:ext>
+              <a:ext uri="{C183D7F6-B498-43B3-948B-1728B52AA6E4}">
+                <adec:decorative xmlns:adec="http://schemas.microsoft.com/office/drawing/2017/decorative" xmlns="" val="0"/>
+              </a:ext>
+            </a:extLst>
+          </p:cNvPr>
+          <p:cNvSpPr/>
+          <p:nvPr/>
+        </p:nvSpPr>
+        <p:spPr>
+          <a:xfrm>
+            <a:off x="329773" y="252246"/>
+            <a:ext cx="1251857" cy="807334"/>
+          </a:xfrm>
+          <a:prstGeom prst="ellipse">
+            <a:avLst/>
+          </a:prstGeom>
+        </p:spPr>
+        <p:style>
+          <a:lnRef idx="2">
+            <a:schemeClr val="accent4"/>
+          </a:lnRef>
+          <a:fillRef idx="1">
+            <a:schemeClr val="lt1"/>
+          </a:fillRef>
+          <a:effectRef idx="0">
+            <a:schemeClr val="accent4"/>
+          </a:effectRef>
+          <a:fontRef idx="minor">
+            <a:schemeClr val="dk1"/>
+          </a:fontRef>
+        </p:style>
+        <p:txBody>
+          <a:bodyPr rtlCol="0" anchor="ctr"/>
+          <a:lstStyle/>
+          <a:p>
+            <a:pPr algn="ctr"/>
+            <a:r>
+              <a:rPr lang="en-US" dirty="0" smtClean="0"/>
+              <a:t>Innov8</a:t>
+            </a:r>
+            <a:endParaRPr lang="en-IN" dirty="0"/>
+          </a:p>
+        </p:txBody>
+      </p:sp>
     </p:spTree>
   </p:cSld>
   <p:clrMapOvr>
     <a:masterClrMapping/>
   </p:clrMapOvr>
+  <p:timing>
+    <p:tnLst>
+      <p:par>
+        <p:cTn id="1" dur="indefinite" restart="never" nodeType="tmRoot"/>
+      </p:par>
+    </p:tnLst>
+  </p:timing>
 </p:sld>
 </file>
 
@@ -8840,7 +8954,7 @@
           <p:cNvPr id="10" name="Rectangle 9">
             <a:extLst>
               <a:ext uri="{FF2B5EF4-FFF2-40B4-BE49-F238E27FC236}">
-                <a16:creationId xmlns:a16="http://schemas.microsoft.com/office/drawing/2014/main" id="{AD4F69D3-EEB0-4C4C-9434-B9960FB5854C}"/>
+                <a16:creationId xmlns:a16="http://schemas.microsoft.com/office/drawing/2014/main" xmlns="" id="{AD4F69D3-EEB0-4C4C-9434-B9960FB5854C}"/>
               </a:ext>
             </a:extLst>
           </p:cNvPr>
@@ -9007,10 +9121,10 @@
           <p:cNvPr id="11" name="Oval 10" descr="Your startup LOGO">
             <a:extLst>
               <a:ext uri="{FF2B5EF4-FFF2-40B4-BE49-F238E27FC236}">
-                <a16:creationId xmlns:a16="http://schemas.microsoft.com/office/drawing/2014/main" id="{5DBCE864-823D-4A13-9607-5DA1F0ED5FB8}"/>
+                <a16:creationId xmlns:a16="http://schemas.microsoft.com/office/drawing/2014/main" xmlns="" id="{5DBCE864-823D-4A13-9607-5DA1F0ED5FB8}"/>
               </a:ext>
               <a:ext uri="{C183D7F6-B498-43B3-948B-1728B52AA6E4}">
-                <adec:decorative xmlns:adec="http://schemas.microsoft.com/office/drawing/2017/decorative" val="0"/>
+                <adec:decorative xmlns:adec="http://schemas.microsoft.com/office/drawing/2017/decorative" xmlns="" val="0"/>
               </a:ext>
             </a:extLst>
           </p:cNvPr>
@@ -9046,8 +9160,8 @@
           <a:p>
             <a:pPr algn="ctr"/>
             <a:r>
-              <a:rPr lang="en-US" dirty="0"/>
-              <a:t>Your Team Name</a:t>
+              <a:rPr lang="en-US" dirty="0" smtClean="0"/>
+              <a:t>Innov8</a:t>
             </a:r>
             <a:endParaRPr lang="en-IN" dirty="0"/>
           </a:p>
@@ -9225,7 +9339,7 @@
           <p:cNvPr id="8" name="Picture 7">
             <a:extLst>
               <a:ext uri="{FF2B5EF4-FFF2-40B4-BE49-F238E27FC236}">
-                <a16:creationId xmlns:a16="http://schemas.microsoft.com/office/drawing/2014/main" id="{5A8A4155-93CA-C3AB-E024-E9C977C1F03A}"/>
+                <a16:creationId xmlns:a16="http://schemas.microsoft.com/office/drawing/2014/main" xmlns="" id="{5A8A4155-93CA-C3AB-E024-E9C977C1F03A}"/>
               </a:ext>
             </a:extLst>
           </p:cNvPr>
@@ -9238,7 +9352,7 @@
           <a:blip r:embed="rId6">
             <a:extLst>
               <a:ext uri="{837473B0-CC2E-450A-ABE3-18F120FF3D39}">
-                <a1611:picAttrSrcUrl xmlns:a1611="http://schemas.microsoft.com/office/drawing/2016/11/main" r:id="rId7"/>
+                <a1611:picAttrSrcUrl xmlns:a1611="http://schemas.microsoft.com/office/drawing/2016/11/main" xmlns="" r:id="rId7"/>
               </a:ext>
             </a:extLst>
           </a:blip>
@@ -9261,7 +9375,7 @@
           <p:cNvPr id="13" name="Picture 12">
             <a:extLst>
               <a:ext uri="{FF2B5EF4-FFF2-40B4-BE49-F238E27FC236}">
-                <a16:creationId xmlns:a16="http://schemas.microsoft.com/office/drawing/2014/main" id="{47E0BF17-4CAA-7328-7581-7EAFC44BE056}"/>
+                <a16:creationId xmlns:a16="http://schemas.microsoft.com/office/drawing/2014/main" xmlns="" id="{47E0BF17-4CAA-7328-7581-7EAFC44BE056}"/>
               </a:ext>
             </a:extLst>
           </p:cNvPr>
@@ -9279,11 +9393,75 @@
         <p:spPr>
           <a:xfrm>
             <a:off x="94594" y="1443742"/>
-            <a:ext cx="4304982" cy="2582989"/>
+            <a:ext cx="3733922" cy="2582989"/>
           </a:xfrm>
           <a:prstGeom prst="rect">
             <a:avLst/>
           </a:prstGeom>
+        </p:spPr>
+      </p:pic>
+      <p:pic>
+        <p:nvPicPr>
+          <p:cNvPr id="1026" name="Picture 2"/>
+          <p:cNvPicPr>
+            <a:picLocks noChangeAspect="1" noChangeArrowheads="1"/>
+          </p:cNvPicPr>
+          <p:nvPr/>
+        </p:nvPicPr>
+        <p:blipFill>
+          <a:blip r:embed="rId9">
+            <a:extLst>
+              <a:ext uri="{28A0092B-C50C-407E-A947-70E740481C1C}">
+                <a14:useLocalDpi xmlns:a14="http://schemas.microsoft.com/office/drawing/2010/main" val="0"/>
+              </a:ext>
+            </a:extLst>
+          </a:blip>
+          <a:srcRect/>
+          <a:stretch>
+            <a:fillRect/>
+          </a:stretch>
+        </p:blipFill>
+        <p:spPr bwMode="auto">
+          <a:xfrm>
+            <a:off x="4157176" y="1306261"/>
+            <a:ext cx="4249705" cy="2640587"/>
+          </a:xfrm>
+          <a:prstGeom prst="rect">
+            <a:avLst/>
+          </a:prstGeom>
+          <a:noFill/>
+          <a:ln>
+            <a:noFill/>
+          </a:ln>
+          <a:effectLst/>
+          <a:extLst>
+            <a:ext uri="{909E8E84-426E-40DD-AFC4-6F175D3DCCD1}">
+              <a14:hiddenFill xmlns:a14="http://schemas.microsoft.com/office/drawing/2010/main">
+                <a:solidFill>
+                  <a:schemeClr val="accent1"/>
+                </a:solidFill>
+              </a14:hiddenFill>
+            </a:ext>
+            <a:ext uri="{91240B29-F687-4F45-9708-019B960494DF}">
+              <a14:hiddenLine xmlns:a14="http://schemas.microsoft.com/office/drawing/2010/main" w="9525">
+                <a:solidFill>
+                  <a:schemeClr val="tx1"/>
+                </a:solidFill>
+                <a:miter lim="800000"/>
+                <a:headEnd/>
+                <a:tailEnd/>
+              </a14:hiddenLine>
+            </a:ext>
+            <a:ext uri="{AF507438-7753-43E0-B8FC-AC1667EBCBE1}">
+              <a14:hiddenEffects xmlns:a14="http://schemas.microsoft.com/office/drawing/2010/main">
+                <a:effectLst>
+                  <a:outerShdw dist="35921" dir="2700000" algn="ctr" rotWithShape="0">
+                    <a:schemeClr val="bg2"/>
+                  </a:outerShdw>
+                </a:effectLst>
+              </a14:hiddenEffects>
+            </a:ext>
+          </a:extLst>
         </p:spPr>
       </p:pic>
     </p:spTree>
@@ -9296,6 +9474,13 @@
   <p:clrMapOvr>
     <a:masterClrMapping/>
   </p:clrMapOvr>
+  <p:timing>
+    <p:tnLst>
+      <p:par>
+        <p:cTn id="1" dur="indefinite" restart="never" nodeType="tmRoot"/>
+      </p:par>
+    </p:tnLst>
+  </p:timing>
 </p:sld>
 </file>
 
@@ -9321,7 +9506,7 @@
           <p:cNvPr id="10" name="Rectangle 9">
             <a:extLst>
               <a:ext uri="{FF2B5EF4-FFF2-40B4-BE49-F238E27FC236}">
-                <a16:creationId xmlns:a16="http://schemas.microsoft.com/office/drawing/2014/main" id="{AD4F69D3-EEB0-4C4C-9434-B9960FB5854C}"/>
+                <a16:creationId xmlns:a16="http://schemas.microsoft.com/office/drawing/2014/main" xmlns="" id="{AD4F69D3-EEB0-4C4C-9434-B9960FB5854C}"/>
               </a:ext>
             </a:extLst>
           </p:cNvPr>
@@ -9673,57 +9858,6 @@
           </a:p>
         </p:txBody>
       </p:sp>
-      <p:sp>
-        <p:nvSpPr>
-          <p:cNvPr id="12" name="Oval 11" descr="Your startup LOGO">
-            <a:extLst>
-              <a:ext uri="{FF2B5EF4-FFF2-40B4-BE49-F238E27FC236}">
-                <a16:creationId xmlns:a16="http://schemas.microsoft.com/office/drawing/2014/main" id="{5DBCE864-823D-4A13-9607-5DA1F0ED5FB8}"/>
-              </a:ext>
-              <a:ext uri="{C183D7F6-B498-43B3-948B-1728B52AA6E4}">
-                <adec:decorative xmlns:adec="http://schemas.microsoft.com/office/drawing/2017/decorative" val="0"/>
-              </a:ext>
-            </a:extLst>
-          </p:cNvPr>
-          <p:cNvSpPr/>
-          <p:nvPr/>
-        </p:nvSpPr>
-        <p:spPr>
-          <a:xfrm>
-            <a:off x="329773" y="252246"/>
-            <a:ext cx="1251857" cy="807334"/>
-          </a:xfrm>
-          <a:prstGeom prst="ellipse">
-            <a:avLst/>
-          </a:prstGeom>
-        </p:spPr>
-        <p:style>
-          <a:lnRef idx="2">
-            <a:schemeClr val="accent4"/>
-          </a:lnRef>
-          <a:fillRef idx="1">
-            <a:schemeClr val="lt1"/>
-          </a:fillRef>
-          <a:effectRef idx="0">
-            <a:schemeClr val="accent4"/>
-          </a:effectRef>
-          <a:fontRef idx="minor">
-            <a:schemeClr val="dk1"/>
-          </a:fontRef>
-        </p:style>
-        <p:txBody>
-          <a:bodyPr rtlCol="0" anchor="ctr"/>
-          <a:lstStyle/>
-          <a:p>
-            <a:pPr algn="ctr"/>
-            <a:r>
-              <a:rPr lang="en-US" dirty="0"/>
-              <a:t>Your Team Name</a:t>
-            </a:r>
-            <a:endParaRPr lang="en-IN" dirty="0"/>
-          </a:p>
-        </p:txBody>
-      </p:sp>
       <p:pic>
         <p:nvPicPr>
           <p:cNvPr id="9" name="Picture 2" descr="https://www.sih.gov.in/img1/SIH-Logo.png"/>
@@ -10046,8 +10180,8 @@
         </p:blipFill>
         <p:spPr bwMode="auto">
           <a:xfrm>
-            <a:off x="8504857" y="1284687"/>
-            <a:ext cx="3310286" cy="3230057"/>
+            <a:off x="7772399" y="1179965"/>
+            <a:ext cx="4042743" cy="3230057"/>
           </a:xfrm>
           <a:prstGeom prst="rect">
             <a:avLst/>
@@ -10087,6 +10221,87 @@
           </a:extLst>
         </p:spPr>
       </p:pic>
+      <p:sp>
+        <p:nvSpPr>
+          <p:cNvPr id="14" name="Oval 13" descr="Your startup LOGO">
+            <a:extLst>
+              <a:ext uri="{FF2B5EF4-FFF2-40B4-BE49-F238E27FC236}">
+                <a16:creationId xmlns:a16="http://schemas.microsoft.com/office/drawing/2014/main" xmlns="" id="{5DBCE864-823D-4A13-9607-5DA1F0ED5FB8}"/>
+              </a:ext>
+              <a:ext uri="{C183D7F6-B498-43B3-948B-1728B52AA6E4}">
+                <adec:decorative xmlns:adec="http://schemas.microsoft.com/office/drawing/2017/decorative" xmlns="" val="0"/>
+              </a:ext>
+            </a:extLst>
+          </p:cNvPr>
+          <p:cNvSpPr/>
+          <p:nvPr/>
+        </p:nvSpPr>
+        <p:spPr>
+          <a:xfrm>
+            <a:off x="329773" y="252246"/>
+            <a:ext cx="1251857" cy="807334"/>
+          </a:xfrm>
+          <a:prstGeom prst="ellipse">
+            <a:avLst/>
+          </a:prstGeom>
+        </p:spPr>
+        <p:style>
+          <a:lnRef idx="2">
+            <a:schemeClr val="accent4"/>
+          </a:lnRef>
+          <a:fillRef idx="1">
+            <a:schemeClr val="lt1"/>
+          </a:fillRef>
+          <a:effectRef idx="0">
+            <a:schemeClr val="accent4"/>
+          </a:effectRef>
+          <a:fontRef idx="minor">
+            <a:schemeClr val="dk1"/>
+          </a:fontRef>
+        </p:style>
+        <p:txBody>
+          <a:bodyPr rtlCol="0" anchor="ctr"/>
+          <a:lstStyle/>
+          <a:p>
+            <a:pPr algn="ctr"/>
+            <a:r>
+              <a:rPr lang="en-US" dirty="0" smtClean="0"/>
+              <a:t>Innov8</a:t>
+            </a:r>
+            <a:endParaRPr lang="en-IN" dirty="0"/>
+          </a:p>
+        </p:txBody>
+      </p:sp>
+      <p:pic>
+        <p:nvPicPr>
+          <p:cNvPr id="2" name="Picture 1"/>
+          <p:cNvPicPr>
+            <a:picLocks noChangeAspect="1"/>
+          </p:cNvPicPr>
+          <p:nvPr/>
+        </p:nvPicPr>
+        <p:blipFill>
+          <a:blip r:embed="rId6">
+            <a:extLst>
+              <a:ext uri="{28A0092B-C50C-407E-A947-70E740481C1C}">
+                <a14:useLocalDpi xmlns:a14="http://schemas.microsoft.com/office/drawing/2010/main" val="0"/>
+              </a:ext>
+            </a:extLst>
+          </a:blip>
+          <a:stretch>
+            <a:fillRect/>
+          </a:stretch>
+        </p:blipFill>
+        <p:spPr>
+          <a:xfrm>
+            <a:off x="4366727" y="4198776"/>
+            <a:ext cx="4114800" cy="1927128"/>
+          </a:xfrm>
+          <a:prstGeom prst="rect">
+            <a:avLst/>
+          </a:prstGeom>
+        </p:spPr>
+      </p:pic>
     </p:spTree>
     <p:extLst>
       <p:ext uri="{BB962C8B-B14F-4D97-AF65-F5344CB8AC3E}">
@@ -10097,6 +10312,13 @@
   <p:clrMapOvr>
     <a:masterClrMapping/>
   </p:clrMapOvr>
+  <p:timing>
+    <p:tnLst>
+      <p:par>
+        <p:cTn id="1" dur="indefinite" restart="never" nodeType="tmRoot"/>
+      </p:par>
+    </p:tnLst>
+  </p:timing>
 </p:sld>
 </file>
 
@@ -10122,7 +10344,7 @@
           <p:cNvPr id="10" name="Rectangle 9">
             <a:extLst>
               <a:ext uri="{FF2B5EF4-FFF2-40B4-BE49-F238E27FC236}">
-                <a16:creationId xmlns:a16="http://schemas.microsoft.com/office/drawing/2014/main" id="{AD4F69D3-EEB0-4C4C-9434-B9960FB5854C}"/>
+                <a16:creationId xmlns:a16="http://schemas.microsoft.com/office/drawing/2014/main" xmlns="" id="{AD4F69D3-EEB0-4C4C-9434-B9960FB5854C}"/>
               </a:ext>
             </a:extLst>
           </p:cNvPr>
@@ -10518,57 +10740,6 @@
           </a:p>
         </p:txBody>
       </p:sp>
-      <p:sp>
-        <p:nvSpPr>
-          <p:cNvPr id="12" name="Oval 11" descr="Your startup LOGO">
-            <a:extLst>
-              <a:ext uri="{FF2B5EF4-FFF2-40B4-BE49-F238E27FC236}">
-                <a16:creationId xmlns:a16="http://schemas.microsoft.com/office/drawing/2014/main" id="{5DBCE864-823D-4A13-9607-5DA1F0ED5FB8}"/>
-              </a:ext>
-              <a:ext uri="{C183D7F6-B498-43B3-948B-1728B52AA6E4}">
-                <adec:decorative xmlns:adec="http://schemas.microsoft.com/office/drawing/2017/decorative" val="0"/>
-              </a:ext>
-            </a:extLst>
-          </p:cNvPr>
-          <p:cNvSpPr/>
-          <p:nvPr/>
-        </p:nvSpPr>
-        <p:spPr>
-          <a:xfrm>
-            <a:off x="329773" y="252246"/>
-            <a:ext cx="1251857" cy="807334"/>
-          </a:xfrm>
-          <a:prstGeom prst="ellipse">
-            <a:avLst/>
-          </a:prstGeom>
-        </p:spPr>
-        <p:style>
-          <a:lnRef idx="2">
-            <a:schemeClr val="accent4"/>
-          </a:lnRef>
-          <a:fillRef idx="1">
-            <a:schemeClr val="lt1"/>
-          </a:fillRef>
-          <a:effectRef idx="0">
-            <a:schemeClr val="accent4"/>
-          </a:effectRef>
-          <a:fontRef idx="minor">
-            <a:schemeClr val="dk1"/>
-          </a:fontRef>
-        </p:style>
-        <p:txBody>
-          <a:bodyPr rtlCol="0" anchor="ctr"/>
-          <a:lstStyle/>
-          <a:p>
-            <a:pPr algn="ctr"/>
-            <a:r>
-              <a:rPr lang="en-US" dirty="0"/>
-              <a:t>Your Team Name</a:t>
-            </a:r>
-            <a:endParaRPr lang="en-IN" dirty="0"/>
-          </a:p>
-        </p:txBody>
-      </p:sp>
       <p:pic>
         <p:nvPicPr>
           <p:cNvPr id="9" name="Picture 2" descr="https://www.sih.gov.in/img1/SIH-Logo.png"/>
@@ -10695,7 +10866,7 @@
           <p:cNvPr id="4" name="Picture 3">
             <a:extLst>
               <a:ext uri="{FF2B5EF4-FFF2-40B4-BE49-F238E27FC236}">
-                <a16:creationId xmlns:a16="http://schemas.microsoft.com/office/drawing/2014/main" id="{EA742431-A677-2E8B-1F0D-74620C0FAC84}"/>
+                <a16:creationId xmlns:a16="http://schemas.microsoft.com/office/drawing/2014/main" xmlns="" id="{EA742431-A677-2E8B-1F0D-74620C0FAC84}"/>
               </a:ext>
             </a:extLst>
           </p:cNvPr>
@@ -10708,7 +10879,7 @@
           <a:blip r:embed="rId4">
             <a:extLst>
               <a:ext uri="{837473B0-CC2E-450A-ABE3-18F120FF3D39}">
-                <a1611:picAttrSrcUrl xmlns:a1611="http://schemas.microsoft.com/office/drawing/2016/11/main" r:id="rId5"/>
+                <a1611:picAttrSrcUrl xmlns:a1611="http://schemas.microsoft.com/office/drawing/2016/11/main" xmlns="" r:id="rId5"/>
               </a:ext>
             </a:extLst>
           </a:blip>
@@ -10726,30 +10897,81 @@
           </a:prstGeom>
         </p:spPr>
       </p:pic>
-      <p:pic>
-        <p:nvPicPr>
-          <p:cNvPr id="2" name="Picture 1">
+      <p:sp>
+        <p:nvSpPr>
+          <p:cNvPr id="13" name="Oval 12" descr="Your startup LOGO">
             <a:extLst>
               <a:ext uri="{FF2B5EF4-FFF2-40B4-BE49-F238E27FC236}">
-                <a16:creationId xmlns:a16="http://schemas.microsoft.com/office/drawing/2014/main" id="{2AA04E5F-6E09-967B-32B6-EA3F08F93FBC}"/>
+                <a16:creationId xmlns:a16="http://schemas.microsoft.com/office/drawing/2014/main" xmlns="" id="{5DBCE864-823D-4A13-9607-5DA1F0ED5FB8}"/>
+              </a:ext>
+              <a:ext uri="{C183D7F6-B498-43B3-948B-1728B52AA6E4}">
+                <adec:decorative xmlns:adec="http://schemas.microsoft.com/office/drawing/2017/decorative" xmlns="" val="0"/>
               </a:ext>
             </a:extLst>
           </p:cNvPr>
+          <p:cNvSpPr/>
+          <p:nvPr/>
+        </p:nvSpPr>
+        <p:spPr>
+          <a:xfrm>
+            <a:off x="329773" y="252246"/>
+            <a:ext cx="1251857" cy="807334"/>
+          </a:xfrm>
+          <a:prstGeom prst="ellipse">
+            <a:avLst/>
+          </a:prstGeom>
+        </p:spPr>
+        <p:style>
+          <a:lnRef idx="2">
+            <a:schemeClr val="accent4"/>
+          </a:lnRef>
+          <a:fillRef idx="1">
+            <a:schemeClr val="lt1"/>
+          </a:fillRef>
+          <a:effectRef idx="0">
+            <a:schemeClr val="accent4"/>
+          </a:effectRef>
+          <a:fontRef idx="minor">
+            <a:schemeClr val="dk1"/>
+          </a:fontRef>
+        </p:style>
+        <p:txBody>
+          <a:bodyPr rtlCol="0" anchor="ctr"/>
+          <a:lstStyle/>
+          <a:p>
+            <a:pPr algn="ctr"/>
+            <a:r>
+              <a:rPr lang="en-US" dirty="0" smtClean="0"/>
+              <a:t>Innov8</a:t>
+            </a:r>
+            <a:endParaRPr lang="en-IN" dirty="0"/>
+          </a:p>
+        </p:txBody>
+      </p:sp>
+      <p:pic>
+        <p:nvPicPr>
+          <p:cNvPr id="3" name="Picture 2"/>
           <p:cNvPicPr>
             <a:picLocks noChangeAspect="1"/>
           </p:cNvPicPr>
           <p:nvPr/>
         </p:nvPicPr>
         <p:blipFill>
-          <a:blip r:embed="rId6"/>
+          <a:blip r:embed="rId6">
+            <a:extLst>
+              <a:ext uri="{28A0092B-C50C-407E-A947-70E740481C1C}">
+                <a14:useLocalDpi xmlns:a14="http://schemas.microsoft.com/office/drawing/2010/main" val="0"/>
+              </a:ext>
+            </a:extLst>
+          </a:blip>
           <a:stretch>
             <a:fillRect/>
           </a:stretch>
         </p:blipFill>
         <p:spPr>
           <a:xfrm>
-            <a:off x="4648200" y="3224603"/>
-            <a:ext cx="1320799" cy="1423909"/>
+            <a:off x="5915608" y="1409875"/>
+            <a:ext cx="5055926" cy="2982302"/>
           </a:xfrm>
           <a:prstGeom prst="rect">
             <a:avLst/>
@@ -10766,6 +10988,13 @@
   <p:clrMapOvr>
     <a:masterClrMapping/>
   </p:clrMapOvr>
+  <p:timing>
+    <p:tnLst>
+      <p:par>
+        <p:cTn id="1" dur="indefinite" restart="never" nodeType="tmRoot"/>
+      </p:par>
+    </p:tnLst>
+  </p:timing>
 </p:sld>
 </file>
 
@@ -10791,7 +11020,7 @@
           <p:cNvPr id="10" name="Rectangle 9">
             <a:extLst>
               <a:ext uri="{FF2B5EF4-FFF2-40B4-BE49-F238E27FC236}">
-                <a16:creationId xmlns:a16="http://schemas.microsoft.com/office/drawing/2014/main" id="{AD4F69D3-EEB0-4C4C-9434-B9960FB5854C}"/>
+                <a16:creationId xmlns:a16="http://schemas.microsoft.com/office/drawing/2014/main" xmlns="" id="{AD4F69D3-EEB0-4C4C-9434-B9960FB5854C}"/>
               </a:ext>
             </a:extLst>
           </p:cNvPr>
@@ -11269,57 +11498,6 @@
           </a:p>
         </p:txBody>
       </p:sp>
-      <p:sp>
-        <p:nvSpPr>
-          <p:cNvPr id="9" name="Oval 8" descr="Your startup LOGO">
-            <a:extLst>
-              <a:ext uri="{FF2B5EF4-FFF2-40B4-BE49-F238E27FC236}">
-                <a16:creationId xmlns:a16="http://schemas.microsoft.com/office/drawing/2014/main" id="{5DBCE864-823D-4A13-9607-5DA1F0ED5FB8}"/>
-              </a:ext>
-              <a:ext uri="{C183D7F6-B498-43B3-948B-1728B52AA6E4}">
-                <adec:decorative xmlns:adec="http://schemas.microsoft.com/office/drawing/2017/decorative" val="0"/>
-              </a:ext>
-            </a:extLst>
-          </p:cNvPr>
-          <p:cNvSpPr/>
-          <p:nvPr/>
-        </p:nvSpPr>
-        <p:spPr>
-          <a:xfrm>
-            <a:off x="329773" y="252246"/>
-            <a:ext cx="1251857" cy="807334"/>
-          </a:xfrm>
-          <a:prstGeom prst="ellipse">
-            <a:avLst/>
-          </a:prstGeom>
-        </p:spPr>
-        <p:style>
-          <a:lnRef idx="2">
-            <a:schemeClr val="accent4"/>
-          </a:lnRef>
-          <a:fillRef idx="1">
-            <a:schemeClr val="lt1"/>
-          </a:fillRef>
-          <a:effectRef idx="0">
-            <a:schemeClr val="accent4"/>
-          </a:effectRef>
-          <a:fontRef idx="minor">
-            <a:schemeClr val="dk1"/>
-          </a:fontRef>
-        </p:style>
-        <p:txBody>
-          <a:bodyPr rtlCol="0" anchor="ctr"/>
-          <a:lstStyle/>
-          <a:p>
-            <a:pPr algn="ctr"/>
-            <a:r>
-              <a:rPr lang="en-US" dirty="0"/>
-              <a:t>Your Team Name</a:t>
-            </a:r>
-            <a:endParaRPr lang="en-IN" dirty="0"/>
-          </a:p>
-        </p:txBody>
-      </p:sp>
       <p:pic>
         <p:nvPicPr>
           <p:cNvPr id="11" name="Picture 2" descr="https://www.sih.gov.in/img1/SIH-Logo.png"/>
@@ -11465,6 +11643,151 @@
           </a:p>
         </p:txBody>
       </p:sp>
+      <p:sp>
+        <p:nvSpPr>
+          <p:cNvPr id="13" name="Oval 12" descr="Your startup LOGO">
+            <a:extLst>
+              <a:ext uri="{FF2B5EF4-FFF2-40B4-BE49-F238E27FC236}">
+                <a16:creationId xmlns:a16="http://schemas.microsoft.com/office/drawing/2014/main" xmlns="" id="{5DBCE864-823D-4A13-9607-5DA1F0ED5FB8}"/>
+              </a:ext>
+              <a:ext uri="{C183D7F6-B498-43B3-948B-1728B52AA6E4}">
+                <adec:decorative xmlns:adec="http://schemas.microsoft.com/office/drawing/2017/decorative" xmlns="" val="0"/>
+              </a:ext>
+            </a:extLst>
+          </p:cNvPr>
+          <p:cNvSpPr/>
+          <p:nvPr/>
+        </p:nvSpPr>
+        <p:spPr>
+          <a:xfrm>
+            <a:off x="329773" y="252246"/>
+            <a:ext cx="1251857" cy="807334"/>
+          </a:xfrm>
+          <a:prstGeom prst="ellipse">
+            <a:avLst/>
+          </a:prstGeom>
+        </p:spPr>
+        <p:style>
+          <a:lnRef idx="2">
+            <a:schemeClr val="accent4"/>
+          </a:lnRef>
+          <a:fillRef idx="1">
+            <a:schemeClr val="lt1"/>
+          </a:fillRef>
+          <a:effectRef idx="0">
+            <a:schemeClr val="accent4"/>
+          </a:effectRef>
+          <a:fontRef idx="minor">
+            <a:schemeClr val="dk1"/>
+          </a:fontRef>
+        </p:style>
+        <p:txBody>
+          <a:bodyPr rtlCol="0" anchor="ctr"/>
+          <a:lstStyle/>
+          <a:p>
+            <a:pPr algn="ctr"/>
+            <a:r>
+              <a:rPr lang="en-US" dirty="0" smtClean="0"/>
+              <a:t>Innov8</a:t>
+            </a:r>
+            <a:endParaRPr lang="en-IN" dirty="0"/>
+          </a:p>
+        </p:txBody>
+      </p:sp>
+      <p:pic>
+        <p:nvPicPr>
+          <p:cNvPr id="14" name="Picture 13">
+            <a:extLst>
+              <a:ext uri="{FF2B5EF4-FFF2-40B4-BE49-F238E27FC236}">
+                <a16:creationId xmlns:a16="http://schemas.microsoft.com/office/drawing/2014/main" xmlns="" id="{2AA04E5F-6E09-967B-32B6-EA3F08F93FBC}"/>
+              </a:ext>
+            </a:extLst>
+          </p:cNvPr>
+          <p:cNvPicPr>
+            <a:picLocks noChangeAspect="1"/>
+          </p:cNvPicPr>
+          <p:nvPr/>
+        </p:nvPicPr>
+        <p:blipFill>
+          <a:blip r:embed="rId6"/>
+          <a:stretch>
+            <a:fillRect/>
+          </a:stretch>
+        </p:blipFill>
+        <p:spPr>
+          <a:xfrm>
+            <a:off x="8520567" y="4417640"/>
+            <a:ext cx="1320799" cy="1423909"/>
+          </a:xfrm>
+          <a:prstGeom prst="rect">
+            <a:avLst/>
+          </a:prstGeom>
+        </p:spPr>
+      </p:pic>
+      <p:pic>
+        <p:nvPicPr>
+          <p:cNvPr id="2050" name="Picture 2"/>
+          <p:cNvPicPr>
+            <a:picLocks noChangeAspect="1" noChangeArrowheads="1"/>
+          </p:cNvPicPr>
+          <p:nvPr/>
+        </p:nvPicPr>
+        <p:blipFill>
+          <a:blip r:embed="rId7">
+            <a:extLst>
+              <a:ext uri="{28A0092B-C50C-407E-A947-70E740481C1C}">
+                <a14:useLocalDpi xmlns:a14="http://schemas.microsoft.com/office/drawing/2010/main" val="0"/>
+              </a:ext>
+            </a:extLst>
+          </a:blip>
+          <a:srcRect/>
+          <a:stretch>
+            <a:fillRect/>
+          </a:stretch>
+        </p:blipFill>
+        <p:spPr bwMode="auto">
+          <a:xfrm>
+            <a:off x="9918311" y="4417640"/>
+            <a:ext cx="2055229" cy="1628602"/>
+          </a:xfrm>
+          <a:prstGeom prst="rect">
+            <a:avLst/>
+          </a:prstGeom>
+          <a:noFill/>
+          <a:ln>
+            <a:noFill/>
+          </a:ln>
+          <a:effectLst/>
+          <a:extLst>
+            <a:ext uri="{909E8E84-426E-40DD-AFC4-6F175D3DCCD1}">
+              <a14:hiddenFill xmlns:a14="http://schemas.microsoft.com/office/drawing/2010/main">
+                <a:solidFill>
+                  <a:schemeClr val="accent1"/>
+                </a:solidFill>
+              </a14:hiddenFill>
+            </a:ext>
+            <a:ext uri="{91240B29-F687-4F45-9708-019B960494DF}">
+              <a14:hiddenLine xmlns:a14="http://schemas.microsoft.com/office/drawing/2010/main" w="9525">
+                <a:solidFill>
+                  <a:schemeClr val="tx1"/>
+                </a:solidFill>
+                <a:miter lim="800000"/>
+                <a:headEnd/>
+                <a:tailEnd/>
+              </a14:hiddenLine>
+            </a:ext>
+            <a:ext uri="{AF507438-7753-43E0-B8FC-AC1667EBCBE1}">
+              <a14:hiddenEffects xmlns:a14="http://schemas.microsoft.com/office/drawing/2010/main">
+                <a:effectLst>
+                  <a:outerShdw dist="35921" dir="2700000" algn="ctr" rotWithShape="0">
+                    <a:schemeClr val="bg2"/>
+                  </a:outerShdw>
+                </a:effectLst>
+              </a14:hiddenEffects>
+            </a:ext>
+          </a:extLst>
+        </p:spPr>
+      </p:pic>
     </p:spTree>
     <p:extLst>
       <p:ext uri="{BB962C8B-B14F-4D97-AF65-F5344CB8AC3E}">
@@ -11475,6 +11798,13 @@
   <p:clrMapOvr>
     <a:masterClrMapping/>
   </p:clrMapOvr>
+  <p:timing>
+    <p:tnLst>
+      <p:par>
+        <p:cTn id="1" dur="indefinite" restart="never" nodeType="tmRoot"/>
+      </p:par>
+    </p:tnLst>
+  </p:timing>
 </p:sld>
 </file>
 

--- a/Detector.pptx
+++ b/Detector.pptx
@@ -145,7 +145,7 @@
   </p:defaultTextStyle>
   <p:extLst>
     <p:ext uri="{EFAFB233-063F-42B5-8137-9DF3F51BA10A}">
-      <p15:sldGuideLst xmlns:p15="http://schemas.microsoft.com/office/powerpoint/2012/main" xmlns="">
+      <p15:sldGuideLst xmlns:p15="http://schemas.microsoft.com/office/powerpoint/2012/main">
         <p15:guide id="1" orient="horz" pos="2160" userDrawn="1">
           <p15:clr>
             <a:srgbClr val="A4A3A4"/>
@@ -262,7 +262,7 @@
             <a:fld id="{C4D5ADD5-2BBC-4A94-8F86-D9013941F742}" type="datetimeFigureOut">
               <a:rPr lang="en-US"/>
               <a:pPr/>
-              <a:t>9/3/2025</a:t>
+              <a:t>9/7/2025</a:t>
             </a:fld>
             <a:endParaRPr lang="en-US"/>
           </a:p>
@@ -1654,7 +1654,7 @@
           <a:p>
             <a:fld id="{E60792E3-D524-454C-8AFD-A91972900BCB}" type="datetime1">
               <a:rPr lang="en-US" smtClean="0"/>
-              <a:t>9/3/2025</a:t>
+              <a:t>9/7/2025</a:t>
             </a:fld>
             <a:endParaRPr lang="en-US"/>
           </a:p>
@@ -1836,7 +1836,7 @@
           <a:p>
             <a:fld id="{053C3A68-6922-42D3-8905-ECC2D82A3469}" type="datetime1">
               <a:rPr lang="en-US" smtClean="0"/>
-              <a:t>9/3/2025</a:t>
+              <a:t>9/7/2025</a:t>
             </a:fld>
             <a:endParaRPr lang="en-US"/>
           </a:p>
@@ -2028,7 +2028,7 @@
           <a:p>
             <a:fld id="{CB69E9F4-7604-4950-A8B2-8ACDEDB1506E}" type="datetime1">
               <a:rPr lang="en-US" smtClean="0"/>
-              <a:t>9/3/2025</a:t>
+              <a:t>9/7/2025</a:t>
             </a:fld>
             <a:endParaRPr lang="en-US"/>
           </a:p>
@@ -2210,7 +2210,7 @@
           <a:p>
             <a:fld id="{708B7524-32A2-4C20-A58C-BC3BAA1042FC}" type="datetime1">
               <a:rPr lang="en-US" smtClean="0"/>
-              <a:t>9/3/2025</a:t>
+              <a:t>9/7/2025</a:t>
             </a:fld>
             <a:endParaRPr lang="en-US"/>
           </a:p>
@@ -2469,7 +2469,7 @@
           <a:p>
             <a:fld id="{1E994447-D6B2-43BB-A877-57F1A267B999}" type="datetime1">
               <a:rPr lang="en-US" smtClean="0"/>
-              <a:t>9/3/2025</a:t>
+              <a:t>9/7/2025</a:t>
             </a:fld>
             <a:endParaRPr lang="en-US"/>
           </a:p>
@@ -2768,7 +2768,7 @@
           <a:p>
             <a:fld id="{68920E16-BD35-483C-AA6B-346FC7E46DEA}" type="datetime1">
               <a:rPr lang="en-US" smtClean="0"/>
-              <a:t>9/3/2025</a:t>
+              <a:t>9/7/2025</a:t>
             </a:fld>
             <a:endParaRPr lang="en-US"/>
           </a:p>
@@ -3201,7 +3201,7 @@
           <a:p>
             <a:fld id="{2FEAC6F8-5103-4FC0-A69E-5C6AE6469DA8}" type="datetime1">
               <a:rPr lang="en-US" smtClean="0"/>
-              <a:t>9/3/2025</a:t>
+              <a:t>9/7/2025</a:t>
             </a:fld>
             <a:endParaRPr lang="en-US"/>
           </a:p>
@@ -3332,7 +3332,7 @@
           <a:p>
             <a:fld id="{C60C6921-0627-4C8F-83D5-0CF936D2FFDD}" type="datetime1">
               <a:rPr lang="en-US" smtClean="0"/>
-              <a:t>9/3/2025</a:t>
+              <a:t>9/7/2025</a:t>
             </a:fld>
             <a:endParaRPr lang="en-US"/>
           </a:p>
@@ -3441,7 +3441,7 @@
           <a:p>
             <a:fld id="{2FF08AD7-8103-40F8-983C-E2BA6BB9CBE0}" type="datetime1">
               <a:rPr lang="en-US" smtClean="0"/>
-              <a:t>9/3/2025</a:t>
+              <a:t>9/7/2025</a:t>
             </a:fld>
             <a:endParaRPr lang="en-US"/>
           </a:p>
@@ -3730,7 +3730,7 @@
           <a:p>
             <a:fld id="{DF8C06B4-9380-4A4D-AF49-A3596E17DAF5}" type="datetime1">
               <a:rPr lang="en-US" smtClean="0"/>
-              <a:t>9/3/2025</a:t>
+              <a:t>9/7/2025</a:t>
             </a:fld>
             <a:endParaRPr lang="en-US"/>
           </a:p>
@@ -3999,7 +3999,7 @@
           <a:p>
             <a:fld id="{EF7FDEF1-C582-4E22-9E77-D68326471F28}" type="datetime1">
               <a:rPr lang="en-US" smtClean="0"/>
-              <a:t>9/3/2025</a:t>
+              <a:t>9/7/2025</a:t>
             </a:fld>
             <a:endParaRPr lang="en-US"/>
           </a:p>
@@ -4242,7 +4242,7 @@
           <a:p>
             <a:fld id="{780A9602-A9A9-453F-AEF1-37B5837E02CD}" type="datetime1">
               <a:rPr lang="en-US" smtClean="0"/>
-              <a:t>9/3/2025</a:t>
+              <a:t>9/7/2025</a:t>
             </a:fld>
             <a:endParaRPr lang="en-US"/>
           </a:p>
@@ -4790,10 +4790,10 @@
           <p:cNvPr id="36" name="Rectangle 24">
             <a:extLst>
               <a:ext uri="{FF2B5EF4-FFF2-40B4-BE49-F238E27FC236}">
-                <a16:creationId xmlns:a16="http://schemas.microsoft.com/office/drawing/2014/main" xmlns="" id="{3E443FD7-A66B-4AA0-872D-B088B9BC5F17}"/>
+                <a16:creationId xmlns:a16="http://schemas.microsoft.com/office/drawing/2014/main" id="{3E443FD7-A66B-4AA0-872D-B088B9BC5F17}"/>
               </a:ext>
               <a:ext uri="{C183D7F6-B498-43B3-948B-1728B52AA6E4}">
-                <adec:decorative xmlns:adec="http://schemas.microsoft.com/office/drawing/2017/decorative" xmlns="" val="1"/>
+                <adec:decorative xmlns:adec="http://schemas.microsoft.com/office/drawing/2017/decorative" val="1"/>
               </a:ext>
             </a:extLst>
           </p:cNvPr>
@@ -4803,7 +4803,7 @@
           <p:nvPr>
             <p:extLst>
               <p:ext uri="{386F3935-93C4-4BCD-93E2-E3B085C9AB24}">
-                <p16:designElem xmlns:p16="http://schemas.microsoft.com/office/powerpoint/2015/main" xmlns="" val="1"/>
+                <p16:designElem xmlns:p16="http://schemas.microsoft.com/office/powerpoint/2015/main" val="1"/>
               </p:ext>
             </p:extLst>
           </p:nvPr>
@@ -4850,10 +4850,10 @@
           <p:cNvPr id="37" name="Freeform: Shape 26">
             <a:extLst>
               <a:ext uri="{FF2B5EF4-FFF2-40B4-BE49-F238E27FC236}">
-                <a16:creationId xmlns:a16="http://schemas.microsoft.com/office/drawing/2014/main" xmlns="" id="{C04BE0EF-3561-49B4-9A29-F283168A91C7}"/>
+                <a16:creationId xmlns:a16="http://schemas.microsoft.com/office/drawing/2014/main" id="{C04BE0EF-3561-49B4-9A29-F283168A91C7}"/>
               </a:ext>
               <a:ext uri="{C183D7F6-B498-43B3-948B-1728B52AA6E4}">
-                <adec:decorative xmlns:adec="http://schemas.microsoft.com/office/drawing/2017/decorative" xmlns="" val="1"/>
+                <adec:decorative xmlns:adec="http://schemas.microsoft.com/office/drawing/2017/decorative" val="1"/>
               </a:ext>
             </a:extLst>
           </p:cNvPr>
@@ -4863,7 +4863,7 @@
           <p:nvPr>
             <p:extLst>
               <p:ext uri="{386F3935-93C4-4BCD-93E2-E3B085C9AB24}">
-                <p16:designElem xmlns:p16="http://schemas.microsoft.com/office/powerpoint/2015/main" xmlns="" val="1"/>
+                <p16:designElem xmlns:p16="http://schemas.microsoft.com/office/powerpoint/2015/main" val="1"/>
               </p:ext>
             </p:extLst>
           </p:nvPr>
@@ -5624,7 +5624,7 @@
           <p:cNvPr id="5" name="Picture 4">
             <a:extLst>
               <a:ext uri="{FF2B5EF4-FFF2-40B4-BE49-F238E27FC236}">
-                <a16:creationId xmlns:a16="http://schemas.microsoft.com/office/drawing/2014/main" xmlns="" id="{9120848B-B2B4-45BE-A961-AEC0B06CF41B}"/>
+                <a16:creationId xmlns:a16="http://schemas.microsoft.com/office/drawing/2014/main" id="{9120848B-B2B4-45BE-A961-AEC0B06CF41B}"/>
               </a:ext>
             </a:extLst>
           </p:cNvPr>
@@ -5849,17 +5849,10 @@
                 <a:latin typeface="Arial" panose="020B0604020202020204" pitchFamily="34" charset="0"/>
                 <a:cs typeface="Arial" panose="020B0604020202020204" pitchFamily="34" charset="0"/>
               </a:rPr>
-              <a:t>Team </a:t>
-            </a:r>
-            <a:r>
-              <a:rPr lang="en-US" sz="2000" b="1" dirty="0" smtClean="0">
-                <a:latin typeface="Arial" panose="020B0604020202020204" pitchFamily="34" charset="0"/>
-                <a:cs typeface="Arial" panose="020B0604020202020204" pitchFamily="34" charset="0"/>
-              </a:rPr>
-              <a:t>Name- </a:t>
-            </a:r>
-            <a:r>
-              <a:rPr lang="en-US" sz="2000" dirty="0" smtClean="0">
+              <a:t>Team Name- </a:t>
+            </a:r>
+            <a:r>
+              <a:rPr lang="en-US" sz="2000" dirty="0">
                 <a:latin typeface="Arial" panose="020B0604020202020204" pitchFamily="34" charset="0"/>
                 <a:cs typeface="Arial" panose="020B0604020202020204" pitchFamily="34" charset="0"/>
               </a:rPr>
@@ -5918,13 +5911,6 @@
   <p:clrMapOvr>
     <a:masterClrMapping/>
   </p:clrMapOvr>
-  <p:timing>
-    <p:tnLst>
-      <p:par>
-        <p:cTn id="1" dur="indefinite" restart="never" nodeType="tmRoot"/>
-      </p:par>
-    </p:tnLst>
-  </p:timing>
 </p:sld>
 </file>
 
@@ -5950,7 +5936,7 @@
           <p:cNvPr id="56" name="Rectangle 55">
             <a:extLst>
               <a:ext uri="{FF2B5EF4-FFF2-40B4-BE49-F238E27FC236}">
-                <a16:creationId xmlns:a16="http://schemas.microsoft.com/office/drawing/2014/main" xmlns="" id="{98B875D5-EA47-26E1-EB99-302C460DF55C}"/>
+                <a16:creationId xmlns:a16="http://schemas.microsoft.com/office/drawing/2014/main" id="{98B875D5-EA47-26E1-EB99-302C460DF55C}"/>
               </a:ext>
             </a:extLst>
           </p:cNvPr>
@@ -6071,14 +6057,6 @@
           <a:lstStyle/>
           <a:p>
             <a:pPr eaLnBrk="1" hangingPunct="1"/>
-            <a:r>
-              <a:rPr lang="en-US" sz="3600" b="1" dirty="0">
-                <a:latin typeface="Times New Roman" panose="02020603050405020304" pitchFamily="18" charset="0"/>
-                <a:ea typeface="ＭＳ Ｐゴシック" pitchFamily="1" charset="-128"/>
-                <a:cs typeface="Times New Roman" panose="02020603050405020304" pitchFamily="18" charset="0"/>
-              </a:rPr>
-              <a:t/>
-            </a:r>
             <a:br>
               <a:rPr lang="en-US" sz="3600" b="1" dirty="0">
                 <a:latin typeface="Times New Roman" panose="02020603050405020304" pitchFamily="18" charset="0"/>
@@ -6237,10 +6215,10 @@
           <p:cNvPr id="10" name="Oval 9" descr="Your startup LOGO">
             <a:extLst>
               <a:ext uri="{FF2B5EF4-FFF2-40B4-BE49-F238E27FC236}">
-                <a16:creationId xmlns:a16="http://schemas.microsoft.com/office/drawing/2014/main" xmlns="" id="{5DBCE864-823D-4A13-9607-5DA1F0ED5FB8}"/>
+                <a16:creationId xmlns:a16="http://schemas.microsoft.com/office/drawing/2014/main" id="{5DBCE864-823D-4A13-9607-5DA1F0ED5FB8}"/>
               </a:ext>
               <a:ext uri="{C183D7F6-B498-43B3-948B-1728B52AA6E4}">
-                <adec:decorative xmlns:adec="http://schemas.microsoft.com/office/drawing/2017/decorative" xmlns="" val="0"/>
+                <adec:decorative xmlns:adec="http://schemas.microsoft.com/office/drawing/2017/decorative" val="0"/>
               </a:ext>
             </a:extLst>
           </p:cNvPr>
@@ -6276,7 +6254,7 @@
           <a:p>
             <a:pPr algn="ctr"/>
             <a:r>
-              <a:rPr lang="en-US" dirty="0" smtClean="0"/>
+              <a:rPr lang="en-US" dirty="0"/>
               <a:t>Innov8</a:t>
             </a:r>
             <a:endParaRPr lang="en-IN" dirty="0"/>
@@ -6329,7 +6307,7 @@
           <p:cNvPr id="2" name="TextBox 1">
             <a:extLst>
               <a:ext uri="{FF2B5EF4-FFF2-40B4-BE49-F238E27FC236}">
-                <a16:creationId xmlns:a16="http://schemas.microsoft.com/office/drawing/2014/main" xmlns="" id="{E22DCBB4-FD7B-7033-C6ED-45E405FD9964}"/>
+                <a16:creationId xmlns:a16="http://schemas.microsoft.com/office/drawing/2014/main" id="{E22DCBB4-FD7B-7033-C6ED-45E405FD9964}"/>
               </a:ext>
             </a:extLst>
           </p:cNvPr>
@@ -6423,7 +6401,7 @@
           <p:cNvPr id="3" name="Oval 2">
             <a:extLst>
               <a:ext uri="{FF2B5EF4-FFF2-40B4-BE49-F238E27FC236}">
-                <a16:creationId xmlns:a16="http://schemas.microsoft.com/office/drawing/2014/main" xmlns="" id="{438D22CA-394B-1FF8-F7F3-3ACA6564880D}"/>
+                <a16:creationId xmlns:a16="http://schemas.microsoft.com/office/drawing/2014/main" id="{438D22CA-394B-1FF8-F7F3-3ACA6564880D}"/>
               </a:ext>
             </a:extLst>
           </p:cNvPr>
@@ -6493,7 +6471,7 @@
           <p:cNvPr id="8" name="Rectangle 7">
             <a:extLst>
               <a:ext uri="{FF2B5EF4-FFF2-40B4-BE49-F238E27FC236}">
-                <a16:creationId xmlns:a16="http://schemas.microsoft.com/office/drawing/2014/main" xmlns="" id="{8E1A46F0-E21D-174F-6382-FBA58C4EF8DC}"/>
+                <a16:creationId xmlns:a16="http://schemas.microsoft.com/office/drawing/2014/main" id="{8E1A46F0-E21D-174F-6382-FBA58C4EF8DC}"/>
               </a:ext>
             </a:extLst>
           </p:cNvPr>
@@ -6563,7 +6541,7 @@
           <p:cNvPr id="13" name="Straight Arrow Connector 12">
             <a:extLst>
               <a:ext uri="{FF2B5EF4-FFF2-40B4-BE49-F238E27FC236}">
-                <a16:creationId xmlns:a16="http://schemas.microsoft.com/office/drawing/2014/main" xmlns="" id="{5A5BD0D8-953E-44BA-E214-6D48DA87EA88}"/>
+                <a16:creationId xmlns:a16="http://schemas.microsoft.com/office/drawing/2014/main" id="{5A5BD0D8-953E-44BA-E214-6D48DA87EA88}"/>
               </a:ext>
             </a:extLst>
           </p:cNvPr>
@@ -6605,7 +6583,7 @@
           <p:cNvPr id="14" name="Rectangle 13">
             <a:extLst>
               <a:ext uri="{FF2B5EF4-FFF2-40B4-BE49-F238E27FC236}">
-                <a16:creationId xmlns:a16="http://schemas.microsoft.com/office/drawing/2014/main" xmlns="" id="{1EC43D1C-FF8B-02DF-B6FA-AB68728B3D72}"/>
+                <a16:creationId xmlns:a16="http://schemas.microsoft.com/office/drawing/2014/main" id="{1EC43D1C-FF8B-02DF-B6FA-AB68728B3D72}"/>
               </a:ext>
             </a:extLst>
           </p:cNvPr>
@@ -6675,7 +6653,7 @@
           <p:cNvPr id="16" name="Straight Arrow Connector 15">
             <a:extLst>
               <a:ext uri="{FF2B5EF4-FFF2-40B4-BE49-F238E27FC236}">
-                <a16:creationId xmlns:a16="http://schemas.microsoft.com/office/drawing/2014/main" xmlns="" id="{93378E09-C2A6-D597-0887-B70FDC506673}"/>
+                <a16:creationId xmlns:a16="http://schemas.microsoft.com/office/drawing/2014/main" id="{93378E09-C2A6-D597-0887-B70FDC506673}"/>
               </a:ext>
             </a:extLst>
           </p:cNvPr>
@@ -6717,7 +6695,7 @@
           <p:cNvPr id="17" name="Rectangle 16">
             <a:extLst>
               <a:ext uri="{FF2B5EF4-FFF2-40B4-BE49-F238E27FC236}">
-                <a16:creationId xmlns:a16="http://schemas.microsoft.com/office/drawing/2014/main" xmlns="" id="{AC3DD121-22FD-5D49-9707-3C728CA3D093}"/>
+                <a16:creationId xmlns:a16="http://schemas.microsoft.com/office/drawing/2014/main" id="{AC3DD121-22FD-5D49-9707-3C728CA3D093}"/>
               </a:ext>
             </a:extLst>
           </p:cNvPr>
@@ -6764,7 +6742,7 @@
           <p:cNvPr id="18" name="Oval 17">
             <a:extLst>
               <a:ext uri="{FF2B5EF4-FFF2-40B4-BE49-F238E27FC236}">
-                <a16:creationId xmlns:a16="http://schemas.microsoft.com/office/drawing/2014/main" xmlns="" id="{01846258-DC84-6A1D-F976-8BD755C71E54}"/>
+                <a16:creationId xmlns:a16="http://schemas.microsoft.com/office/drawing/2014/main" id="{01846258-DC84-6A1D-F976-8BD755C71E54}"/>
               </a:ext>
             </a:extLst>
           </p:cNvPr>
@@ -6834,7 +6812,7 @@
           <p:cNvPr id="20" name="Straight Arrow Connector 19">
             <a:extLst>
               <a:ext uri="{FF2B5EF4-FFF2-40B4-BE49-F238E27FC236}">
-                <a16:creationId xmlns:a16="http://schemas.microsoft.com/office/drawing/2014/main" xmlns="" id="{A046ACE1-7C03-2CBC-8FF6-DFEA6BDC9D67}"/>
+                <a16:creationId xmlns:a16="http://schemas.microsoft.com/office/drawing/2014/main" id="{A046ACE1-7C03-2CBC-8FF6-DFEA6BDC9D67}"/>
               </a:ext>
             </a:extLst>
           </p:cNvPr>
@@ -6875,7 +6853,7 @@
           <p:cNvPr id="21" name="Rectangle 20">
             <a:extLst>
               <a:ext uri="{FF2B5EF4-FFF2-40B4-BE49-F238E27FC236}">
-                <a16:creationId xmlns:a16="http://schemas.microsoft.com/office/drawing/2014/main" xmlns="" id="{F60348BB-B2F9-55E9-862A-707A2245D4C2}"/>
+                <a16:creationId xmlns:a16="http://schemas.microsoft.com/office/drawing/2014/main" id="{F60348BB-B2F9-55E9-862A-707A2245D4C2}"/>
               </a:ext>
             </a:extLst>
           </p:cNvPr>
@@ -6963,7 +6941,7 @@
           <p:cNvPr id="22" name="Rectangle 21">
             <a:extLst>
               <a:ext uri="{FF2B5EF4-FFF2-40B4-BE49-F238E27FC236}">
-                <a16:creationId xmlns:a16="http://schemas.microsoft.com/office/drawing/2014/main" xmlns="" id="{AFB05D67-CC4D-C3EE-725C-DE42F6CD6F34}"/>
+                <a16:creationId xmlns:a16="http://schemas.microsoft.com/office/drawing/2014/main" id="{AFB05D67-CC4D-C3EE-725C-DE42F6CD6F34}"/>
               </a:ext>
             </a:extLst>
           </p:cNvPr>
@@ -7033,7 +7011,7 @@
           <p:cNvPr id="24" name="Straight Arrow Connector 23">
             <a:extLst>
               <a:ext uri="{FF2B5EF4-FFF2-40B4-BE49-F238E27FC236}">
-                <a16:creationId xmlns:a16="http://schemas.microsoft.com/office/drawing/2014/main" xmlns="" id="{4E022CFB-0741-1C04-86F2-61A0A111DD7A}"/>
+                <a16:creationId xmlns:a16="http://schemas.microsoft.com/office/drawing/2014/main" id="{4E022CFB-0741-1C04-86F2-61A0A111DD7A}"/>
               </a:ext>
             </a:extLst>
           </p:cNvPr>
@@ -7075,7 +7053,7 @@
           <p:cNvPr id="26" name="Straight Connector 25">
             <a:extLst>
               <a:ext uri="{FF2B5EF4-FFF2-40B4-BE49-F238E27FC236}">
-                <a16:creationId xmlns:a16="http://schemas.microsoft.com/office/drawing/2014/main" xmlns="" id="{24AE0496-7A6B-447E-A1E6-754741FAC46F}"/>
+                <a16:creationId xmlns:a16="http://schemas.microsoft.com/office/drawing/2014/main" id="{24AE0496-7A6B-447E-A1E6-754741FAC46F}"/>
               </a:ext>
             </a:extLst>
           </p:cNvPr>
@@ -7114,7 +7092,7 @@
           <p:cNvPr id="31" name="Rectangle: Rounded Corners 30">
             <a:extLst>
               <a:ext uri="{FF2B5EF4-FFF2-40B4-BE49-F238E27FC236}">
-                <a16:creationId xmlns:a16="http://schemas.microsoft.com/office/drawing/2014/main" xmlns="" id="{C54F8B93-0C72-681D-04B7-34A1A0A1EBFB}"/>
+                <a16:creationId xmlns:a16="http://schemas.microsoft.com/office/drawing/2014/main" id="{C54F8B93-0C72-681D-04B7-34A1A0A1EBFB}"/>
               </a:ext>
             </a:extLst>
           </p:cNvPr>
@@ -7214,7 +7192,7 @@
           <p:cNvPr id="33" name="Straight Arrow Connector 32">
             <a:extLst>
               <a:ext uri="{FF2B5EF4-FFF2-40B4-BE49-F238E27FC236}">
-                <a16:creationId xmlns:a16="http://schemas.microsoft.com/office/drawing/2014/main" xmlns="" id="{0CEA7B6E-7DC1-99CB-DF24-57B91FCB94F1}"/>
+                <a16:creationId xmlns:a16="http://schemas.microsoft.com/office/drawing/2014/main" id="{0CEA7B6E-7DC1-99CB-DF24-57B91FCB94F1}"/>
               </a:ext>
             </a:extLst>
           </p:cNvPr>
@@ -7256,7 +7234,7 @@
           <p:cNvPr id="34" name="TextBox 33">
             <a:extLst>
               <a:ext uri="{FF2B5EF4-FFF2-40B4-BE49-F238E27FC236}">
-                <a16:creationId xmlns:a16="http://schemas.microsoft.com/office/drawing/2014/main" xmlns="" id="{27ACA774-E4C1-4C72-1CC1-8065FE3E95FF}"/>
+                <a16:creationId xmlns:a16="http://schemas.microsoft.com/office/drawing/2014/main" id="{27ACA774-E4C1-4C72-1CC1-8065FE3E95FF}"/>
               </a:ext>
             </a:extLst>
           </p:cNvPr>
@@ -7315,7 +7293,7 @@
           <p:cNvPr id="35" name="Rectangle 34">
             <a:extLst>
               <a:ext uri="{FF2B5EF4-FFF2-40B4-BE49-F238E27FC236}">
-                <a16:creationId xmlns:a16="http://schemas.microsoft.com/office/drawing/2014/main" xmlns="" id="{6FB57C93-DC56-65B4-8584-A5B7EECDF42E}"/>
+                <a16:creationId xmlns:a16="http://schemas.microsoft.com/office/drawing/2014/main" id="{6FB57C93-DC56-65B4-8584-A5B7EECDF42E}"/>
               </a:ext>
             </a:extLst>
           </p:cNvPr>
@@ -7362,7 +7340,7 @@
           <p:cNvPr id="37" name="Straight Arrow Connector 36">
             <a:extLst>
               <a:ext uri="{FF2B5EF4-FFF2-40B4-BE49-F238E27FC236}">
-                <a16:creationId xmlns:a16="http://schemas.microsoft.com/office/drawing/2014/main" xmlns="" id="{F3B36798-6862-F919-3DD8-8A1938D70D13}"/>
+                <a16:creationId xmlns:a16="http://schemas.microsoft.com/office/drawing/2014/main" id="{F3B36798-6862-F919-3DD8-8A1938D70D13}"/>
               </a:ext>
             </a:extLst>
           </p:cNvPr>
@@ -7401,7 +7379,7 @@
           <p:cNvPr id="38" name="Oval 37">
             <a:extLst>
               <a:ext uri="{FF2B5EF4-FFF2-40B4-BE49-F238E27FC236}">
-                <a16:creationId xmlns:a16="http://schemas.microsoft.com/office/drawing/2014/main" xmlns="" id="{6375556A-ADC0-F58C-3132-38C37C37F5AA}"/>
+                <a16:creationId xmlns:a16="http://schemas.microsoft.com/office/drawing/2014/main" id="{6375556A-ADC0-F58C-3132-38C37C37F5AA}"/>
               </a:ext>
             </a:extLst>
           </p:cNvPr>
@@ -7471,7 +7449,7 @@
           <p:cNvPr id="39" name="Oval 38">
             <a:extLst>
               <a:ext uri="{FF2B5EF4-FFF2-40B4-BE49-F238E27FC236}">
-                <a16:creationId xmlns:a16="http://schemas.microsoft.com/office/drawing/2014/main" xmlns="" id="{1951183B-AF1A-85AC-9373-3D97F635A0B8}"/>
+                <a16:creationId xmlns:a16="http://schemas.microsoft.com/office/drawing/2014/main" id="{1951183B-AF1A-85AC-9373-3D97F635A0B8}"/>
               </a:ext>
             </a:extLst>
           </p:cNvPr>
@@ -7541,7 +7519,7 @@
           <p:cNvPr id="41" name="Straight Connector 40">
             <a:extLst>
               <a:ext uri="{FF2B5EF4-FFF2-40B4-BE49-F238E27FC236}">
-                <a16:creationId xmlns:a16="http://schemas.microsoft.com/office/drawing/2014/main" xmlns="" id="{68364630-78D6-D477-4754-6F5FD41C2961}"/>
+                <a16:creationId xmlns:a16="http://schemas.microsoft.com/office/drawing/2014/main" id="{68364630-78D6-D477-4754-6F5FD41C2961}"/>
               </a:ext>
             </a:extLst>
           </p:cNvPr>
@@ -7580,7 +7558,7 @@
           <p:cNvPr id="42" name="TextBox 41">
             <a:extLst>
               <a:ext uri="{FF2B5EF4-FFF2-40B4-BE49-F238E27FC236}">
-                <a16:creationId xmlns:a16="http://schemas.microsoft.com/office/drawing/2014/main" xmlns="" id="{7FCE5FB6-3514-269A-143A-67C55B77CF84}"/>
+                <a16:creationId xmlns:a16="http://schemas.microsoft.com/office/drawing/2014/main" id="{7FCE5FB6-3514-269A-143A-67C55B77CF84}"/>
               </a:ext>
             </a:extLst>
           </p:cNvPr>
@@ -7639,7 +7617,7 @@
           <p:cNvPr id="43" name="Rectangle 42">
             <a:extLst>
               <a:ext uri="{FF2B5EF4-FFF2-40B4-BE49-F238E27FC236}">
-                <a16:creationId xmlns:a16="http://schemas.microsoft.com/office/drawing/2014/main" xmlns="" id="{198D00D0-6287-D838-F5B2-A37C2E39FD2F}"/>
+                <a16:creationId xmlns:a16="http://schemas.microsoft.com/office/drawing/2014/main" id="{198D00D0-6287-D838-F5B2-A37C2E39FD2F}"/>
               </a:ext>
             </a:extLst>
           </p:cNvPr>
@@ -7686,7 +7664,7 @@
           <p:cNvPr id="45" name="Straight Arrow Connector 44">
             <a:extLst>
               <a:ext uri="{FF2B5EF4-FFF2-40B4-BE49-F238E27FC236}">
-                <a16:creationId xmlns:a16="http://schemas.microsoft.com/office/drawing/2014/main" xmlns="" id="{F1A535D1-DA43-CF88-6843-BD566A668218}"/>
+                <a16:creationId xmlns:a16="http://schemas.microsoft.com/office/drawing/2014/main" id="{F1A535D1-DA43-CF88-6843-BD566A668218}"/>
               </a:ext>
             </a:extLst>
           </p:cNvPr>
@@ -7729,7 +7707,7 @@
           <p:cNvPr id="46" name="TextBox 45">
             <a:extLst>
               <a:ext uri="{FF2B5EF4-FFF2-40B4-BE49-F238E27FC236}">
-                <a16:creationId xmlns:a16="http://schemas.microsoft.com/office/drawing/2014/main" xmlns="" id="{180A38CA-99F9-E5AD-B696-DE24E1EE3645}"/>
+                <a16:creationId xmlns:a16="http://schemas.microsoft.com/office/drawing/2014/main" id="{180A38CA-99F9-E5AD-B696-DE24E1EE3645}"/>
               </a:ext>
             </a:extLst>
           </p:cNvPr>
@@ -7788,7 +7766,7 @@
           <p:cNvPr id="47" name="Oval 46">
             <a:extLst>
               <a:ext uri="{FF2B5EF4-FFF2-40B4-BE49-F238E27FC236}">
-                <a16:creationId xmlns:a16="http://schemas.microsoft.com/office/drawing/2014/main" xmlns="" id="{10FE609B-8B60-5ECA-AE78-10B11F9371BA}"/>
+                <a16:creationId xmlns:a16="http://schemas.microsoft.com/office/drawing/2014/main" id="{10FE609B-8B60-5ECA-AE78-10B11F9371BA}"/>
               </a:ext>
             </a:extLst>
           </p:cNvPr>
@@ -7858,7 +7836,7 @@
           <p:cNvPr id="50" name="Rectangle 49">
             <a:extLst>
               <a:ext uri="{FF2B5EF4-FFF2-40B4-BE49-F238E27FC236}">
-                <a16:creationId xmlns:a16="http://schemas.microsoft.com/office/drawing/2014/main" xmlns="" id="{5F2976C4-5785-335D-398A-BD7228A0A318}"/>
+                <a16:creationId xmlns:a16="http://schemas.microsoft.com/office/drawing/2014/main" id="{5F2976C4-5785-335D-398A-BD7228A0A318}"/>
               </a:ext>
             </a:extLst>
           </p:cNvPr>
@@ -7928,7 +7906,7 @@
           <p:cNvPr id="52" name="Straight Connector 51">
             <a:extLst>
               <a:ext uri="{FF2B5EF4-FFF2-40B4-BE49-F238E27FC236}">
-                <a16:creationId xmlns:a16="http://schemas.microsoft.com/office/drawing/2014/main" xmlns="" id="{B13E550F-7C3A-5DAC-206E-9C89033A879F}"/>
+                <a16:creationId xmlns:a16="http://schemas.microsoft.com/office/drawing/2014/main" id="{B13E550F-7C3A-5DAC-206E-9C89033A879F}"/>
               </a:ext>
             </a:extLst>
           </p:cNvPr>
@@ -7968,7 +7946,7 @@
           <p:cNvPr id="53" name="TextBox 52">
             <a:extLst>
               <a:ext uri="{FF2B5EF4-FFF2-40B4-BE49-F238E27FC236}">
-                <a16:creationId xmlns:a16="http://schemas.microsoft.com/office/drawing/2014/main" xmlns="" id="{7A24B77B-B27A-C73B-5A2F-E96BB068B8E2}"/>
+                <a16:creationId xmlns:a16="http://schemas.microsoft.com/office/drawing/2014/main" id="{7A24B77B-B27A-C73B-5A2F-E96BB068B8E2}"/>
               </a:ext>
             </a:extLst>
           </p:cNvPr>
@@ -8027,7 +8005,7 @@
           <p:cNvPr id="55" name="Picture 54">
             <a:extLst>
               <a:ext uri="{FF2B5EF4-FFF2-40B4-BE49-F238E27FC236}">
-                <a16:creationId xmlns:a16="http://schemas.microsoft.com/office/drawing/2014/main" xmlns="" id="{BB2F8464-5E7E-E12A-F97C-42824C9235CF}"/>
+                <a16:creationId xmlns:a16="http://schemas.microsoft.com/office/drawing/2014/main" id="{BB2F8464-5E7E-E12A-F97C-42824C9235CF}"/>
               </a:ext>
             </a:extLst>
           </p:cNvPr>
@@ -8040,7 +8018,7 @@
           <a:blip r:embed="rId4">
             <a:extLst>
               <a:ext uri="{837473B0-CC2E-450A-ABE3-18F120FF3D39}">
-                <a1611:picAttrSrcUrl xmlns:a1611="http://schemas.microsoft.com/office/drawing/2016/11/main" xmlns="" r:id="rId5"/>
+                <a1611:picAttrSrcUrl xmlns:a1611="http://schemas.microsoft.com/office/drawing/2016/11/main" r:id="rId5"/>
               </a:ext>
             </a:extLst>
           </a:blip>
@@ -8081,7 +8059,7 @@
           <p:cNvPr id="57" name="TextBox 56">
             <a:extLst>
               <a:ext uri="{FF2B5EF4-FFF2-40B4-BE49-F238E27FC236}">
-                <a16:creationId xmlns:a16="http://schemas.microsoft.com/office/drawing/2014/main" xmlns="" id="{C124F415-08AB-DD05-39CC-AFBD16B2EC65}"/>
+                <a16:creationId xmlns:a16="http://schemas.microsoft.com/office/drawing/2014/main" id="{C124F415-08AB-DD05-39CC-AFBD16B2EC65}"/>
               </a:ext>
             </a:extLst>
           </p:cNvPr>
@@ -8140,7 +8118,7 @@
           <p:cNvPr id="59" name="Straight Arrow Connector 58">
             <a:extLst>
               <a:ext uri="{FF2B5EF4-FFF2-40B4-BE49-F238E27FC236}">
-                <a16:creationId xmlns:a16="http://schemas.microsoft.com/office/drawing/2014/main" xmlns="" id="{A837EB34-6CEB-E331-6B15-478483332460}"/>
+                <a16:creationId xmlns:a16="http://schemas.microsoft.com/office/drawing/2014/main" id="{A837EB34-6CEB-E331-6B15-478483332460}"/>
               </a:ext>
             </a:extLst>
           </p:cNvPr>
@@ -8183,13 +8161,6 @@
   <p:clrMapOvr>
     <a:masterClrMapping/>
   </p:clrMapOvr>
-  <p:timing>
-    <p:tnLst>
-      <p:par>
-        <p:cTn id="1" dur="indefinite" restart="never" nodeType="tmRoot"/>
-      </p:par>
-    </p:tnLst>
-  </p:timing>
 </p:sld>
 </file>
 
@@ -8215,7 +8186,7 @@
           <p:cNvPr id="10" name="Rectangle 9">
             <a:extLst>
               <a:ext uri="{FF2B5EF4-FFF2-40B4-BE49-F238E27FC236}">
-                <a16:creationId xmlns:a16="http://schemas.microsoft.com/office/drawing/2014/main" xmlns="" id="{AD4F69D3-EEB0-4C4C-9434-B9960FB5854C}"/>
+                <a16:creationId xmlns:a16="http://schemas.microsoft.com/office/drawing/2014/main" id="{AD4F69D3-EEB0-4C4C-9434-B9960FB5854C}"/>
               </a:ext>
             </a:extLst>
           </p:cNvPr>
@@ -8564,7 +8535,7 @@
           <p:cNvPr id="3" name="Picture 2">
             <a:extLst>
               <a:ext uri="{FF2B5EF4-FFF2-40B4-BE49-F238E27FC236}">
-                <a16:creationId xmlns:a16="http://schemas.microsoft.com/office/drawing/2014/main" xmlns="" id="{193FBBB9-7F0A-B599-C575-43703B91FBFA}"/>
+                <a16:creationId xmlns:a16="http://schemas.microsoft.com/office/drawing/2014/main" id="{193FBBB9-7F0A-B599-C575-43703B91FBFA}"/>
               </a:ext>
             </a:extLst>
           </p:cNvPr>
@@ -8594,7 +8565,7 @@
           <p:cNvPr id="2" name="TextBox 1">
             <a:extLst>
               <a:ext uri="{FF2B5EF4-FFF2-40B4-BE49-F238E27FC236}">
-                <a16:creationId xmlns:a16="http://schemas.microsoft.com/office/drawing/2014/main" xmlns="" id="{2E52B151-038D-72D5-B504-1383A2D1DBA2}"/>
+                <a16:creationId xmlns:a16="http://schemas.microsoft.com/office/drawing/2014/main" id="{2E52B151-038D-72D5-B504-1383A2D1DBA2}"/>
               </a:ext>
             </a:extLst>
           </p:cNvPr>
@@ -8636,7 +8607,7 @@
           <p:cNvPr id="4" name="TextBox 3">
             <a:extLst>
               <a:ext uri="{FF2B5EF4-FFF2-40B4-BE49-F238E27FC236}">
-                <a16:creationId xmlns:a16="http://schemas.microsoft.com/office/drawing/2014/main" xmlns="" id="{918F6741-3352-A9F7-8EA3-9BD123C14E6A}"/>
+                <a16:creationId xmlns:a16="http://schemas.microsoft.com/office/drawing/2014/main" id="{918F6741-3352-A9F7-8EA3-9BD123C14E6A}"/>
               </a:ext>
             </a:extLst>
           </p:cNvPr>
@@ -8757,7 +8728,7 @@
           <p:cNvPr id="5" name="TextBox 4">
             <a:extLst>
               <a:ext uri="{FF2B5EF4-FFF2-40B4-BE49-F238E27FC236}">
-                <a16:creationId xmlns:a16="http://schemas.microsoft.com/office/drawing/2014/main" xmlns="" id="{46A69318-4375-A9FC-F759-4F768DBF9B3A}"/>
+                <a16:creationId xmlns:a16="http://schemas.microsoft.com/office/drawing/2014/main" id="{46A69318-4375-A9FC-F759-4F768DBF9B3A}"/>
               </a:ext>
             </a:extLst>
           </p:cNvPr>
@@ -8799,7 +8770,7 @@
           <p:cNvPr id="8" name="Picture 7">
             <a:extLst>
               <a:ext uri="{FF2B5EF4-FFF2-40B4-BE49-F238E27FC236}">
-                <a16:creationId xmlns:a16="http://schemas.microsoft.com/office/drawing/2014/main" xmlns="" id="{E4B88CDA-DD2F-3445-3583-D8A8E81E3D46}"/>
+                <a16:creationId xmlns:a16="http://schemas.microsoft.com/office/drawing/2014/main" id="{E4B88CDA-DD2F-3445-3583-D8A8E81E3D46}"/>
               </a:ext>
             </a:extLst>
           </p:cNvPr>
@@ -8812,7 +8783,7 @@
           <a:blip r:embed="rId5">
             <a:extLst>
               <a:ext uri="{837473B0-CC2E-450A-ABE3-18F120FF3D39}">
-                <a1611:picAttrSrcUrl xmlns:a1611="http://schemas.microsoft.com/office/drawing/2016/11/main" xmlns="" r:id="rId6"/>
+                <a1611:picAttrSrcUrl xmlns:a1611="http://schemas.microsoft.com/office/drawing/2016/11/main" r:id="rId6"/>
               </a:ext>
             </a:extLst>
           </a:blip>
@@ -8835,7 +8806,7 @@
           <p:cNvPr id="13" name="Picture 12">
             <a:extLst>
               <a:ext uri="{FF2B5EF4-FFF2-40B4-BE49-F238E27FC236}">
-                <a16:creationId xmlns:a16="http://schemas.microsoft.com/office/drawing/2014/main" xmlns="" id="{F24889AA-97A4-C20C-5DDA-2F41D6082DC5}"/>
+                <a16:creationId xmlns:a16="http://schemas.microsoft.com/office/drawing/2014/main" id="{F24889AA-97A4-C20C-5DDA-2F41D6082DC5}"/>
               </a:ext>
             </a:extLst>
           </p:cNvPr>
@@ -8848,7 +8819,7 @@
           <a:blip r:embed="rId7">
             <a:extLst>
               <a:ext uri="{837473B0-CC2E-450A-ABE3-18F120FF3D39}">
-                <a1611:picAttrSrcUrl xmlns:a1611="http://schemas.microsoft.com/office/drawing/2016/11/main" xmlns="" r:id="rId8"/>
+                <a1611:picAttrSrcUrl xmlns:a1611="http://schemas.microsoft.com/office/drawing/2016/11/main" r:id="rId8"/>
               </a:ext>
             </a:extLst>
           </a:blip>
@@ -8871,10 +8842,10 @@
           <p:cNvPr id="15" name="Oval 14" descr="Your startup LOGO">
             <a:extLst>
               <a:ext uri="{FF2B5EF4-FFF2-40B4-BE49-F238E27FC236}">
-                <a16:creationId xmlns:a16="http://schemas.microsoft.com/office/drawing/2014/main" xmlns="" id="{5DBCE864-823D-4A13-9607-5DA1F0ED5FB8}"/>
+                <a16:creationId xmlns:a16="http://schemas.microsoft.com/office/drawing/2014/main" id="{5DBCE864-823D-4A13-9607-5DA1F0ED5FB8}"/>
               </a:ext>
               <a:ext uri="{C183D7F6-B498-43B3-948B-1728B52AA6E4}">
-                <adec:decorative xmlns:adec="http://schemas.microsoft.com/office/drawing/2017/decorative" xmlns="" val="0"/>
+                <adec:decorative xmlns:adec="http://schemas.microsoft.com/office/drawing/2017/decorative" val="0"/>
               </a:ext>
             </a:extLst>
           </p:cNvPr>
@@ -8910,7 +8881,7 @@
           <a:p>
             <a:pPr algn="ctr"/>
             <a:r>
-              <a:rPr lang="en-US" dirty="0" smtClean="0"/>
+              <a:rPr lang="en-US" dirty="0"/>
               <a:t>Innov8</a:t>
             </a:r>
             <a:endParaRPr lang="en-IN" dirty="0"/>
@@ -8922,13 +8893,6 @@
   <p:clrMapOvr>
     <a:masterClrMapping/>
   </p:clrMapOvr>
-  <p:timing>
-    <p:tnLst>
-      <p:par>
-        <p:cTn id="1" dur="indefinite" restart="never" nodeType="tmRoot"/>
-      </p:par>
-    </p:tnLst>
-  </p:timing>
 </p:sld>
 </file>
 
@@ -8954,7 +8918,7 @@
           <p:cNvPr id="10" name="Rectangle 9">
             <a:extLst>
               <a:ext uri="{FF2B5EF4-FFF2-40B4-BE49-F238E27FC236}">
-                <a16:creationId xmlns:a16="http://schemas.microsoft.com/office/drawing/2014/main" xmlns="" id="{AD4F69D3-EEB0-4C4C-9434-B9960FB5854C}"/>
+                <a16:creationId xmlns:a16="http://schemas.microsoft.com/office/drawing/2014/main" id="{AD4F69D3-EEB0-4C4C-9434-B9960FB5854C}"/>
               </a:ext>
             </a:extLst>
           </p:cNvPr>
@@ -9121,10 +9085,10 @@
           <p:cNvPr id="11" name="Oval 10" descr="Your startup LOGO">
             <a:extLst>
               <a:ext uri="{FF2B5EF4-FFF2-40B4-BE49-F238E27FC236}">
-                <a16:creationId xmlns:a16="http://schemas.microsoft.com/office/drawing/2014/main" xmlns="" id="{5DBCE864-823D-4A13-9607-5DA1F0ED5FB8}"/>
+                <a16:creationId xmlns:a16="http://schemas.microsoft.com/office/drawing/2014/main" id="{5DBCE864-823D-4A13-9607-5DA1F0ED5FB8}"/>
               </a:ext>
               <a:ext uri="{C183D7F6-B498-43B3-948B-1728B52AA6E4}">
-                <adec:decorative xmlns:adec="http://schemas.microsoft.com/office/drawing/2017/decorative" xmlns="" val="0"/>
+                <adec:decorative xmlns:adec="http://schemas.microsoft.com/office/drawing/2017/decorative" val="0"/>
               </a:ext>
             </a:extLst>
           </p:cNvPr>
@@ -9160,7 +9124,7 @@
           <a:p>
             <a:pPr algn="ctr"/>
             <a:r>
-              <a:rPr lang="en-US" dirty="0" smtClean="0"/>
+              <a:rPr lang="en-US" dirty="0"/>
               <a:t>Innov8</a:t>
             </a:r>
             <a:endParaRPr lang="en-IN" dirty="0"/>
@@ -9339,7 +9303,7 @@
           <p:cNvPr id="8" name="Picture 7">
             <a:extLst>
               <a:ext uri="{FF2B5EF4-FFF2-40B4-BE49-F238E27FC236}">
-                <a16:creationId xmlns:a16="http://schemas.microsoft.com/office/drawing/2014/main" xmlns="" id="{5A8A4155-93CA-C3AB-E024-E9C977C1F03A}"/>
+                <a16:creationId xmlns:a16="http://schemas.microsoft.com/office/drawing/2014/main" id="{5A8A4155-93CA-C3AB-E024-E9C977C1F03A}"/>
               </a:ext>
             </a:extLst>
           </p:cNvPr>
@@ -9352,7 +9316,7 @@
           <a:blip r:embed="rId6">
             <a:extLst>
               <a:ext uri="{837473B0-CC2E-450A-ABE3-18F120FF3D39}">
-                <a1611:picAttrSrcUrl xmlns:a1611="http://schemas.microsoft.com/office/drawing/2016/11/main" xmlns="" r:id="rId7"/>
+                <a1611:picAttrSrcUrl xmlns:a1611="http://schemas.microsoft.com/office/drawing/2016/11/main" r:id="rId7"/>
               </a:ext>
             </a:extLst>
           </a:blip>
@@ -9375,7 +9339,7 @@
           <p:cNvPr id="13" name="Picture 12">
             <a:extLst>
               <a:ext uri="{FF2B5EF4-FFF2-40B4-BE49-F238E27FC236}">
-                <a16:creationId xmlns:a16="http://schemas.microsoft.com/office/drawing/2014/main" xmlns="" id="{47E0BF17-4CAA-7328-7581-7EAFC44BE056}"/>
+                <a16:creationId xmlns:a16="http://schemas.microsoft.com/office/drawing/2014/main" id="{47E0BF17-4CAA-7328-7581-7EAFC44BE056}"/>
               </a:ext>
             </a:extLst>
           </p:cNvPr>
@@ -9474,13 +9438,6 @@
   <p:clrMapOvr>
     <a:masterClrMapping/>
   </p:clrMapOvr>
-  <p:timing>
-    <p:tnLst>
-      <p:par>
-        <p:cTn id="1" dur="indefinite" restart="never" nodeType="tmRoot"/>
-      </p:par>
-    </p:tnLst>
-  </p:timing>
 </p:sld>
 </file>
 
@@ -9506,7 +9463,7 @@
           <p:cNvPr id="10" name="Rectangle 9">
             <a:extLst>
               <a:ext uri="{FF2B5EF4-FFF2-40B4-BE49-F238E27FC236}">
-                <a16:creationId xmlns:a16="http://schemas.microsoft.com/office/drawing/2014/main" xmlns="" id="{AD4F69D3-EEB0-4C4C-9434-B9960FB5854C}"/>
+                <a16:creationId xmlns:a16="http://schemas.microsoft.com/office/drawing/2014/main" id="{AD4F69D3-EEB0-4C4C-9434-B9960FB5854C}"/>
               </a:ext>
             </a:extLst>
           </p:cNvPr>
@@ -9617,7 +9574,7 @@
         </p:nvSpPr>
         <p:spPr bwMode="auto">
           <a:xfrm>
-            <a:off x="701040" y="1322208"/>
+            <a:off x="701040" y="1361071"/>
             <a:ext cx="5100670" cy="1107996"/>
           </a:xfrm>
           <a:prstGeom prst="rect">
@@ -9909,7 +9866,7 @@
         </p:nvSpPr>
         <p:spPr bwMode="auto">
           <a:xfrm>
-            <a:off x="711615" y="2455703"/>
+            <a:off x="701040" y="2573821"/>
             <a:ext cx="6035040" cy="1354217"/>
           </a:xfrm>
           <a:prstGeom prst="rect">
@@ -10006,7 +9963,7 @@
         </p:nvSpPr>
         <p:spPr bwMode="auto">
           <a:xfrm>
-            <a:off x="711615" y="3827132"/>
+            <a:off x="5251986" y="4608495"/>
             <a:ext cx="6035040" cy="1107996"/>
           </a:xfrm>
           <a:prstGeom prst="rect">
@@ -10095,7 +10052,7 @@
       </p:sp>
       <p:pic>
         <p:nvPicPr>
-          <p:cNvPr id="2050" name="Picture 2"/>
+          <p:cNvPr id="2052" name="Picture 4"/>
           <p:cNvPicPr>
             <a:picLocks noChangeAspect="1" noChangeArrowheads="1"/>
           </p:cNvPicPr>
@@ -10116,8 +10073,8 @@
         </p:blipFill>
         <p:spPr bwMode="auto">
           <a:xfrm>
-            <a:off x="10266345" y="4902364"/>
-            <a:ext cx="1722198" cy="1349265"/>
+            <a:off x="7614744" y="1050619"/>
+            <a:ext cx="4042743" cy="3230057"/>
           </a:xfrm>
           <a:prstGeom prst="rect">
             <a:avLst/>
@@ -10157,79 +10114,15 @@
           </a:extLst>
         </p:spPr>
       </p:pic>
-      <p:pic>
-        <p:nvPicPr>
-          <p:cNvPr id="2052" name="Picture 4"/>
-          <p:cNvPicPr>
-            <a:picLocks noChangeAspect="1" noChangeArrowheads="1"/>
-          </p:cNvPicPr>
-          <p:nvPr/>
-        </p:nvPicPr>
-        <p:blipFill>
-          <a:blip r:embed="rId5">
-            <a:extLst>
-              <a:ext uri="{28A0092B-C50C-407E-A947-70E740481C1C}">
-                <a14:useLocalDpi xmlns:a14="http://schemas.microsoft.com/office/drawing/2010/main" val="0"/>
-              </a:ext>
-            </a:extLst>
-          </a:blip>
-          <a:srcRect/>
-          <a:stretch>
-            <a:fillRect/>
-          </a:stretch>
-        </p:blipFill>
-        <p:spPr bwMode="auto">
-          <a:xfrm>
-            <a:off x="7772399" y="1179965"/>
-            <a:ext cx="4042743" cy="3230057"/>
-          </a:xfrm>
-          <a:prstGeom prst="rect">
-            <a:avLst/>
-          </a:prstGeom>
-          <a:noFill/>
-          <a:ln>
-            <a:noFill/>
-          </a:ln>
-          <a:effectLst/>
-          <a:extLst>
-            <a:ext uri="{909E8E84-426E-40DD-AFC4-6F175D3DCCD1}">
-              <a14:hiddenFill xmlns:a14="http://schemas.microsoft.com/office/drawing/2010/main">
-                <a:solidFill>
-                  <a:schemeClr val="accent1"/>
-                </a:solidFill>
-              </a14:hiddenFill>
-            </a:ext>
-            <a:ext uri="{91240B29-F687-4F45-9708-019B960494DF}">
-              <a14:hiddenLine xmlns:a14="http://schemas.microsoft.com/office/drawing/2010/main" w="9525">
-                <a:solidFill>
-                  <a:schemeClr val="tx1"/>
-                </a:solidFill>
-                <a:miter lim="800000"/>
-                <a:headEnd/>
-                <a:tailEnd/>
-              </a14:hiddenLine>
-            </a:ext>
-            <a:ext uri="{AF507438-7753-43E0-B8FC-AC1667EBCBE1}">
-              <a14:hiddenEffects xmlns:a14="http://schemas.microsoft.com/office/drawing/2010/main">
-                <a:effectLst>
-                  <a:outerShdw dist="35921" dir="2700000" algn="ctr" rotWithShape="0">
-                    <a:schemeClr val="bg2"/>
-                  </a:outerShdw>
-                </a:effectLst>
-              </a14:hiddenEffects>
-            </a:ext>
-          </a:extLst>
-        </p:spPr>
-      </p:pic>
       <p:sp>
         <p:nvSpPr>
           <p:cNvPr id="14" name="Oval 13" descr="Your startup LOGO">
             <a:extLst>
               <a:ext uri="{FF2B5EF4-FFF2-40B4-BE49-F238E27FC236}">
-                <a16:creationId xmlns:a16="http://schemas.microsoft.com/office/drawing/2014/main" xmlns="" id="{5DBCE864-823D-4A13-9607-5DA1F0ED5FB8}"/>
+                <a16:creationId xmlns:a16="http://schemas.microsoft.com/office/drawing/2014/main" id="{5DBCE864-823D-4A13-9607-5DA1F0ED5FB8}"/>
               </a:ext>
               <a:ext uri="{C183D7F6-B498-43B3-948B-1728B52AA6E4}">
-                <adec:decorative xmlns:adec="http://schemas.microsoft.com/office/drawing/2017/decorative" xmlns="" val="0"/>
+                <adec:decorative xmlns:adec="http://schemas.microsoft.com/office/drawing/2017/decorative" val="0"/>
               </a:ext>
             </a:extLst>
           </p:cNvPr>
@@ -10265,7 +10158,7 @@
           <a:p>
             <a:pPr algn="ctr"/>
             <a:r>
-              <a:rPr lang="en-US" dirty="0" smtClean="0"/>
+              <a:rPr lang="en-US" dirty="0"/>
               <a:t>Innov8</a:t>
             </a:r>
             <a:endParaRPr lang="en-IN" dirty="0"/>
@@ -10281,7 +10174,7 @@
           <p:nvPr/>
         </p:nvPicPr>
         <p:blipFill>
-          <a:blip r:embed="rId6">
+          <a:blip r:embed="rId5">
             <a:extLst>
               <a:ext uri="{28A0092B-C50C-407E-A947-70E740481C1C}">
                 <a14:useLocalDpi xmlns:a14="http://schemas.microsoft.com/office/drawing/2010/main" val="0"/>
@@ -10294,7 +10187,7 @@
         </p:blipFill>
         <p:spPr>
           <a:xfrm>
-            <a:off x="4366727" y="4198776"/>
+            <a:off x="700514" y="4192211"/>
             <a:ext cx="4114800" cy="1927128"/>
           </a:xfrm>
           <a:prstGeom prst="rect">
@@ -10312,13 +10205,6 @@
   <p:clrMapOvr>
     <a:masterClrMapping/>
   </p:clrMapOvr>
-  <p:timing>
-    <p:tnLst>
-      <p:par>
-        <p:cTn id="1" dur="indefinite" restart="never" nodeType="tmRoot"/>
-      </p:par>
-    </p:tnLst>
-  </p:timing>
 </p:sld>
 </file>
 
@@ -10344,7 +10230,7 @@
           <p:cNvPr id="10" name="Rectangle 9">
             <a:extLst>
               <a:ext uri="{FF2B5EF4-FFF2-40B4-BE49-F238E27FC236}">
-                <a16:creationId xmlns:a16="http://schemas.microsoft.com/office/drawing/2014/main" xmlns="" id="{AD4F69D3-EEB0-4C4C-9434-B9960FB5854C}"/>
+                <a16:creationId xmlns:a16="http://schemas.microsoft.com/office/drawing/2014/main" id="{AD4F69D3-EEB0-4C4C-9434-B9960FB5854C}"/>
               </a:ext>
             </a:extLst>
           </p:cNvPr>
@@ -10866,7 +10752,7 @@
           <p:cNvPr id="4" name="Picture 3">
             <a:extLst>
               <a:ext uri="{FF2B5EF4-FFF2-40B4-BE49-F238E27FC236}">
-                <a16:creationId xmlns:a16="http://schemas.microsoft.com/office/drawing/2014/main" xmlns="" id="{EA742431-A677-2E8B-1F0D-74620C0FAC84}"/>
+                <a16:creationId xmlns:a16="http://schemas.microsoft.com/office/drawing/2014/main" id="{EA742431-A677-2E8B-1F0D-74620C0FAC84}"/>
               </a:ext>
             </a:extLst>
           </p:cNvPr>
@@ -10879,7 +10765,7 @@
           <a:blip r:embed="rId4">
             <a:extLst>
               <a:ext uri="{837473B0-CC2E-450A-ABE3-18F120FF3D39}">
-                <a1611:picAttrSrcUrl xmlns:a1611="http://schemas.microsoft.com/office/drawing/2016/11/main" xmlns="" r:id="rId5"/>
+                <a1611:picAttrSrcUrl xmlns:a1611="http://schemas.microsoft.com/office/drawing/2016/11/main" r:id="rId5"/>
               </a:ext>
             </a:extLst>
           </a:blip>
@@ -10902,10 +10788,10 @@
           <p:cNvPr id="13" name="Oval 12" descr="Your startup LOGO">
             <a:extLst>
               <a:ext uri="{FF2B5EF4-FFF2-40B4-BE49-F238E27FC236}">
-                <a16:creationId xmlns:a16="http://schemas.microsoft.com/office/drawing/2014/main" xmlns="" id="{5DBCE864-823D-4A13-9607-5DA1F0ED5FB8}"/>
+                <a16:creationId xmlns:a16="http://schemas.microsoft.com/office/drawing/2014/main" id="{5DBCE864-823D-4A13-9607-5DA1F0ED5FB8}"/>
               </a:ext>
               <a:ext uri="{C183D7F6-B498-43B3-948B-1728B52AA6E4}">
-                <adec:decorative xmlns:adec="http://schemas.microsoft.com/office/drawing/2017/decorative" xmlns="" val="0"/>
+                <adec:decorative xmlns:adec="http://schemas.microsoft.com/office/drawing/2017/decorative" val="0"/>
               </a:ext>
             </a:extLst>
           </p:cNvPr>
@@ -10941,7 +10827,7 @@
           <a:p>
             <a:pPr algn="ctr"/>
             <a:r>
-              <a:rPr lang="en-US" dirty="0" smtClean="0"/>
+              <a:rPr lang="en-US" dirty="0"/>
               <a:t>Innov8</a:t>
             </a:r>
             <a:endParaRPr lang="en-IN" dirty="0"/>
@@ -10988,13 +10874,6 @@
   <p:clrMapOvr>
     <a:masterClrMapping/>
   </p:clrMapOvr>
-  <p:timing>
-    <p:tnLst>
-      <p:par>
-        <p:cTn id="1" dur="indefinite" restart="never" nodeType="tmRoot"/>
-      </p:par>
-    </p:tnLst>
-  </p:timing>
 </p:sld>
 </file>
 
@@ -11020,7 +10899,7 @@
           <p:cNvPr id="10" name="Rectangle 9">
             <a:extLst>
               <a:ext uri="{FF2B5EF4-FFF2-40B4-BE49-F238E27FC236}">
-                <a16:creationId xmlns:a16="http://schemas.microsoft.com/office/drawing/2014/main" xmlns="" id="{AD4F69D3-EEB0-4C4C-9434-B9960FB5854C}"/>
+                <a16:creationId xmlns:a16="http://schemas.microsoft.com/office/drawing/2014/main" id="{AD4F69D3-EEB0-4C4C-9434-B9960FB5854C}"/>
               </a:ext>
             </a:extLst>
           </p:cNvPr>
@@ -11648,10 +11527,10 @@
           <p:cNvPr id="13" name="Oval 12" descr="Your startup LOGO">
             <a:extLst>
               <a:ext uri="{FF2B5EF4-FFF2-40B4-BE49-F238E27FC236}">
-                <a16:creationId xmlns:a16="http://schemas.microsoft.com/office/drawing/2014/main" xmlns="" id="{5DBCE864-823D-4A13-9607-5DA1F0ED5FB8}"/>
+                <a16:creationId xmlns:a16="http://schemas.microsoft.com/office/drawing/2014/main" id="{5DBCE864-823D-4A13-9607-5DA1F0ED5FB8}"/>
               </a:ext>
               <a:ext uri="{C183D7F6-B498-43B3-948B-1728B52AA6E4}">
-                <adec:decorative xmlns:adec="http://schemas.microsoft.com/office/drawing/2017/decorative" xmlns="" val="0"/>
+                <adec:decorative xmlns:adec="http://schemas.microsoft.com/office/drawing/2017/decorative" val="0"/>
               </a:ext>
             </a:extLst>
           </p:cNvPr>
@@ -11687,7 +11566,7 @@
           <a:p>
             <a:pPr algn="ctr"/>
             <a:r>
-              <a:rPr lang="en-US" dirty="0" smtClean="0"/>
+              <a:rPr lang="en-US" dirty="0"/>
               <a:t>Innov8</a:t>
             </a:r>
             <a:endParaRPr lang="en-IN" dirty="0"/>
@@ -11699,7 +11578,7 @@
           <p:cNvPr id="14" name="Picture 13">
             <a:extLst>
               <a:ext uri="{FF2B5EF4-FFF2-40B4-BE49-F238E27FC236}">
-                <a16:creationId xmlns:a16="http://schemas.microsoft.com/office/drawing/2014/main" xmlns="" id="{2AA04E5F-6E09-967B-32B6-EA3F08F93FBC}"/>
+                <a16:creationId xmlns:a16="http://schemas.microsoft.com/office/drawing/2014/main" id="{2AA04E5F-6E09-967B-32B6-EA3F08F93FBC}"/>
               </a:ext>
             </a:extLst>
           </p:cNvPr>
@@ -11716,8 +11595,8 @@
         </p:blipFill>
         <p:spPr>
           <a:xfrm>
-            <a:off x="8520567" y="4417640"/>
-            <a:ext cx="1320799" cy="1423909"/>
+            <a:off x="8921531" y="2729523"/>
+            <a:ext cx="1041400" cy="1122698"/>
           </a:xfrm>
           <a:prstGeom prst="rect">
             <a:avLst/>
@@ -11747,7 +11626,7 @@
         </p:blipFill>
         <p:spPr bwMode="auto">
           <a:xfrm>
-            <a:off x="9918311" y="4417640"/>
+            <a:off x="9686570" y="4266976"/>
             <a:ext cx="2055229" cy="1628602"/>
           </a:xfrm>
           <a:prstGeom prst="rect">
@@ -11788,6 +11667,100 @@
           </a:extLst>
         </p:spPr>
       </p:pic>
+      <p:pic>
+        <p:nvPicPr>
+          <p:cNvPr id="2" name="Picture 2"/>
+          <p:cNvPicPr>
+            <a:picLocks noChangeAspect="1" noChangeArrowheads="1"/>
+          </p:cNvPicPr>
+          <p:nvPr/>
+        </p:nvPicPr>
+        <p:blipFill>
+          <a:blip r:embed="rId8">
+            <a:extLst>
+              <a:ext uri="{28A0092B-C50C-407E-A947-70E740481C1C}">
+                <a14:useLocalDpi xmlns:a14="http://schemas.microsoft.com/office/drawing/2010/main" val="0"/>
+              </a:ext>
+            </a:extLst>
+          </a:blip>
+          <a:srcRect/>
+          <a:stretch>
+            <a:fillRect/>
+          </a:stretch>
+        </p:blipFill>
+        <p:spPr bwMode="auto">
+          <a:xfrm>
+            <a:off x="9962931" y="1205330"/>
+            <a:ext cx="1722198" cy="1349265"/>
+          </a:xfrm>
+          <a:prstGeom prst="rect">
+            <a:avLst/>
+          </a:prstGeom>
+          <a:noFill/>
+          <a:ln>
+            <a:noFill/>
+          </a:ln>
+          <a:effectLst/>
+          <a:extLst>
+            <a:ext uri="{909E8E84-426E-40DD-AFC4-6F175D3DCCD1}">
+              <a14:hiddenFill xmlns:a14="http://schemas.microsoft.com/office/drawing/2010/main">
+                <a:solidFill>
+                  <a:schemeClr val="accent1"/>
+                </a:solidFill>
+              </a14:hiddenFill>
+            </a:ext>
+            <a:ext uri="{91240B29-F687-4F45-9708-019B960494DF}">
+              <a14:hiddenLine xmlns:a14="http://schemas.microsoft.com/office/drawing/2010/main" w="9525">
+                <a:solidFill>
+                  <a:schemeClr val="tx1"/>
+                </a:solidFill>
+                <a:miter lim="800000"/>
+                <a:headEnd/>
+                <a:tailEnd/>
+              </a14:hiddenLine>
+            </a:ext>
+            <a:ext uri="{AF507438-7753-43E0-B8FC-AC1667EBCBE1}">
+              <a14:hiddenEffects xmlns:a14="http://schemas.microsoft.com/office/drawing/2010/main">
+                <a:effectLst>
+                  <a:outerShdw dist="35921" dir="2700000" algn="ctr" rotWithShape="0">
+                    <a:schemeClr val="bg2"/>
+                  </a:outerShdw>
+                </a:effectLst>
+              </a14:hiddenEffects>
+            </a:ext>
+          </a:extLst>
+        </p:spPr>
+      </p:pic>
+      <p:pic>
+        <p:nvPicPr>
+          <p:cNvPr id="4" name="Picture 3">
+            <a:extLst>
+              <a:ext uri="{FF2B5EF4-FFF2-40B4-BE49-F238E27FC236}">
+                <a16:creationId xmlns:a16="http://schemas.microsoft.com/office/drawing/2014/main" id="{5D8405A9-DAF7-3D68-13C9-8C445C3AC46F}"/>
+              </a:ext>
+            </a:extLst>
+          </p:cNvPr>
+          <p:cNvPicPr>
+            <a:picLocks noChangeAspect="1"/>
+          </p:cNvPicPr>
+          <p:nvPr/>
+        </p:nvPicPr>
+        <p:blipFill>
+          <a:blip r:embed="rId9"/>
+          <a:stretch>
+            <a:fillRect/>
+          </a:stretch>
+        </p:blipFill>
+        <p:spPr>
+          <a:xfrm>
+            <a:off x="4410502" y="941799"/>
+            <a:ext cx="4575843" cy="2573911"/>
+          </a:xfrm>
+          <a:prstGeom prst="rect">
+            <a:avLst/>
+          </a:prstGeom>
+        </p:spPr>
+      </p:pic>
     </p:spTree>
     <p:extLst>
       <p:ext uri="{BB962C8B-B14F-4D97-AF65-F5344CB8AC3E}">
@@ -11798,13 +11771,6 @@
   <p:clrMapOvr>
     <a:masterClrMapping/>
   </p:clrMapOvr>
-  <p:timing>
-    <p:tnLst>
-      <p:par>
-        <p:cTn id="1" dur="indefinite" restart="never" nodeType="tmRoot"/>
-      </p:par>
-    </p:tnLst>
-  </p:timing>
 </p:sld>
 </file>
 

--- a/Detector.pptx
+++ b/Detector.pptx
@@ -262,7 +262,7 @@
             <a:fld id="{C4D5ADD5-2BBC-4A94-8F86-D9013941F742}" type="datetimeFigureOut">
               <a:rPr lang="en-US"/>
               <a:pPr/>
-              <a:t>9/7/2025</a:t>
+              <a:t>9/9/2025</a:t>
             </a:fld>
             <a:endParaRPr lang="en-US"/>
           </a:p>
@@ -1654,7 +1654,7 @@
           <a:p>
             <a:fld id="{E60792E3-D524-454C-8AFD-A91972900BCB}" type="datetime1">
               <a:rPr lang="en-US" smtClean="0"/>
-              <a:t>9/7/2025</a:t>
+              <a:t>9/9/2025</a:t>
             </a:fld>
             <a:endParaRPr lang="en-US"/>
           </a:p>
@@ -1836,7 +1836,7 @@
           <a:p>
             <a:fld id="{053C3A68-6922-42D3-8905-ECC2D82A3469}" type="datetime1">
               <a:rPr lang="en-US" smtClean="0"/>
-              <a:t>9/7/2025</a:t>
+              <a:t>9/9/2025</a:t>
             </a:fld>
             <a:endParaRPr lang="en-US"/>
           </a:p>
@@ -2028,7 +2028,7 @@
           <a:p>
             <a:fld id="{CB69E9F4-7604-4950-A8B2-8ACDEDB1506E}" type="datetime1">
               <a:rPr lang="en-US" smtClean="0"/>
-              <a:t>9/7/2025</a:t>
+              <a:t>9/9/2025</a:t>
             </a:fld>
             <a:endParaRPr lang="en-US"/>
           </a:p>
@@ -2210,7 +2210,7 @@
           <a:p>
             <a:fld id="{708B7524-32A2-4C20-A58C-BC3BAA1042FC}" type="datetime1">
               <a:rPr lang="en-US" smtClean="0"/>
-              <a:t>9/7/2025</a:t>
+              <a:t>9/9/2025</a:t>
             </a:fld>
             <a:endParaRPr lang="en-US"/>
           </a:p>
@@ -2469,7 +2469,7 @@
           <a:p>
             <a:fld id="{1E994447-D6B2-43BB-A877-57F1A267B999}" type="datetime1">
               <a:rPr lang="en-US" smtClean="0"/>
-              <a:t>9/7/2025</a:t>
+              <a:t>9/9/2025</a:t>
             </a:fld>
             <a:endParaRPr lang="en-US"/>
           </a:p>
@@ -2768,7 +2768,7 @@
           <a:p>
             <a:fld id="{68920E16-BD35-483C-AA6B-346FC7E46DEA}" type="datetime1">
               <a:rPr lang="en-US" smtClean="0"/>
-              <a:t>9/7/2025</a:t>
+              <a:t>9/9/2025</a:t>
             </a:fld>
             <a:endParaRPr lang="en-US"/>
           </a:p>
@@ -3201,7 +3201,7 @@
           <a:p>
             <a:fld id="{2FEAC6F8-5103-4FC0-A69E-5C6AE6469DA8}" type="datetime1">
               <a:rPr lang="en-US" smtClean="0"/>
-              <a:t>9/7/2025</a:t>
+              <a:t>9/9/2025</a:t>
             </a:fld>
             <a:endParaRPr lang="en-US"/>
           </a:p>
@@ -3332,7 +3332,7 @@
           <a:p>
             <a:fld id="{C60C6921-0627-4C8F-83D5-0CF936D2FFDD}" type="datetime1">
               <a:rPr lang="en-US" smtClean="0"/>
-              <a:t>9/7/2025</a:t>
+              <a:t>9/9/2025</a:t>
             </a:fld>
             <a:endParaRPr lang="en-US"/>
           </a:p>
@@ -3441,7 +3441,7 @@
           <a:p>
             <a:fld id="{2FF08AD7-8103-40F8-983C-E2BA6BB9CBE0}" type="datetime1">
               <a:rPr lang="en-US" smtClean="0"/>
-              <a:t>9/7/2025</a:t>
+              <a:t>9/9/2025</a:t>
             </a:fld>
             <a:endParaRPr lang="en-US"/>
           </a:p>
@@ -3730,7 +3730,7 @@
           <a:p>
             <a:fld id="{DF8C06B4-9380-4A4D-AF49-A3596E17DAF5}" type="datetime1">
               <a:rPr lang="en-US" smtClean="0"/>
-              <a:t>9/7/2025</a:t>
+              <a:t>9/9/2025</a:t>
             </a:fld>
             <a:endParaRPr lang="en-US"/>
           </a:p>
@@ -3999,7 +3999,7 @@
           <a:p>
             <a:fld id="{EF7FDEF1-C582-4E22-9E77-D68326471F28}" type="datetime1">
               <a:rPr lang="en-US" smtClean="0"/>
-              <a:t>9/7/2025</a:t>
+              <a:t>9/9/2025</a:t>
             </a:fld>
             <a:endParaRPr lang="en-US"/>
           </a:p>
@@ -4242,7 +4242,7 @@
           <a:p>
             <a:fld id="{780A9602-A9A9-453F-AEF1-37B5837E02CD}" type="datetime1">
               <a:rPr lang="en-US" smtClean="0"/>
-              <a:t>9/7/2025</a:t>
+              <a:t>9/9/2025</a:t>
             </a:fld>
             <a:endParaRPr lang="en-US"/>
           </a:p>
@@ -9174,13 +9174,13 @@
       </p:pic>
       <p:pic>
         <p:nvPicPr>
-          <p:cNvPr id="2" name="Picture 2"/>
+          <p:cNvPr id="1028" name="Picture 4"/>
           <p:cNvPicPr>
             <a:picLocks noChangeAspect="1" noChangeArrowheads="1"/>
           </p:cNvPicPr>
           <p:nvPr/>
         </p:nvPicPr>
-        <p:blipFill>
+        <p:blipFill rotWithShape="1">
           <a:blip r:embed="rId4">
             <a:extLst>
               <a:ext uri="{28A0092B-C50C-407E-A947-70E740481C1C}">
@@ -9188,15 +9188,13 @@
               </a:ext>
             </a:extLst>
           </a:blip>
-          <a:srcRect/>
-          <a:stretch>
-            <a:fillRect/>
-          </a:stretch>
+          <a:srcRect l="4890"/>
+          <a:stretch/>
         </p:blipFill>
         <p:spPr bwMode="auto">
-          <a:xfrm>
-            <a:off x="3555125" y="4086438"/>
-            <a:ext cx="4989944" cy="2234974"/>
+          <a:xfrm rot="16200000">
+            <a:off x="7978362" y="2123510"/>
+            <a:ext cx="4487123" cy="3353709"/>
           </a:xfrm>
           <a:prstGeom prst="rect">
             <a:avLst/>
@@ -9238,68 +9236,6 @@
       </p:pic>
       <p:pic>
         <p:nvPicPr>
-          <p:cNvPr id="1028" name="Picture 4"/>
-          <p:cNvPicPr>
-            <a:picLocks noChangeAspect="1" noChangeArrowheads="1"/>
-          </p:cNvPicPr>
-          <p:nvPr/>
-        </p:nvPicPr>
-        <p:blipFill rotWithShape="1">
-          <a:blip r:embed="rId5">
-            <a:extLst>
-              <a:ext uri="{28A0092B-C50C-407E-A947-70E740481C1C}">
-                <a14:useLocalDpi xmlns:a14="http://schemas.microsoft.com/office/drawing/2010/main" val="0"/>
-              </a:ext>
-            </a:extLst>
-          </a:blip>
-          <a:srcRect l="4890"/>
-          <a:stretch/>
-        </p:blipFill>
-        <p:spPr bwMode="auto">
-          <a:xfrm rot="16200000">
-            <a:off x="7978362" y="2123510"/>
-            <a:ext cx="4487123" cy="3353709"/>
-          </a:xfrm>
-          <a:prstGeom prst="rect">
-            <a:avLst/>
-          </a:prstGeom>
-          <a:noFill/>
-          <a:ln>
-            <a:noFill/>
-          </a:ln>
-          <a:effectLst/>
-          <a:extLst>
-            <a:ext uri="{909E8E84-426E-40DD-AFC4-6F175D3DCCD1}">
-              <a14:hiddenFill xmlns:a14="http://schemas.microsoft.com/office/drawing/2010/main">
-                <a:solidFill>
-                  <a:schemeClr val="accent1"/>
-                </a:solidFill>
-              </a14:hiddenFill>
-            </a:ext>
-            <a:ext uri="{91240B29-F687-4F45-9708-019B960494DF}">
-              <a14:hiddenLine xmlns:a14="http://schemas.microsoft.com/office/drawing/2010/main" w="9525">
-                <a:solidFill>
-                  <a:schemeClr val="tx1"/>
-                </a:solidFill>
-                <a:miter lim="800000"/>
-                <a:headEnd/>
-                <a:tailEnd/>
-              </a14:hiddenLine>
-            </a:ext>
-            <a:ext uri="{AF507438-7753-43E0-B8FC-AC1667EBCBE1}">
-              <a14:hiddenEffects xmlns:a14="http://schemas.microsoft.com/office/drawing/2010/main">
-                <a:effectLst>
-                  <a:outerShdw dist="35921" dir="2700000" algn="ctr" rotWithShape="0">
-                    <a:schemeClr val="bg2"/>
-                  </a:outerShdw>
-                </a:effectLst>
-              </a14:hiddenEffects>
-            </a:ext>
-          </a:extLst>
-        </p:spPr>
-      </p:pic>
-      <p:pic>
-        <p:nvPicPr>
           <p:cNvPr id="8" name="Picture 7">
             <a:extLst>
               <a:ext uri="{FF2B5EF4-FFF2-40B4-BE49-F238E27FC236}">
@@ -9313,10 +9249,10 @@
           <p:nvPr/>
         </p:nvPicPr>
         <p:blipFill>
-          <a:blip r:embed="rId6">
+          <a:blip r:embed="rId5">
             <a:extLst>
               <a:ext uri="{837473B0-CC2E-450A-ABE3-18F120FF3D39}">
-                <a1611:picAttrSrcUrl xmlns:a1611="http://schemas.microsoft.com/office/drawing/2016/11/main" r:id="rId7"/>
+                <a1611:picAttrSrcUrl xmlns:a1611="http://schemas.microsoft.com/office/drawing/2016/11/main" r:id="rId6"/>
               </a:ext>
             </a:extLst>
           </a:blip>
@@ -9326,7 +9262,7 @@
         </p:blipFill>
         <p:spPr>
           <a:xfrm>
-            <a:off x="94594" y="4572001"/>
+            <a:off x="2033760" y="4572001"/>
             <a:ext cx="3344256" cy="1264737"/>
           </a:xfrm>
           <a:prstGeom prst="rect">
@@ -9349,7 +9285,7 @@
           <p:nvPr/>
         </p:nvPicPr>
         <p:blipFill>
-          <a:blip r:embed="rId8"/>
+          <a:blip r:embed="rId7"/>
           <a:stretch>
             <a:fillRect/>
           </a:stretch>
@@ -9373,7 +9309,7 @@
           <p:nvPr/>
         </p:nvPicPr>
         <p:blipFill>
-          <a:blip r:embed="rId9">
+          <a:blip r:embed="rId8">
             <a:extLst>
               <a:ext uri="{28A0092B-C50C-407E-A947-70E740481C1C}">
                 <a14:useLocalDpi xmlns:a14="http://schemas.microsoft.com/office/drawing/2010/main" val="0"/>
@@ -9387,7 +9323,7 @@
         </p:blipFill>
         <p:spPr bwMode="auto">
           <a:xfrm>
-            <a:off x="4157176" y="1306261"/>
+            <a:off x="4157176" y="1227433"/>
             <a:ext cx="4249705" cy="2640587"/>
           </a:xfrm>
           <a:prstGeom prst="rect">
@@ -9867,7 +9803,7 @@
         <p:spPr bwMode="auto">
           <a:xfrm>
             <a:off x="701040" y="2573821"/>
-            <a:ext cx="6035040" cy="1354217"/>
+            <a:ext cx="6035040" cy="1107996"/>
           </a:xfrm>
           <a:prstGeom prst="rect">
             <a:avLst/>
@@ -9915,23 +9851,6 @@
                 <a:cs typeface="Times New Roman" panose="02020603050405020304" pitchFamily="18" charset="0"/>
               </a:rPr>
               <a:t>Environmental noise (algae, silt) complicates microplastic detection</a:t>
-            </a:r>
-          </a:p>
-          <a:p>
-            <a:pPr marL="342900" lvl="0" indent="-342900" algn="just">
-              <a:buFont typeface="Arial" panose="020B0604020202020204" pitchFamily="34" charset="0"/>
-              <a:buChar char="•"/>
-              <a:defRPr/>
-            </a:pPr>
-            <a:r>
-              <a:rPr lang="en-US" sz="1600" dirty="0">
-                <a:solidFill>
-                  <a:prstClr val="black"/>
-                </a:solidFill>
-                <a:latin typeface="Times New Roman" panose="02020603050405020304" pitchFamily="18" charset="0"/>
-                <a:cs typeface="Times New Roman" panose="02020603050405020304" pitchFamily="18" charset="0"/>
-              </a:rPr>
-              <a:t>Low-cost optics can only resolve particles larger than ~50 µm.</a:t>
             </a:r>
           </a:p>
           <a:p>

--- a/Detector.pptx
+++ b/Detector.pptx
@@ -262,7 +262,7 @@
             <a:fld id="{C4D5ADD5-2BBC-4A94-8F86-D9013941F742}" type="datetimeFigureOut">
               <a:rPr lang="en-US"/>
               <a:pPr/>
-              <a:t>9/9/2025</a:t>
+              <a:t>9/10/2025</a:t>
             </a:fld>
             <a:endParaRPr lang="en-US"/>
           </a:p>
@@ -1654,7 +1654,7 @@
           <a:p>
             <a:fld id="{E60792E3-D524-454C-8AFD-A91972900BCB}" type="datetime1">
               <a:rPr lang="en-US" smtClean="0"/>
-              <a:t>9/9/2025</a:t>
+              <a:t>9/10/2025</a:t>
             </a:fld>
             <a:endParaRPr lang="en-US"/>
           </a:p>
@@ -1836,7 +1836,7 @@
           <a:p>
             <a:fld id="{053C3A68-6922-42D3-8905-ECC2D82A3469}" type="datetime1">
               <a:rPr lang="en-US" smtClean="0"/>
-              <a:t>9/9/2025</a:t>
+              <a:t>9/10/2025</a:t>
             </a:fld>
             <a:endParaRPr lang="en-US"/>
           </a:p>
@@ -2028,7 +2028,7 @@
           <a:p>
             <a:fld id="{CB69E9F4-7604-4950-A8B2-8ACDEDB1506E}" type="datetime1">
               <a:rPr lang="en-US" smtClean="0"/>
-              <a:t>9/9/2025</a:t>
+              <a:t>9/10/2025</a:t>
             </a:fld>
             <a:endParaRPr lang="en-US"/>
           </a:p>
@@ -2210,7 +2210,7 @@
           <a:p>
             <a:fld id="{708B7524-32A2-4C20-A58C-BC3BAA1042FC}" type="datetime1">
               <a:rPr lang="en-US" smtClean="0"/>
-              <a:t>9/9/2025</a:t>
+              <a:t>9/10/2025</a:t>
             </a:fld>
             <a:endParaRPr lang="en-US"/>
           </a:p>
@@ -2469,7 +2469,7 @@
           <a:p>
             <a:fld id="{1E994447-D6B2-43BB-A877-57F1A267B999}" type="datetime1">
               <a:rPr lang="en-US" smtClean="0"/>
-              <a:t>9/9/2025</a:t>
+              <a:t>9/10/2025</a:t>
             </a:fld>
             <a:endParaRPr lang="en-US"/>
           </a:p>
@@ -2768,7 +2768,7 @@
           <a:p>
             <a:fld id="{68920E16-BD35-483C-AA6B-346FC7E46DEA}" type="datetime1">
               <a:rPr lang="en-US" smtClean="0"/>
-              <a:t>9/9/2025</a:t>
+              <a:t>9/10/2025</a:t>
             </a:fld>
             <a:endParaRPr lang="en-US"/>
           </a:p>
@@ -3201,7 +3201,7 @@
           <a:p>
             <a:fld id="{2FEAC6F8-5103-4FC0-A69E-5C6AE6469DA8}" type="datetime1">
               <a:rPr lang="en-US" smtClean="0"/>
-              <a:t>9/9/2025</a:t>
+              <a:t>9/10/2025</a:t>
             </a:fld>
             <a:endParaRPr lang="en-US"/>
           </a:p>
@@ -3332,7 +3332,7 @@
           <a:p>
             <a:fld id="{C60C6921-0627-4C8F-83D5-0CF936D2FFDD}" type="datetime1">
               <a:rPr lang="en-US" smtClean="0"/>
-              <a:t>9/9/2025</a:t>
+              <a:t>9/10/2025</a:t>
             </a:fld>
             <a:endParaRPr lang="en-US"/>
           </a:p>
@@ -3441,7 +3441,7 @@
           <a:p>
             <a:fld id="{2FF08AD7-8103-40F8-983C-E2BA6BB9CBE0}" type="datetime1">
               <a:rPr lang="en-US" smtClean="0"/>
-              <a:t>9/9/2025</a:t>
+              <a:t>9/10/2025</a:t>
             </a:fld>
             <a:endParaRPr lang="en-US"/>
           </a:p>
@@ -3730,7 +3730,7 @@
           <a:p>
             <a:fld id="{DF8C06B4-9380-4A4D-AF49-A3596E17DAF5}" type="datetime1">
               <a:rPr lang="en-US" smtClean="0"/>
-              <a:t>9/9/2025</a:t>
+              <a:t>9/10/2025</a:t>
             </a:fld>
             <a:endParaRPr lang="en-US"/>
           </a:p>
@@ -3999,7 +3999,7 @@
           <a:p>
             <a:fld id="{EF7FDEF1-C582-4E22-9E77-D68326471F28}" type="datetime1">
               <a:rPr lang="en-US" smtClean="0"/>
-              <a:t>9/9/2025</a:t>
+              <a:t>9/10/2025</a:t>
             </a:fld>
             <a:endParaRPr lang="en-US"/>
           </a:p>
@@ -4242,7 +4242,7 @@
           <a:p>
             <a:fld id="{780A9602-A9A9-453F-AEF1-37B5837E02CD}" type="datetime1">
               <a:rPr lang="en-US" smtClean="0"/>
-              <a:t>9/9/2025</a:t>
+              <a:t>9/10/2025</a:t>
             </a:fld>
             <a:endParaRPr lang="en-US"/>
           </a:p>
@@ -6070,7 +6070,7 @@
                 <a:ea typeface="ＭＳ Ｐゴシック" pitchFamily="1" charset="-128"/>
                 <a:cs typeface="Times New Roman" panose="02020603050405020304" pitchFamily="18" charset="0"/>
               </a:rPr>
-              <a:t>IDEA TITLE</a:t>
+              <a:t>MP Detector</a:t>
             </a:r>
           </a:p>
         </p:txBody>
@@ -8288,7 +8288,7 @@
         <p:spPr bwMode="auto">
           <a:xfrm>
             <a:off x="525788" y="3786454"/>
-            <a:ext cx="5781040" cy="2508379"/>
+            <a:ext cx="5781040" cy="2108269"/>
           </a:xfrm>
           <a:prstGeom prst="rect">
             <a:avLst/>
@@ -8347,21 +8347,21 @@
               <a:buChar char="o"/>
             </a:pPr>
             <a:r>
-              <a:rPr lang="en-US" sz="1600" dirty="0">
+              <a:rPr lang="en-US" sz="1400" dirty="0">
                 <a:latin typeface="Times New Roman" panose="02020603050405020304" pitchFamily="18" charset="0"/>
                 <a:cs typeface="Times New Roman" panose="02020603050405020304" pitchFamily="18" charset="0"/>
               </a:rPr>
               <a:t>1D-CNN — input 18 channels → Conv(32, kernel=3) → Conv(64) → Dense(64) → </a:t>
             </a:r>
             <a:r>
-              <a:rPr lang="en-US" sz="1600" dirty="0" err="1">
+              <a:rPr lang="en-US" sz="1400" dirty="0" err="1">
                 <a:latin typeface="Times New Roman" panose="02020603050405020304" pitchFamily="18" charset="0"/>
                 <a:cs typeface="Times New Roman" panose="02020603050405020304" pitchFamily="18" charset="0"/>
               </a:rPr>
               <a:t>Softmax</a:t>
             </a:r>
             <a:r>
-              <a:rPr lang="en-US" sz="1600" dirty="0">
+              <a:rPr lang="en-US" sz="1400" dirty="0">
                 <a:latin typeface="Times New Roman" panose="02020603050405020304" pitchFamily="18" charset="0"/>
                 <a:cs typeface="Times New Roman" panose="02020603050405020304" pitchFamily="18" charset="0"/>
               </a:rPr>
@@ -8377,7 +8377,7 @@
               <a:buChar char="o"/>
             </a:pPr>
             <a:r>
-              <a:rPr lang="en-US" sz="1600" dirty="0">
+              <a:rPr lang="en-US" sz="1400" dirty="0">
                 <a:latin typeface="Times New Roman" panose="02020603050405020304" pitchFamily="18" charset="0"/>
                 <a:cs typeface="Times New Roman" panose="02020603050405020304" pitchFamily="18" charset="0"/>
               </a:rPr>
@@ -8678,7 +8678,7 @@
                 <a:latin typeface="Times New Roman" panose="02020603050405020304" pitchFamily="18" charset="0"/>
                 <a:cs typeface="Times New Roman" panose="02020603050405020304" pitchFamily="18" charset="0"/>
               </a:rPr>
-              <a:t> AS7265x multispectral (18 bands 410–940 nm) for spectral signature; ESP32-S3 camera (5 MP) with optional 10× objective for ≤50 µm resolution.</a:t>
+              <a:t> AS7265x multispectral (18 bands 410–940 nm) for spectral signature; ESP32-S3 camera (5 MP) with 10× objective for ≤50 µm resolution.</a:t>
             </a:r>
           </a:p>
           <a:p>
@@ -9193,7 +9193,7 @@
         </p:blipFill>
         <p:spPr bwMode="auto">
           <a:xfrm rot="16200000">
-            <a:off x="7978362" y="2123510"/>
+            <a:off x="8130070" y="2191165"/>
             <a:ext cx="4487123" cy="3353709"/>
           </a:xfrm>
           <a:prstGeom prst="rect">
@@ -9262,8 +9262,8 @@
         </p:blipFill>
         <p:spPr>
           <a:xfrm>
-            <a:off x="2033760" y="4572001"/>
-            <a:ext cx="3344256" cy="1264737"/>
+            <a:off x="1153627" y="4337567"/>
+            <a:ext cx="4844285" cy="1832021"/>
           </a:xfrm>
           <a:prstGeom prst="rect">
             <a:avLst/>
@@ -9293,7 +9293,7 @@
         <p:spPr>
           <a:xfrm>
             <a:off x="94594" y="1443742"/>
-            <a:ext cx="3733922" cy="2582989"/>
+            <a:ext cx="3924394" cy="2714750"/>
           </a:xfrm>
           <a:prstGeom prst="rect">
             <a:avLst/>
@@ -9323,8 +9323,8 @@
         </p:blipFill>
         <p:spPr bwMode="auto">
           <a:xfrm>
-            <a:off x="4157176" y="1227433"/>
-            <a:ext cx="4249705" cy="2640587"/>
+            <a:off x="4180597" y="1369580"/>
+            <a:ext cx="4369061" cy="2714750"/>
           </a:xfrm>
           <a:prstGeom prst="rect">
             <a:avLst/>
@@ -11347,8 +11347,8 @@
         </p:nvSpPr>
         <p:spPr bwMode="auto">
           <a:xfrm>
-            <a:off x="609600" y="1818940"/>
-            <a:ext cx="4616669" cy="1754326"/>
+            <a:off x="506871" y="1538932"/>
+            <a:ext cx="4616669" cy="2031325"/>
           </a:xfrm>
           <a:prstGeom prst="rect">
             <a:avLst/>
@@ -11398,7 +11398,17 @@
             </a:pPr>
             <a:r>
               <a:rPr lang="en-US" dirty="0"/>
-              <a:t>AS7265x : ~11000</a:t>
+              <a:t>OV5640 : ~2500</a:t>
+            </a:r>
+          </a:p>
+          <a:p>
+            <a:pPr marL="285750" indent="-285750">
+              <a:buFont typeface="Arial" panose="020B0604020202020204" pitchFamily="34" charset="0"/>
+              <a:buChar char="•"/>
+            </a:pPr>
+            <a:r>
+              <a:rPr lang="en-US" dirty="0"/>
+              <a:t>AS7265x : ~9000</a:t>
             </a:r>
           </a:p>
           <a:p>
@@ -11436,7 +11446,7 @@
                   <a:srgbClr val="FF0000"/>
                 </a:solidFill>
               </a:rPr>
-              <a:t>Total: 17500</a:t>
+              <a:t>Total: 18000</a:t>
             </a:r>
           </a:p>
         </p:txBody>
@@ -11514,7 +11524,7 @@
         </p:blipFill>
         <p:spPr>
           <a:xfrm>
-            <a:off x="8921531" y="2729523"/>
+            <a:off x="10160000" y="2846722"/>
             <a:ext cx="1041400" cy="1122698"/>
           </a:xfrm>
           <a:prstGeom prst="rect">
